--- a/trunk/ppt/Implementation Object Linking and Embedding for Processes Control.pptx
+++ b/trunk/ppt/Implementation Object Linking and Embedding for Processes Control.pptx
@@ -5,10 +5,10 @@
     <p:sldMasterId id="2147483651" r:id="rId1"/>
   </p:sldMasterIdLst>
   <p:notesMasterIdLst>
-    <p:notesMasterId r:id="rId25"/>
+    <p:notesMasterId r:id="rId26"/>
   </p:notesMasterIdLst>
   <p:handoutMasterIdLst>
-    <p:handoutMasterId r:id="rId26"/>
+    <p:handoutMasterId r:id="rId27"/>
   </p:handoutMasterIdLst>
   <p:sldIdLst>
     <p:sldId id="256" r:id="rId2"/>
@@ -31,9 +31,10 @@
     <p:sldId id="272" r:id="rId19"/>
     <p:sldId id="279" r:id="rId20"/>
     <p:sldId id="280" r:id="rId21"/>
-    <p:sldId id="273" r:id="rId22"/>
-    <p:sldId id="281" r:id="rId23"/>
-    <p:sldId id="274" r:id="rId24"/>
+    <p:sldId id="282" r:id="rId22"/>
+    <p:sldId id="273" r:id="rId23"/>
+    <p:sldId id="281" r:id="rId24"/>
+    <p:sldId id="274" r:id="rId25"/>
   </p:sldIdLst>
   <p:sldSz cx="9144000" cy="6858000" type="screen4x3"/>
   <p:notesSz cx="6743700" cy="9906000"/>
@@ -1400,7 +1401,7 @@
             <a:fld id="{71D6DBAF-C9CC-41B3-844C-C1F5D8267235}" type="datetime4">
               <a:rPr lang="en-US"/>
               <a:pPr/>
-              <a:t>March 17, 2014</a:t>
+              <a:t>March 18, 2014</a:t>
             </a:fld>
             <a:endParaRPr lang="en-US"/>
           </a:p>
@@ -1634,7 +1635,7 @@
             <a:fld id="{D9CB193C-FC74-4279-8388-9DD1BFD58DB8}" type="datetime4">
               <a:rPr lang="en-US"/>
               <a:pPr/>
-              <a:t>March 17, 2014</a:t>
+              <a:t>March 18, 2014</a:t>
             </a:fld>
             <a:endParaRPr lang="en-US"/>
           </a:p>
@@ -2082,7 +2083,7 @@
             <a:fld id="{F9C0533E-6560-41EF-998F-4A06FB5FB3B5}" type="datetime4">
               <a:rPr lang="en-US"/>
               <a:pPr/>
-              <a:t>March 17, 2014</a:t>
+              <a:t>March 18, 2014</a:t>
             </a:fld>
             <a:endParaRPr lang="en-US"/>
           </a:p>
@@ -2652,7 +2653,7 @@
             <a:fld id="{BE3ACA9F-847D-4917-9890-CF03388418A4}" type="datetime4">
               <a:rPr lang="en-US"/>
               <a:pPr/>
-              <a:t>March 17, 2014</a:t>
+              <a:t>March 18, 2014</a:t>
             </a:fld>
             <a:endParaRPr lang="en-US"/>
           </a:p>
@@ -4741,7 +4742,7 @@
         </p:blipFill>
         <p:spPr bwMode="auto">
           <a:xfrm>
-            <a:off x="753586" y="1595564"/>
+            <a:off x="724089" y="1792800"/>
             <a:ext cx="7429055" cy="3387915"/>
           </a:xfrm>
           <a:prstGeom prst="rect">
@@ -5010,8 +5011,19 @@
           <a:p>
             <a:r>
               <a:rPr lang="en-US" altLang="zh-CN" dirty="0" smtClean="0"/>
-              <a:t>Implementation Scenario</a:t>
-            </a:r>
+              <a:t>Implementation </a:t>
+            </a:r>
+            <a:r>
+              <a:rPr lang="en-US" altLang="zh-CN" dirty="0" smtClean="0"/>
+              <a:t>Scenario</a:t>
+            </a:r>
+          </a:p>
+          <a:p>
+            <a:r>
+              <a:rPr lang="en-GB" altLang="zh-CN" dirty="0" smtClean="0"/>
+              <a:t>Goals</a:t>
+            </a:r>
+            <a:endParaRPr lang="en-US" altLang="zh-CN" dirty="0" smtClean="0"/>
           </a:p>
           <a:p>
             <a:r>
@@ -5103,7 +5115,7 @@
             <a:fld id="{D9CB193C-FC74-4279-8388-9DD1BFD58DB8}" type="datetime4">
               <a:rPr lang="en-US" smtClean="0"/>
               <a:pPr/>
-              <a:t>March 17, 2014</a:t>
+              <a:t>March 18, 2014</a:t>
             </a:fld>
             <a:endParaRPr lang="en-US"/>
           </a:p>
@@ -5301,7 +5313,7 @@
       </p:grpSpPr>
       <p:sp>
         <p:nvSpPr>
-          <p:cNvPr id="2" name="标题 1"/>
+          <p:cNvPr id="2" name="Title 1"/>
           <p:cNvSpPr>
             <a:spLocks noGrp="1"/>
           </p:cNvSpPr>
@@ -5315,16 +5327,16 @@
           <a:lstStyle/>
           <a:p>
             <a:r>
-              <a:rPr lang="en-US" altLang="zh-CN" dirty="0" smtClean="0"/>
-              <a:t>Time Lines</a:t>
-            </a:r>
-            <a:endParaRPr lang="zh-CN" altLang="en-US" dirty="0"/>
-          </a:p>
-        </p:txBody>
-      </p:sp>
-      <p:sp>
-        <p:nvSpPr>
-          <p:cNvPr id="3" name="内容占位符 2"/>
+              <a:rPr lang="en-GB" dirty="0" smtClean="0"/>
+              <a:t>Goals</a:t>
+            </a:r>
+            <a:endParaRPr lang="en-US" dirty="0"/>
+          </a:p>
+        </p:txBody>
+      </p:sp>
+      <p:sp>
+        <p:nvSpPr>
+          <p:cNvPr id="3" name="Content Placeholder 2"/>
           <p:cNvSpPr>
             <a:spLocks noGrp="1"/>
           </p:cNvSpPr>
@@ -5337,49 +5349,61 @@
           <a:bodyPr/>
           <a:lstStyle/>
           <a:p>
-            <a:r>
-              <a:rPr lang="en-US" altLang="zh-CN" dirty="0" smtClean="0"/>
-              <a:t>Reference</a:t>
-            </a:r>
-          </a:p>
-          <a:p>
-            <a:r>
-              <a:rPr lang="en-US" altLang="zh-CN" dirty="0" smtClean="0"/>
-              <a:t>Dummy client/server construction</a:t>
-            </a:r>
-          </a:p>
-          <a:p>
-            <a:r>
-              <a:rPr lang="en-US" altLang="zh-CN" dirty="0" smtClean="0"/>
-              <a:t>Communication stack on UICC smart card</a:t>
-            </a:r>
-          </a:p>
-          <a:p>
-            <a:r>
-              <a:rPr lang="en-US" altLang="zh-CN" dirty="0" smtClean="0"/>
-              <a:t>Combination and debugging</a:t>
-            </a:r>
-          </a:p>
-          <a:p>
-            <a:r>
-              <a:rPr lang="en-US" altLang="zh-CN" dirty="0" smtClean="0"/>
-              <a:t>Analyze secure protocols </a:t>
-            </a:r>
-          </a:p>
-          <a:p>
-            <a:r>
-              <a:rPr lang="en-US" altLang="zh-CN" dirty="0" smtClean="0"/>
-              <a:t>Analyze performance</a:t>
-            </a:r>
-          </a:p>
-          <a:p>
-            <a:endParaRPr lang="zh-CN" altLang="en-US" dirty="0"/>
-          </a:p>
-        </p:txBody>
-      </p:sp>
-      <p:sp>
-        <p:nvSpPr>
-          <p:cNvPr id="4" name="灯片编号占位符 3"/>
+            <a:endParaRPr lang="en-GB" dirty="0" smtClean="0"/>
+          </a:p>
+          <a:p>
+            <a:r>
+              <a:rPr lang="en-GB" dirty="0" smtClean="0"/>
+              <a:t>Describing highlighting features of OPC UA</a:t>
+            </a:r>
+          </a:p>
+          <a:p>
+            <a:r>
+              <a:rPr lang="en-GB" dirty="0" smtClean="0"/>
+              <a:t>Analyzing security protocols and their performance</a:t>
+            </a:r>
+          </a:p>
+          <a:p>
+            <a:r>
+              <a:rPr lang="en-GB" dirty="0" smtClean="0"/>
+              <a:t>Studying smart card technology</a:t>
+            </a:r>
+          </a:p>
+          <a:p>
+            <a:r>
+              <a:rPr lang="en-GB" dirty="0" smtClean="0"/>
+              <a:t>Learning security mechanisms provided by smart card</a:t>
+            </a:r>
+          </a:p>
+          <a:p>
+            <a:r>
+              <a:rPr lang="en-GB" dirty="0" smtClean="0"/>
+              <a:t>Build OPC UA standard client and server application</a:t>
+            </a:r>
+          </a:p>
+          <a:p>
+            <a:r>
+              <a:rPr lang="en-GB" dirty="0" smtClean="0"/>
+              <a:t>Build client side communication stack on smart card</a:t>
+            </a:r>
+          </a:p>
+          <a:p>
+            <a:r>
+              <a:rPr lang="en-GB" dirty="0" smtClean="0"/>
+              <a:t>Build/simulate remote application server</a:t>
+            </a:r>
+          </a:p>
+          <a:p>
+            <a:endParaRPr lang="en-GB" dirty="0" smtClean="0"/>
+          </a:p>
+          <a:p>
+            <a:endParaRPr lang="en-US" dirty="0"/>
+          </a:p>
+        </p:txBody>
+      </p:sp>
+      <p:sp>
+        <p:nvSpPr>
+          <p:cNvPr id="4" name="Slide Number Placeholder 3"/>
           <p:cNvSpPr>
             <a:spLocks noGrp="1"/>
           </p:cNvSpPr>
@@ -5403,7 +5427,7 @@
       </p:sp>
       <p:sp>
         <p:nvSpPr>
-          <p:cNvPr id="5" name="页脚占位符 4"/>
+          <p:cNvPr id="5" name="Footer Placeholder 4"/>
           <p:cNvSpPr>
             <a:spLocks noGrp="1"/>
           </p:cNvSpPr>
@@ -5426,7 +5450,7 @@
       </p:sp>
       <p:sp>
         <p:nvSpPr>
-          <p:cNvPr id="6" name="日期占位符 5"/>
+          <p:cNvPr id="6" name="Date Placeholder 5"/>
           <p:cNvSpPr>
             <a:spLocks noGrp="1"/>
           </p:cNvSpPr>
@@ -5453,13 +5477,6 @@
   <p:clrMapOvr>
     <a:masterClrMapping/>
   </p:clrMapOvr>
-  <p:timing>
-    <p:tnLst>
-      <p:par>
-        <p:cTn id="1" dur="indefinite" restart="never" nodeType="tmRoot"/>
-      </p:par>
-    </p:tnLst>
-  </p:timing>
 </p:sld>
 </file>
 
@@ -5496,8 +5513,8 @@
           <a:lstStyle/>
           <a:p>
             <a:r>
-              <a:rPr lang="en-US" altLang="zh-CN" dirty="0" err="1" smtClean="0"/>
-              <a:t>Rerferences</a:t>
+              <a:rPr lang="en-US" altLang="zh-CN" dirty="0" smtClean="0"/>
+              <a:t>Time Lines</a:t>
             </a:r>
             <a:endParaRPr lang="zh-CN" altLang="en-US" dirty="0"/>
           </a:p>
@@ -5518,111 +5535,55 @@
           <a:bodyPr/>
           <a:lstStyle/>
           <a:p>
+            <a:endParaRPr lang="en-US" altLang="zh-CN" smtClean="0"/>
+          </a:p>
+          <a:p>
+            <a:r>
+              <a:rPr lang="en-US" altLang="zh-CN" smtClean="0"/>
+              <a:t>Reference</a:t>
+            </a:r>
+            <a:endParaRPr lang="en-US" altLang="zh-CN" dirty="0" smtClean="0"/>
+          </a:p>
+          <a:p>
             <a:r>
               <a:rPr lang="en-US" altLang="zh-CN" dirty="0" smtClean="0"/>
-              <a:t>OPC UA specification 1-11</a:t>
+              <a:t>Dummy client/server construction</a:t>
             </a:r>
           </a:p>
           <a:p>
             <a:r>
               <a:rPr lang="en-US" altLang="zh-CN" dirty="0" smtClean="0"/>
-              <a:t>Stefan-Helmut </a:t>
-            </a:r>
-            <a:r>
-              <a:rPr lang="en-US" altLang="zh-CN" dirty="0" err="1" smtClean="0"/>
-              <a:t>Leitner</a:t>
+              <a:t>Communication stack on UICC smart </a:t>
             </a:r>
             <a:r>
               <a:rPr lang="en-US" altLang="zh-CN" dirty="0" smtClean="0"/>
-              <a:t> and Wolfgang </a:t>
-            </a:r>
-            <a:r>
-              <a:rPr lang="en-US" altLang="zh-CN" dirty="0" err="1" smtClean="0"/>
-              <a:t>Mahnk</a:t>
-            </a:r>
+              <a:t>card</a:t>
+            </a:r>
+          </a:p>
+          <a:p>
+            <a:r>
+              <a:rPr lang="en-GB" altLang="zh-CN" dirty="0" smtClean="0"/>
+              <a:t>Remote application server construction</a:t>
+            </a:r>
+            <a:endParaRPr lang="en-US" altLang="zh-CN" dirty="0" smtClean="0"/>
+          </a:p>
+          <a:p>
             <a:r>
               <a:rPr lang="en-US" altLang="zh-CN" dirty="0" smtClean="0"/>
-              <a:t>: </a:t>
-            </a:r>
-            <a:r>
-              <a:rPr lang="en-US" altLang="zh-CN" dirty="0" err="1" smtClean="0"/>
-              <a:t>Opc</a:t>
-            </a:r>
+              <a:t>Combination and debugging</a:t>
+            </a:r>
+          </a:p>
+          <a:p>
             <a:r>
               <a:rPr lang="en-US" altLang="zh-CN" dirty="0" smtClean="0"/>
-              <a:t> </a:t>
-            </a:r>
-            <a:r>
-              <a:rPr lang="en-US" altLang="zh-CN" dirty="0" err="1" smtClean="0"/>
-              <a:t>ua</a:t>
-            </a:r>
+              <a:t>Analyze secure protocols </a:t>
+            </a:r>
+          </a:p>
+          <a:p>
             <a:r>
               <a:rPr lang="en-US" altLang="zh-CN" dirty="0" smtClean="0"/>
-              <a:t>-service-oriented </a:t>
-            </a:r>
-            <a:r>
-              <a:rPr lang="en-US" altLang="zh-CN" dirty="0" smtClean="0"/>
-              <a:t>architecture for </a:t>
-            </a:r>
-            <a:r>
-              <a:rPr lang="en-US" altLang="zh-CN" dirty="0" smtClean="0"/>
-              <a:t>industrial </a:t>
-            </a:r>
-            <a:r>
-              <a:rPr lang="en-US" altLang="zh-CN" dirty="0" smtClean="0"/>
-              <a:t>applications</a:t>
-            </a:r>
-          </a:p>
-          <a:p>
-            <a:r>
-              <a:rPr lang="en-US" altLang="zh-CN" dirty="0" smtClean="0"/>
-              <a:t>Wolfgang </a:t>
-            </a:r>
-            <a:r>
-              <a:rPr lang="en-US" altLang="zh-CN" dirty="0" err="1" smtClean="0"/>
-              <a:t>Mahnke</a:t>
-            </a:r>
-            <a:r>
-              <a:rPr lang="en-US" altLang="zh-CN" dirty="0" smtClean="0"/>
-              <a:t>, Stefan-Helmut </a:t>
-            </a:r>
-            <a:r>
-              <a:rPr lang="en-US" altLang="zh-CN" dirty="0" err="1" smtClean="0"/>
-              <a:t>Leitner:OPC</a:t>
-            </a:r>
-            <a:r>
-              <a:rPr lang="en-US" altLang="zh-CN" dirty="0" smtClean="0"/>
-              <a:t> </a:t>
-            </a:r>
-            <a:r>
-              <a:rPr lang="en-US" altLang="zh-CN" dirty="0" smtClean="0"/>
-              <a:t>Unified </a:t>
-            </a:r>
-            <a:r>
-              <a:rPr lang="en-US" altLang="zh-CN" dirty="0" smtClean="0"/>
-              <a:t>Architecture</a:t>
-            </a:r>
-          </a:p>
-          <a:p>
-            <a:r>
-              <a:rPr lang="de-DE" altLang="zh-CN" dirty="0" smtClean="0"/>
-              <a:t>Wolfgang Rankl und Wolfgang Eng: Handbuch der chipkarten - 5. </a:t>
-            </a:r>
-            <a:r>
-              <a:rPr lang="de-DE" altLang="zh-CN" dirty="0" smtClean="0"/>
-              <a:t>deutsche </a:t>
-            </a:r>
-            <a:r>
-              <a:rPr lang="en-US" altLang="zh-CN" dirty="0" err="1" smtClean="0"/>
-              <a:t>auflage</a:t>
-            </a:r>
-            <a:r>
-              <a:rPr lang="en-US" altLang="zh-CN" dirty="0" smtClean="0"/>
-              <a:t>. (2008)</a:t>
-            </a:r>
-          </a:p>
-          <a:p>
-            <a:endParaRPr lang="en-US" altLang="zh-CN" dirty="0" smtClean="0"/>
+              <a:t>Analyze performance</a:t>
+            </a:r>
           </a:p>
           <a:p>
             <a:endParaRPr lang="zh-CN" altLang="en-US" dirty="0"/>
@@ -5734,20 +5695,126 @@
       </p:grpSpPr>
       <p:sp>
         <p:nvSpPr>
-          <p:cNvPr id="8" name="副标题 7"/>
-          <p:cNvSpPr>
-            <a:spLocks noGrp="1"/>
-          </p:cNvSpPr>
-          <p:nvPr>
-            <p:ph type="subTitle" idx="1"/>
-          </p:nvPr>
-        </p:nvSpPr>
-        <p:spPr/>
-        <p:txBody>
-          <a:bodyPr/>
-          <a:lstStyle/>
-          <a:p>
-            <a:endParaRPr lang="zh-CN" altLang="en-US"/>
+          <p:cNvPr id="2" name="标题 1"/>
+          <p:cNvSpPr>
+            <a:spLocks noGrp="1"/>
+          </p:cNvSpPr>
+          <p:nvPr>
+            <p:ph type="title"/>
+          </p:nvPr>
+        </p:nvSpPr>
+        <p:spPr/>
+        <p:txBody>
+          <a:bodyPr/>
+          <a:lstStyle/>
+          <a:p>
+            <a:r>
+              <a:rPr lang="en-US" altLang="zh-CN" dirty="0" err="1" smtClean="0"/>
+              <a:t>Rerferences</a:t>
+            </a:r>
+            <a:endParaRPr lang="zh-CN" altLang="en-US" dirty="0"/>
+          </a:p>
+        </p:txBody>
+      </p:sp>
+      <p:sp>
+        <p:nvSpPr>
+          <p:cNvPr id="3" name="内容占位符 2"/>
+          <p:cNvSpPr>
+            <a:spLocks noGrp="1"/>
+          </p:cNvSpPr>
+          <p:nvPr>
+            <p:ph idx="1"/>
+          </p:nvPr>
+        </p:nvSpPr>
+        <p:spPr/>
+        <p:txBody>
+          <a:bodyPr/>
+          <a:lstStyle/>
+          <a:p>
+            <a:r>
+              <a:rPr lang="en-US" altLang="zh-CN" dirty="0" smtClean="0"/>
+              <a:t>OPC UA specification 1-11</a:t>
+            </a:r>
+          </a:p>
+          <a:p>
+            <a:r>
+              <a:rPr lang="en-US" altLang="zh-CN" dirty="0" smtClean="0"/>
+              <a:t>Stefan-Helmut </a:t>
+            </a:r>
+            <a:r>
+              <a:rPr lang="en-US" altLang="zh-CN" dirty="0" err="1" smtClean="0"/>
+              <a:t>Leitner</a:t>
+            </a:r>
+            <a:r>
+              <a:rPr lang="en-US" altLang="zh-CN" dirty="0" smtClean="0"/>
+              <a:t> and Wolfgang </a:t>
+            </a:r>
+            <a:r>
+              <a:rPr lang="en-US" altLang="zh-CN" dirty="0" err="1" smtClean="0"/>
+              <a:t>Mahnk</a:t>
+            </a:r>
+            <a:r>
+              <a:rPr lang="en-US" altLang="zh-CN" dirty="0" smtClean="0"/>
+              <a:t>: </a:t>
+            </a:r>
+            <a:r>
+              <a:rPr lang="en-US" altLang="zh-CN" dirty="0" err="1" smtClean="0"/>
+              <a:t>Opc</a:t>
+            </a:r>
+            <a:r>
+              <a:rPr lang="en-US" altLang="zh-CN" dirty="0" smtClean="0"/>
+              <a:t> </a:t>
+            </a:r>
+            <a:r>
+              <a:rPr lang="en-US" altLang="zh-CN" dirty="0" err="1" smtClean="0"/>
+              <a:t>ua</a:t>
+            </a:r>
+            <a:r>
+              <a:rPr lang="en-US" altLang="zh-CN" dirty="0" smtClean="0"/>
+              <a:t>-service-oriented architecture for industrial applications</a:t>
+            </a:r>
+          </a:p>
+          <a:p>
+            <a:r>
+              <a:rPr lang="en-US" altLang="zh-CN" dirty="0" smtClean="0"/>
+              <a:t>Wolfgang </a:t>
+            </a:r>
+            <a:r>
+              <a:rPr lang="en-US" altLang="zh-CN" dirty="0" err="1" smtClean="0"/>
+              <a:t>Mahnke</a:t>
+            </a:r>
+            <a:r>
+              <a:rPr lang="en-US" altLang="zh-CN" dirty="0" smtClean="0"/>
+              <a:t>, Stefan-Helmut </a:t>
+            </a:r>
+            <a:r>
+              <a:rPr lang="en-US" altLang="zh-CN" dirty="0" err="1" smtClean="0"/>
+              <a:t>Leitner:OPC</a:t>
+            </a:r>
+            <a:r>
+              <a:rPr lang="en-US" altLang="zh-CN" dirty="0" smtClean="0"/>
+              <a:t> Unified Architecture</a:t>
+            </a:r>
+          </a:p>
+          <a:p>
+            <a:r>
+              <a:rPr lang="de-DE" altLang="zh-CN" dirty="0" smtClean="0"/>
+              <a:t>Wolfgang Rankl und Wolfgang Eng: Handbuch der chipkarten - 5. deutsche </a:t>
+            </a:r>
+            <a:r>
+              <a:rPr lang="en-US" altLang="zh-CN" dirty="0" err="1" smtClean="0"/>
+              <a:t>auflage</a:t>
+            </a:r>
+            <a:r>
+              <a:rPr lang="en-US" altLang="zh-CN" dirty="0" smtClean="0"/>
+              <a:t>. (2008)</a:t>
+            </a:r>
+          </a:p>
+          <a:p>
+            <a:endParaRPr lang="en-US" altLang="zh-CN" dirty="0" smtClean="0"/>
+          </a:p>
+          <a:p>
+            <a:endParaRPr lang="zh-CN" altLang="en-US" dirty="0"/>
           </a:p>
         </p:txBody>
       </p:sp>
@@ -5758,7 +5825,7 @@
             <a:spLocks noGrp="1"/>
           </p:cNvSpPr>
           <p:nvPr>
-            <p:ph type="sldNum" sz="quarter" idx="4"/>
+            <p:ph type="sldNum" sz="quarter" idx="10"/>
           </p:nvPr>
         </p:nvSpPr>
         <p:spPr/>
@@ -5770,6 +5837,128 @@
               <a:rPr lang="en-US" smtClean="0"/>
               <a:pPr/>
               <a:t>23</a:t>
+            </a:fld>
+            <a:endParaRPr lang="en-US"/>
+          </a:p>
+        </p:txBody>
+      </p:sp>
+      <p:sp>
+        <p:nvSpPr>
+          <p:cNvPr id="5" name="页脚占位符 4"/>
+          <p:cNvSpPr>
+            <a:spLocks noGrp="1"/>
+          </p:cNvSpPr>
+          <p:nvPr>
+            <p:ph type="ftr" sz="quarter" idx="11"/>
+          </p:nvPr>
+        </p:nvSpPr>
+        <p:spPr/>
+        <p:txBody>
+          <a:bodyPr/>
+          <a:lstStyle/>
+          <a:p>
+            <a:r>
+              <a:rPr lang="en-US" altLang="zh-CN" smtClean="0"/>
+              <a:t>OPC UA on Secure Device Yuankui Wang</a:t>
+            </a:r>
+            <a:endParaRPr lang="en-US" altLang="zh-CN" dirty="0"/>
+          </a:p>
+        </p:txBody>
+      </p:sp>
+      <p:sp>
+        <p:nvSpPr>
+          <p:cNvPr id="6" name="日期占位符 5"/>
+          <p:cNvSpPr>
+            <a:spLocks noGrp="1"/>
+          </p:cNvSpPr>
+          <p:nvPr>
+            <p:ph type="dt" sz="half" idx="12"/>
+          </p:nvPr>
+        </p:nvSpPr>
+        <p:spPr/>
+        <p:txBody>
+          <a:bodyPr/>
+          <a:lstStyle/>
+          <a:p>
+            <a:fld id="{D9CB193C-FC74-4279-8388-9DD1BFD58DB8}" type="datetime4">
+              <a:rPr lang="en-US" smtClean="0"/>
+              <a:pPr/>
+              <a:t>March 18, 2014</a:t>
+            </a:fld>
+            <a:endParaRPr lang="en-US"/>
+          </a:p>
+        </p:txBody>
+      </p:sp>
+    </p:spTree>
+  </p:cSld>
+  <p:clrMapOvr>
+    <a:masterClrMapping/>
+  </p:clrMapOvr>
+  <p:timing>
+    <p:tnLst>
+      <p:par>
+        <p:cTn id="1" dur="indefinite" restart="never" nodeType="tmRoot"/>
+      </p:par>
+    </p:tnLst>
+  </p:timing>
+</p:sld>
+</file>
+
+<file path=ppt/slides/slide24.xml><?xml version="1.0" encoding="utf-8"?>
+<p:sld xmlns:a="http://schemas.openxmlformats.org/drawingml/2006/main" xmlns:r="http://schemas.openxmlformats.org/officeDocument/2006/relationships" xmlns:p="http://schemas.openxmlformats.org/presentationml/2006/main">
+  <p:cSld>
+    <p:spTree>
+      <p:nvGrpSpPr>
+        <p:cNvPr id="1" name=""/>
+        <p:cNvGrpSpPr/>
+        <p:nvPr/>
+      </p:nvGrpSpPr>
+      <p:grpSpPr>
+        <a:xfrm>
+          <a:off x="0" y="0"/>
+          <a:ext cx="0" cy="0"/>
+          <a:chOff x="0" y="0"/>
+          <a:chExt cx="0" cy="0"/>
+        </a:xfrm>
+      </p:grpSpPr>
+      <p:sp>
+        <p:nvSpPr>
+          <p:cNvPr id="8" name="副标题 7"/>
+          <p:cNvSpPr>
+            <a:spLocks noGrp="1"/>
+          </p:cNvSpPr>
+          <p:nvPr>
+            <p:ph type="subTitle" idx="1"/>
+          </p:nvPr>
+        </p:nvSpPr>
+        <p:spPr/>
+        <p:txBody>
+          <a:bodyPr/>
+          <a:lstStyle/>
+          <a:p>
+            <a:endParaRPr lang="zh-CN" altLang="en-US"/>
+          </a:p>
+        </p:txBody>
+      </p:sp>
+      <p:sp>
+        <p:nvSpPr>
+          <p:cNvPr id="4" name="灯片编号占位符 3"/>
+          <p:cNvSpPr>
+            <a:spLocks noGrp="1"/>
+          </p:cNvSpPr>
+          <p:nvPr>
+            <p:ph type="sldNum" sz="quarter" idx="4"/>
+          </p:nvPr>
+        </p:nvSpPr>
+        <p:spPr/>
+        <p:txBody>
+          <a:bodyPr/>
+          <a:lstStyle/>
+          <a:p>
+            <a:fld id="{FAF38CBB-378C-4311-BC9A-BAB83E9729AD}" type="slidenum">
+              <a:rPr lang="en-US" smtClean="0"/>
+              <a:pPr/>
+              <a:t>24</a:t>
             </a:fld>
             <a:endParaRPr lang="en-US"/>
           </a:p>
@@ -6035,7 +6224,7 @@
             <a:fld id="{D9CB193C-FC74-4279-8388-9DD1BFD58DB8}" type="datetime4">
               <a:rPr lang="en-US" smtClean="0"/>
               <a:pPr/>
-              <a:t>March 17, 2014</a:t>
+              <a:t>March 18, 2014</a:t>
             </a:fld>
             <a:endParaRPr lang="en-US"/>
           </a:p>
@@ -6272,7 +6461,7 @@
             <a:fld id="{D9CB193C-FC74-4279-8388-9DD1BFD58DB8}" type="datetime4">
               <a:rPr lang="en-US" smtClean="0"/>
               <a:pPr/>
-              <a:t>March 17, 2014</a:t>
+              <a:t>March 18, 2014</a:t>
             </a:fld>
             <a:endParaRPr lang="en-US"/>
           </a:p>
@@ -6398,7 +6587,7 @@
             <a:fld id="{D9CB193C-FC74-4279-8388-9DD1BFD58DB8}" type="datetime4">
               <a:rPr lang="en-US" smtClean="0"/>
               <a:pPr/>
-              <a:t>March 17, 2014</a:t>
+              <a:t>March 18, 2014</a:t>
             </a:fld>
             <a:endParaRPr lang="en-US"/>
           </a:p>
@@ -6645,7 +6834,7 @@
             <a:fld id="{D9CB193C-FC74-4279-8388-9DD1BFD58DB8}" type="datetime4">
               <a:rPr lang="en-US" smtClean="0"/>
               <a:pPr/>
-              <a:t>March 17, 2014</a:t>
+              <a:t>March 18, 2014</a:t>
             </a:fld>
             <a:endParaRPr lang="en-US"/>
           </a:p>
@@ -6799,7 +6988,7 @@
             <a:fld id="{D9CB193C-FC74-4279-8388-9DD1BFD58DB8}" type="datetime4">
               <a:rPr lang="en-US" smtClean="0"/>
               <a:pPr/>
-              <a:t>March 17, 2014</a:t>
+              <a:t>March 18, 2014</a:t>
             </a:fld>
             <a:endParaRPr lang="en-US"/>
           </a:p>
@@ -7359,7 +7548,7 @@
             <a:fld id="{D9CB193C-FC74-4279-8388-9DD1BFD58DB8}" type="datetime4">
               <a:rPr lang="en-US" smtClean="0"/>
               <a:pPr/>
-              <a:t>March 17, 2014</a:t>
+              <a:t>March 18, 2014</a:t>
             </a:fld>
             <a:endParaRPr lang="en-US"/>
           </a:p>
@@ -7865,7 +8054,7 @@
             <a:fld id="{D9CB193C-FC74-4279-8388-9DD1BFD58DB8}" type="datetime4">
               <a:rPr lang="en-US" smtClean="0"/>
               <a:pPr/>
-              <a:t>March 17, 2014</a:t>
+              <a:t>March 18, 2014</a:t>
             </a:fld>
             <a:endParaRPr lang="en-US"/>
           </a:p>
@@ -7906,13 +8095,8 @@
           <a:p>
             <a:r>
               <a:rPr lang="en-US" altLang="zh-CN" dirty="0" smtClean="0"/>
-              <a:t>Based on Data Model, information model </a:t>
-            </a:r>
-            <a:r>
-              <a:rPr lang="en-US" altLang="zh-CN" dirty="0" smtClean="0"/>
-              <a:t>is developed</a:t>
-            </a:r>
-            <a:endParaRPr lang="en-US" altLang="zh-CN" dirty="0" smtClean="0"/>
+              <a:t>Based on Data Model, information model is developed</a:t>
+            </a:r>
           </a:p>
           <a:p>
             <a:pPr lvl="1"/>

--- a/trunk/ppt/Implementation Object Linking and Embedding for Processes Control.pptx
+++ b/trunk/ppt/Implementation Object Linking and Embedding for Processes Control.pptx
@@ -5,36 +5,29 @@
     <p:sldMasterId id="2147483651" r:id="rId1"/>
   </p:sldMasterIdLst>
   <p:notesMasterIdLst>
-    <p:notesMasterId r:id="rId26"/>
+    <p:notesMasterId r:id="rId19"/>
   </p:notesMasterIdLst>
   <p:handoutMasterIdLst>
-    <p:handoutMasterId r:id="rId27"/>
+    <p:handoutMasterId r:id="rId20"/>
   </p:handoutMasterIdLst>
   <p:sldIdLst>
     <p:sldId id="256" r:id="rId2"/>
     <p:sldId id="257" r:id="rId3"/>
     <p:sldId id="258" r:id="rId4"/>
-    <p:sldId id="260" r:id="rId5"/>
-    <p:sldId id="267" r:id="rId6"/>
-    <p:sldId id="269" r:id="rId7"/>
-    <p:sldId id="270" r:id="rId8"/>
-    <p:sldId id="276" r:id="rId9"/>
-    <p:sldId id="268" r:id="rId10"/>
-    <p:sldId id="277" r:id="rId11"/>
-    <p:sldId id="271" r:id="rId12"/>
-    <p:sldId id="278" r:id="rId13"/>
-    <p:sldId id="266" r:id="rId14"/>
-    <p:sldId id="265" r:id="rId15"/>
-    <p:sldId id="264" r:id="rId16"/>
-    <p:sldId id="262" r:id="rId17"/>
-    <p:sldId id="263" r:id="rId18"/>
-    <p:sldId id="272" r:id="rId19"/>
-    <p:sldId id="279" r:id="rId20"/>
-    <p:sldId id="280" r:id="rId21"/>
-    <p:sldId id="282" r:id="rId22"/>
-    <p:sldId id="273" r:id="rId23"/>
-    <p:sldId id="281" r:id="rId24"/>
-    <p:sldId id="274" r:id="rId25"/>
+    <p:sldId id="284" r:id="rId5"/>
+    <p:sldId id="260" r:id="rId6"/>
+    <p:sldId id="282" r:id="rId7"/>
+    <p:sldId id="285" r:id="rId8"/>
+    <p:sldId id="262" r:id="rId9"/>
+    <p:sldId id="283" r:id="rId10"/>
+    <p:sldId id="289" r:id="rId11"/>
+    <p:sldId id="286" r:id="rId12"/>
+    <p:sldId id="290" r:id="rId13"/>
+    <p:sldId id="291" r:id="rId14"/>
+    <p:sldId id="287" r:id="rId15"/>
+    <p:sldId id="273" r:id="rId16"/>
+    <p:sldId id="281" r:id="rId17"/>
+    <p:sldId id="274" r:id="rId18"/>
   </p:sldIdLst>
   <p:sldSz cx="9144000" cy="6858000" type="screen4x3"/>
   <p:notesSz cx="6743700" cy="9906000"/>
@@ -836,88 +829,6 @@
 </p:notesMaster>
 </file>
 
-<file path=ppt/notesSlides/notesSlide1.xml><?xml version="1.0" encoding="utf-8"?>
-<p:notes xmlns:a="http://schemas.openxmlformats.org/drawingml/2006/main" xmlns:r="http://schemas.openxmlformats.org/officeDocument/2006/relationships" xmlns:p="http://schemas.openxmlformats.org/presentationml/2006/main">
-  <p:cSld>
-    <p:spTree>
-      <p:nvGrpSpPr>
-        <p:cNvPr id="1" name=""/>
-        <p:cNvGrpSpPr/>
-        <p:nvPr/>
-      </p:nvGrpSpPr>
-      <p:grpSpPr>
-        <a:xfrm>
-          <a:off x="0" y="0"/>
-          <a:ext cx="0" cy="0"/>
-          <a:chOff x="0" y="0"/>
-          <a:chExt cx="0" cy="0"/>
-        </a:xfrm>
-      </p:grpSpPr>
-      <p:sp>
-        <p:nvSpPr>
-          <p:cNvPr id="2" name="幻灯片图像占位符 1"/>
-          <p:cNvSpPr>
-            <a:spLocks noGrp="1" noRot="1" noChangeAspect="1"/>
-          </p:cNvSpPr>
-          <p:nvPr>
-            <p:ph type="sldImg"/>
-          </p:nvPr>
-        </p:nvSpPr>
-        <p:spPr/>
-      </p:sp>
-      <p:sp>
-        <p:nvSpPr>
-          <p:cNvPr id="3" name="备注占位符 2"/>
-          <p:cNvSpPr>
-            <a:spLocks noGrp="1"/>
-          </p:cNvSpPr>
-          <p:nvPr>
-            <p:ph type="body" idx="1"/>
-          </p:nvPr>
-        </p:nvSpPr>
-        <p:spPr/>
-        <p:txBody>
-          <a:bodyPr>
-            <a:normAutofit/>
-          </a:bodyPr>
-          <a:lstStyle/>
-          <a:p>
-            <a:endParaRPr lang="zh-CN" altLang="en-US" dirty="0"/>
-          </a:p>
-        </p:txBody>
-      </p:sp>
-      <p:sp>
-        <p:nvSpPr>
-          <p:cNvPr id="4" name="灯片编号占位符 3"/>
-          <p:cNvSpPr>
-            <a:spLocks noGrp="1"/>
-          </p:cNvSpPr>
-          <p:nvPr>
-            <p:ph type="sldNum" sz="quarter" idx="10"/>
-          </p:nvPr>
-        </p:nvSpPr>
-        <p:spPr/>
-        <p:txBody>
-          <a:bodyPr/>
-          <a:lstStyle/>
-          <a:p>
-            <a:fld id="{DF6BEE96-3C94-4F18-B92D-0490DFD7A472}" type="slidenum">
-              <a:rPr lang="de-DE" altLang="zh-CN" smtClean="0"/>
-              <a:pPr/>
-              <a:t>10</a:t>
-            </a:fld>
-            <a:endParaRPr lang="de-DE" altLang="zh-CN"/>
-          </a:p>
-        </p:txBody>
-      </p:sp>
-    </p:spTree>
-  </p:cSld>
-  <p:clrMapOvr>
-    <a:masterClrMapping/>
-  </p:clrMapOvr>
-</p:notes>
-</file>
-
 <file path=ppt/slideLayouts/slideLayout1.xml><?xml version="1.0" encoding="utf-8"?>
 <p:sldLayout xmlns:a="http://schemas.openxmlformats.org/drawingml/2006/main" xmlns:r="http://schemas.openxmlformats.org/officeDocument/2006/relationships" xmlns:p="http://schemas.openxmlformats.org/presentationml/2006/main" showMasterSp="0" type="title" preserve="1">
   <p:cSld name="标题幻灯片">
@@ -1401,7 +1312,7 @@
             <a:fld id="{71D6DBAF-C9CC-41B3-844C-C1F5D8267235}" type="datetime4">
               <a:rPr lang="en-US"/>
               <a:pPr/>
-              <a:t>March 18, 2014</a:t>
+              <a:t>March 27, 2014</a:t>
             </a:fld>
             <a:endParaRPr lang="en-US"/>
           </a:p>
@@ -1635,7 +1546,7 @@
             <a:fld id="{D9CB193C-FC74-4279-8388-9DD1BFD58DB8}" type="datetime4">
               <a:rPr lang="en-US"/>
               <a:pPr/>
-              <a:t>March 18, 2014</a:t>
+              <a:t>March 27, 2014</a:t>
             </a:fld>
             <a:endParaRPr lang="en-US"/>
           </a:p>
@@ -2083,7 +1994,7 @@
             <a:fld id="{F9C0533E-6560-41EF-998F-4A06FB5FB3B5}" type="datetime4">
               <a:rPr lang="en-US"/>
               <a:pPr/>
-              <a:t>March 18, 2014</a:t>
+              <a:t>March 27, 2014</a:t>
             </a:fld>
             <a:endParaRPr lang="en-US"/>
           </a:p>
@@ -2653,7 +2564,7 @@
             <a:fld id="{BE3ACA9F-847D-4917-9890-CF03388418A4}" type="datetime4">
               <a:rPr lang="en-US"/>
               <a:pPr/>
-              <a:t>March 18, 2014</a:t>
+              <a:t>March 27, 2014</a:t>
             </a:fld>
             <a:endParaRPr lang="en-US"/>
           </a:p>
@@ -3265,7 +3176,7 @@
           <a:p>
             <a:r>
               <a:rPr lang="en-US" altLang="zh-CN" dirty="0" smtClean="0"/>
-              <a:t>Data Model</a:t>
+              <a:t>Implementation Scenario</a:t>
             </a:r>
             <a:endParaRPr lang="zh-CN" altLang="en-US" dirty="0"/>
           </a:p>
@@ -3336,24 +3247,106 @@
             <a:fld id="{D9CB193C-FC74-4279-8388-9DD1BFD58DB8}" type="datetime4">
               <a:rPr lang="en-US" smtClean="0"/>
               <a:pPr/>
-              <a:t>March 18, 2014</a:t>
+              <a:t>March 27, 2014</a:t>
             </a:fld>
             <a:endParaRPr lang="en-US"/>
           </a:p>
         </p:txBody>
       </p:sp>
+      <p:sp>
+        <p:nvSpPr>
+          <p:cNvPr id="8" name="TextBox 7"/>
+          <p:cNvSpPr txBox="1"/>
+          <p:nvPr/>
+        </p:nvSpPr>
+        <p:spPr>
+          <a:xfrm>
+            <a:off x="5184395" y="2432304"/>
+            <a:ext cx="4087621" cy="3046988"/>
+          </a:xfrm>
+          <a:prstGeom prst="rect">
+            <a:avLst/>
+          </a:prstGeom>
+          <a:noFill/>
+        </p:spPr>
+        <p:txBody>
+          <a:bodyPr wrap="square" rtlCol="0">
+            <a:spAutoFit/>
+          </a:bodyPr>
+          <a:lstStyle/>
+          <a:p>
+            <a:r>
+              <a:rPr lang="en-US" altLang="zh-CN" sz="1600" i="0" dirty="0" smtClean="0"/>
+              <a:t>OPC UA Server: </a:t>
+            </a:r>
+          </a:p>
+          <a:p>
+            <a:r>
+              <a:rPr lang="en-US" altLang="zh-CN" sz="1600" i="0" dirty="0" smtClean="0"/>
+              <a:t>	Central Controller</a:t>
+            </a:r>
+          </a:p>
+          <a:p>
+            <a:endParaRPr lang="en-US" altLang="zh-CN" sz="1600" i="0" dirty="0" smtClean="0"/>
+          </a:p>
+          <a:p>
+            <a:r>
+              <a:rPr lang="en-US" altLang="zh-CN" sz="1600" i="0" dirty="0" smtClean="0"/>
+              <a:t>OPC UA Clients: </a:t>
+            </a:r>
+          </a:p>
+          <a:p>
+            <a:r>
+              <a:rPr lang="en-US" altLang="zh-CN" sz="1600" i="0" dirty="0" smtClean="0"/>
+              <a:t>	Sensors</a:t>
+            </a:r>
+          </a:p>
+          <a:p>
+            <a:r>
+              <a:rPr lang="en-US" altLang="zh-CN" sz="1600" i="0" dirty="0" smtClean="0"/>
+              <a:t>	control devices</a:t>
+            </a:r>
+          </a:p>
+          <a:p>
+            <a:r>
+              <a:rPr lang="en-US" altLang="zh-CN" sz="1600" i="0" dirty="0" smtClean="0"/>
+              <a:t>	access control locks</a:t>
+            </a:r>
+          </a:p>
+          <a:p>
+            <a:r>
+              <a:rPr lang="en-US" altLang="zh-CN" sz="1600" i="0" dirty="0" smtClean="0"/>
+              <a:t>	phones</a:t>
+            </a:r>
+          </a:p>
+          <a:p>
+            <a:endParaRPr lang="en-US" altLang="zh-CN" sz="1600" i="0" dirty="0" smtClean="0"/>
+          </a:p>
+          <a:p>
+            <a:endParaRPr lang="en-US" altLang="zh-CN" sz="1600" dirty="0" smtClean="0"/>
+          </a:p>
+          <a:p>
+            <a:endParaRPr lang="en-US" altLang="zh-CN" sz="1600" dirty="0" smtClean="0"/>
+          </a:p>
+          <a:p>
+            <a:r>
+              <a:rPr lang="en-US" altLang="zh-CN" sz="1600" dirty="0" smtClean="0"/>
+              <a:t> s</a:t>
+            </a:r>
+            <a:endParaRPr lang="zh-CN" altLang="en-US" sz="1600" dirty="0"/>
+          </a:p>
+        </p:txBody>
+      </p:sp>
       <p:pic>
         <p:nvPicPr>
-          <p:cNvPr id="10" name="Picture 6"/>
+          <p:cNvPr id="9" name="Picture 3" descr="D:\opc_ua\ppt\v1.png"/>
           <p:cNvPicPr>
-            <a:picLocks noGrp="1" noChangeAspect="1" noChangeArrowheads="1"/>
+            <a:picLocks noChangeAspect="1" noChangeArrowheads="1"/>
           </p:cNvPicPr>
-          <p:nvPr>
-            <p:ph idx="1"/>
-          </p:nvPr>
+          <p:nvPr/>
         </p:nvPicPr>
         <p:blipFill>
-          <a:blip r:embed="rId3" cstate="print"/>
+          <a:blip r:embed="rId2" cstate="print"/>
           <a:srcRect/>
           <a:stretch>
             <a:fillRect/>
@@ -3361,19 +3354,13 @@
         </p:blipFill>
         <p:spPr bwMode="auto">
           <a:xfrm>
-            <a:off x="648173" y="1341438"/>
-            <a:ext cx="8065142" cy="5056187"/>
+            <a:off x="457200" y="1723580"/>
+            <a:ext cx="4556349" cy="4274884"/>
           </a:xfrm>
           <a:prstGeom prst="rect">
             <a:avLst/>
           </a:prstGeom>
           <a:noFill/>
-          <a:ln w="9525">
-            <a:noFill/>
-            <a:miter lim="800000"/>
-            <a:headEnd/>
-            <a:tailEnd/>
-          </a:ln>
         </p:spPr>
       </p:pic>
     </p:spTree>
@@ -3425,7 +3412,7 @@
           <a:p>
             <a:r>
               <a:rPr lang="en-US" altLang="zh-CN" dirty="0" smtClean="0"/>
-              <a:t>Security</a:t>
+              <a:t>Implementation Scenario</a:t>
             </a:r>
             <a:endParaRPr lang="zh-CN" altLang="en-US" dirty="0"/>
           </a:p>
@@ -3496,21 +3483,142 @@
             <a:fld id="{D9CB193C-FC74-4279-8388-9DD1BFD58DB8}" type="datetime4">
               <a:rPr lang="en-US" smtClean="0"/>
               <a:pPr/>
-              <a:t>March 18, 2014</a:t>
+              <a:t>March 27, 2014</a:t>
             </a:fld>
             <a:endParaRPr lang="en-US"/>
           </a:p>
         </p:txBody>
       </p:sp>
+      <p:sp>
+        <p:nvSpPr>
+          <p:cNvPr id="8" name="TextBox 7"/>
+          <p:cNvSpPr txBox="1"/>
+          <p:nvPr/>
+        </p:nvSpPr>
+        <p:spPr>
+          <a:xfrm>
+            <a:off x="5184395" y="1901952"/>
+            <a:ext cx="3743579" cy="4524315"/>
+          </a:xfrm>
+          <a:prstGeom prst="rect">
+            <a:avLst/>
+          </a:prstGeom>
+          <a:noFill/>
+        </p:spPr>
+        <p:txBody>
+          <a:bodyPr wrap="square" rtlCol="0">
+            <a:spAutoFit/>
+          </a:bodyPr>
+          <a:lstStyle/>
+          <a:p>
+            <a:r>
+              <a:rPr lang="en-US" altLang="zh-CN" sz="1600" i="0" dirty="0" smtClean="0"/>
+              <a:t>sensor:</a:t>
+            </a:r>
+          </a:p>
+          <a:p>
+            <a:pPr>
+              <a:buFont typeface="Wingdings" pitchFamily="2" charset="2"/>
+              <a:buChar char="p"/>
+            </a:pPr>
+            <a:r>
+              <a:rPr lang="en-US" altLang="zh-CN" sz="1600" i="0" dirty="0" smtClean="0"/>
+              <a:t> measure environment variables : luminance, temperature…</a:t>
+            </a:r>
+          </a:p>
+          <a:p>
+            <a:pPr>
+              <a:buFont typeface="Wingdings" pitchFamily="2" charset="2"/>
+              <a:buChar char="p"/>
+            </a:pPr>
+            <a:r>
+              <a:rPr lang="en-US" altLang="zh-CN" sz="1600" i="0" dirty="0" smtClean="0"/>
+              <a:t>Inform controller</a:t>
+            </a:r>
+          </a:p>
+          <a:p>
+            <a:pPr>
+              <a:buFont typeface="Wingdings" pitchFamily="2" charset="2"/>
+              <a:buChar char="p"/>
+            </a:pPr>
+            <a:r>
+              <a:rPr lang="en-US" altLang="zh-CN" sz="1600" i="0" dirty="0" smtClean="0"/>
+              <a:t>Connected through inner network</a:t>
+            </a:r>
+          </a:p>
+          <a:p>
+            <a:endParaRPr lang="en-US" altLang="zh-CN" sz="1600" i="0" dirty="0" smtClean="0"/>
+          </a:p>
+          <a:p>
+            <a:r>
+              <a:rPr lang="en-US" altLang="zh-CN" sz="1600" i="0" dirty="0" smtClean="0"/>
+              <a:t>Control device:</a:t>
+            </a:r>
+          </a:p>
+          <a:p>
+            <a:pPr>
+              <a:buFont typeface="Wingdings" pitchFamily="2" charset="2"/>
+              <a:buChar char="p"/>
+            </a:pPr>
+            <a:r>
+              <a:rPr lang="en-US" altLang="zh-CN" sz="1600" i="0" dirty="0" smtClean="0"/>
+              <a:t>In charge of opening windows,  giving pet water and etc.</a:t>
+            </a:r>
+          </a:p>
+          <a:p>
+            <a:pPr>
+              <a:buFont typeface="Wingdings" pitchFamily="2" charset="2"/>
+              <a:buChar char="p"/>
+            </a:pPr>
+            <a:r>
+              <a:rPr lang="en-US" altLang="zh-CN" sz="1600" i="0" dirty="0" smtClean="0"/>
+              <a:t>Taken command from UA Server</a:t>
+            </a:r>
+          </a:p>
+          <a:p>
+            <a:pPr>
+              <a:buFont typeface="Wingdings" pitchFamily="2" charset="2"/>
+              <a:buChar char="p"/>
+            </a:pPr>
+            <a:r>
+              <a:rPr lang="en-US" altLang="zh-CN" sz="1600" i="0" dirty="0" smtClean="0"/>
+              <a:t>Connected through inner network</a:t>
+            </a:r>
+          </a:p>
+          <a:p>
+            <a:endParaRPr lang="en-US" altLang="zh-CN" sz="1600" i="0" dirty="0" smtClean="0"/>
+          </a:p>
+          <a:p>
+            <a:endParaRPr lang="en-US" altLang="zh-CN" sz="1600" i="0" dirty="0" smtClean="0"/>
+          </a:p>
+          <a:p>
+            <a:endParaRPr lang="en-US" altLang="zh-CN" sz="1600" i="0" dirty="0" smtClean="0"/>
+          </a:p>
+          <a:p>
+            <a:endParaRPr lang="en-US" altLang="zh-CN" sz="1600" i="0" dirty="0" smtClean="0"/>
+          </a:p>
+          <a:p>
+            <a:endParaRPr lang="en-US" altLang="zh-CN" sz="1600" dirty="0" smtClean="0"/>
+          </a:p>
+          <a:p>
+            <a:endParaRPr lang="en-US" altLang="zh-CN" sz="1600" dirty="0" smtClean="0"/>
+          </a:p>
+          <a:p>
+            <a:r>
+              <a:rPr lang="en-US" altLang="zh-CN" sz="1600" dirty="0" smtClean="0"/>
+              <a:t> </a:t>
+            </a:r>
+            <a:endParaRPr lang="zh-CN" altLang="en-US" sz="1600" dirty="0"/>
+          </a:p>
+        </p:txBody>
+      </p:sp>
       <p:pic>
         <p:nvPicPr>
-          <p:cNvPr id="10242" name="Picture 2"/>
+          <p:cNvPr id="1027" name="Picture 3" descr="D:\opc_ua\ppt\v1.png"/>
           <p:cNvPicPr>
-            <a:picLocks noGrp="1" noChangeAspect="1" noChangeArrowheads="1"/>
+            <a:picLocks noChangeAspect="1" noChangeArrowheads="1"/>
           </p:cNvPicPr>
-          <p:nvPr>
-            <p:ph idx="1"/>
-          </p:nvPr>
+          <p:nvPr/>
         </p:nvPicPr>
         <p:blipFill>
           <a:blip r:embed="rId2" cstate="print"/>
@@ -3521,19 +3629,13 @@
         </p:blipFill>
         <p:spPr bwMode="auto">
           <a:xfrm>
-            <a:off x="865981" y="1435894"/>
-            <a:ext cx="7629525" cy="4867275"/>
+            <a:off x="457200" y="1723580"/>
+            <a:ext cx="4556349" cy="4274884"/>
           </a:xfrm>
           <a:prstGeom prst="rect">
             <a:avLst/>
           </a:prstGeom>
           <a:noFill/>
-          <a:ln w="9525">
-            <a:noFill/>
-            <a:miter lim="800000"/>
-            <a:headEnd/>
-            <a:tailEnd/>
-          </a:ln>
         </p:spPr>
       </p:pic>
     </p:spTree>
@@ -3585,7 +3687,7 @@
           <a:p>
             <a:r>
               <a:rPr lang="en-US" altLang="zh-CN" dirty="0" smtClean="0"/>
-              <a:t>Services</a:t>
+              <a:t>Implementation Scenario</a:t>
             </a:r>
             <a:endParaRPr lang="zh-CN" altLang="en-US" dirty="0"/>
           </a:p>
@@ -3656,21 +3758,206 @@
             <a:fld id="{D9CB193C-FC74-4279-8388-9DD1BFD58DB8}" type="datetime4">
               <a:rPr lang="en-US" smtClean="0"/>
               <a:pPr/>
-              <a:t>March 18, 2014</a:t>
+              <a:t>March 27, 2014</a:t>
             </a:fld>
             <a:endParaRPr lang="en-US"/>
           </a:p>
         </p:txBody>
       </p:sp>
+      <p:sp>
+        <p:nvSpPr>
+          <p:cNvPr id="8" name="TextBox 7"/>
+          <p:cNvSpPr txBox="1"/>
+          <p:nvPr/>
+        </p:nvSpPr>
+        <p:spPr>
+          <a:xfrm>
+            <a:off x="5184395" y="1558988"/>
+            <a:ext cx="3743579" cy="6247864"/>
+          </a:xfrm>
+          <a:prstGeom prst="rect">
+            <a:avLst/>
+          </a:prstGeom>
+          <a:noFill/>
+        </p:spPr>
+        <p:txBody>
+          <a:bodyPr wrap="square" rtlCol="0">
+            <a:spAutoFit/>
+          </a:bodyPr>
+          <a:lstStyle/>
+          <a:p>
+            <a:endParaRPr lang="en-US" altLang="zh-CN" sz="1600" i="0" dirty="0" smtClean="0"/>
+          </a:p>
+          <a:p>
+            <a:r>
+              <a:rPr lang="en-US" altLang="zh-CN" sz="1600" i="0" dirty="0" smtClean="0"/>
+              <a:t>Access control lock</a:t>
+            </a:r>
+          </a:p>
+          <a:p>
+            <a:pPr>
+              <a:buFont typeface="Wingdings" pitchFamily="2" charset="2"/>
+              <a:buChar char="p"/>
+            </a:pPr>
+            <a:r>
+              <a:rPr lang="en-US" altLang="zh-CN" sz="1600" i="0" dirty="0" smtClean="0"/>
+              <a:t>Digital lock</a:t>
+            </a:r>
+          </a:p>
+          <a:p>
+            <a:pPr>
+              <a:buFont typeface="Wingdings" pitchFamily="2" charset="2"/>
+              <a:buChar char="p"/>
+            </a:pPr>
+            <a:r>
+              <a:rPr lang="en-US" altLang="zh-CN" sz="1600" i="0" dirty="0" smtClean="0"/>
+              <a:t>only allows phone user with enough authority</a:t>
+            </a:r>
+          </a:p>
+          <a:p>
+            <a:pPr>
+              <a:buFont typeface="Wingdings" pitchFamily="2" charset="2"/>
+              <a:buChar char="p"/>
+            </a:pPr>
+            <a:r>
+              <a:rPr lang="en-US" altLang="zh-CN" sz="1600" i="0" dirty="0" smtClean="0"/>
+              <a:t>different locks have different policies</a:t>
+            </a:r>
+          </a:p>
+          <a:p>
+            <a:pPr>
+              <a:buFont typeface="Wingdings" pitchFamily="2" charset="2"/>
+              <a:buChar char="p"/>
+            </a:pPr>
+            <a:r>
+              <a:rPr lang="en-US" altLang="zh-CN" sz="1600" i="0" dirty="0" smtClean="0"/>
+              <a:t>Send alarm when illegal access </a:t>
+            </a:r>
+          </a:p>
+          <a:p>
+            <a:pPr>
+              <a:buFont typeface="Wingdings" pitchFamily="2" charset="2"/>
+              <a:buChar char="p"/>
+            </a:pPr>
+            <a:r>
+              <a:rPr lang="en-US" altLang="zh-CN" sz="1600" i="0" dirty="0" smtClean="0"/>
+              <a:t>Connected through inner network</a:t>
+            </a:r>
+          </a:p>
+          <a:p>
+            <a:endParaRPr lang="en-US" altLang="zh-CN" sz="1600" i="0" dirty="0" smtClean="0"/>
+          </a:p>
+          <a:p>
+            <a:r>
+              <a:rPr lang="en-US" altLang="zh-CN" sz="1600" i="0" dirty="0" smtClean="0"/>
+              <a:t>Phone user: </a:t>
+            </a:r>
+          </a:p>
+          <a:p>
+            <a:pPr>
+              <a:buFont typeface="Wingdings" pitchFamily="2" charset="2"/>
+              <a:buChar char="p"/>
+            </a:pPr>
+            <a:r>
+              <a:rPr lang="en-US" altLang="zh-CN" sz="1600" i="0" dirty="0" smtClean="0"/>
+              <a:t>Smart Phone</a:t>
+            </a:r>
+          </a:p>
+          <a:p>
+            <a:pPr>
+              <a:buFont typeface="Wingdings" pitchFamily="2" charset="2"/>
+              <a:buChar char="p"/>
+            </a:pPr>
+            <a:r>
+              <a:rPr lang="en-US" altLang="zh-CN" sz="1600" i="0" dirty="0" smtClean="0"/>
+              <a:t>UICC smart Card</a:t>
+            </a:r>
+          </a:p>
+          <a:p>
+            <a:pPr>
+              <a:buFont typeface="Wingdings" pitchFamily="2" charset="2"/>
+              <a:buChar char="p"/>
+            </a:pPr>
+            <a:r>
+              <a:rPr lang="en-US" altLang="zh-CN" sz="1600" i="0" dirty="0" smtClean="0"/>
+              <a:t>Installation of Client application</a:t>
+            </a:r>
+          </a:p>
+          <a:p>
+            <a:pPr>
+              <a:buFont typeface="Wingdings" pitchFamily="2" charset="2"/>
+              <a:buChar char="p"/>
+            </a:pPr>
+            <a:r>
+              <a:rPr lang="en-US" altLang="zh-CN" sz="1600" i="0" dirty="0" smtClean="0"/>
+              <a:t>Root user = house owner</a:t>
+            </a:r>
+          </a:p>
+          <a:p>
+            <a:pPr>
+              <a:buFont typeface="Wingdings" pitchFamily="2" charset="2"/>
+              <a:buChar char="p"/>
+            </a:pPr>
+            <a:r>
+              <a:rPr lang="en-US" altLang="zh-CN" sz="1600" i="0" dirty="0" smtClean="0"/>
+              <a:t>Guest user = neighbor etc…</a:t>
+            </a:r>
+          </a:p>
+          <a:p>
+            <a:pPr>
+              <a:buFont typeface="Wingdings" pitchFamily="2" charset="2"/>
+              <a:buChar char="p"/>
+            </a:pPr>
+            <a:r>
+              <a:rPr lang="en-US" altLang="zh-CN" sz="1600" i="0" dirty="0" smtClean="0"/>
+              <a:t>Parameterized control devices through server</a:t>
+            </a:r>
+          </a:p>
+          <a:p>
+            <a:pPr>
+              <a:buFont typeface="Wingdings" pitchFamily="2" charset="2"/>
+              <a:buChar char="p"/>
+            </a:pPr>
+            <a:r>
+              <a:rPr lang="en-US" altLang="zh-CN" sz="1600" i="0" dirty="0" smtClean="0"/>
+              <a:t>Connected through open network</a:t>
+            </a:r>
+          </a:p>
+          <a:p>
+            <a:pPr>
+              <a:buFont typeface="Wingdings" pitchFamily="2" charset="2"/>
+              <a:buChar char="p"/>
+            </a:pPr>
+            <a:endParaRPr lang="en-US" altLang="zh-CN" sz="1600" i="0" dirty="0" smtClean="0"/>
+          </a:p>
+          <a:p>
+            <a:endParaRPr lang="en-US" altLang="zh-CN" sz="1600" i="0" dirty="0" smtClean="0"/>
+          </a:p>
+          <a:p>
+            <a:endParaRPr lang="en-US" altLang="zh-CN" sz="1600" i="0" dirty="0" smtClean="0"/>
+          </a:p>
+          <a:p>
+            <a:endParaRPr lang="en-US" altLang="zh-CN" sz="1600" dirty="0" smtClean="0"/>
+          </a:p>
+          <a:p>
+            <a:endParaRPr lang="en-US" altLang="zh-CN" sz="1600" dirty="0" smtClean="0"/>
+          </a:p>
+          <a:p>
+            <a:r>
+              <a:rPr lang="en-US" altLang="zh-CN" sz="1600" dirty="0" smtClean="0"/>
+              <a:t> </a:t>
+            </a:r>
+            <a:endParaRPr lang="zh-CN" altLang="en-US" sz="1600" dirty="0"/>
+          </a:p>
+        </p:txBody>
+      </p:sp>
       <p:pic>
         <p:nvPicPr>
-          <p:cNvPr id="12290" name="Picture 2"/>
+          <p:cNvPr id="1027" name="Picture 3" descr="D:\opc_ua\ppt\v1.png"/>
           <p:cNvPicPr>
-            <a:picLocks noGrp="1" noChangeAspect="1" noChangeArrowheads="1"/>
+            <a:picLocks noChangeAspect="1" noChangeArrowheads="1"/>
           </p:cNvPicPr>
-          <p:nvPr>
-            <p:ph idx="1"/>
-          </p:nvPr>
+          <p:nvPr/>
         </p:nvPicPr>
         <p:blipFill>
           <a:blip r:embed="rId2" cstate="print"/>
@@ -3681,19 +3968,13 @@
         </p:blipFill>
         <p:spPr bwMode="auto">
           <a:xfrm>
-            <a:off x="904081" y="2102644"/>
-            <a:ext cx="7553325" cy="3533775"/>
+            <a:off x="457200" y="1723580"/>
+            <a:ext cx="4556349" cy="4274884"/>
           </a:xfrm>
           <a:prstGeom prst="rect">
             <a:avLst/>
           </a:prstGeom>
           <a:noFill/>
-          <a:ln w="9525">
-            <a:noFill/>
-            <a:miter lim="800000"/>
-            <a:headEnd/>
-            <a:tailEnd/>
-          </a:ln>
         </p:spPr>
       </p:pic>
     </p:spTree>
@@ -3745,7 +4026,7 @@
           <a:p>
             <a:r>
               <a:rPr lang="en-US" altLang="zh-CN" dirty="0" smtClean="0"/>
-              <a:t>OPC UA Architecture</a:t>
+              <a:t>Implementation Scenario</a:t>
             </a:r>
             <a:endParaRPr lang="zh-CN" altLang="en-US" dirty="0"/>
           </a:p>
@@ -3816,21 +4097,160 @@
             <a:fld id="{D9CB193C-FC74-4279-8388-9DD1BFD58DB8}" type="datetime4">
               <a:rPr lang="en-US" smtClean="0"/>
               <a:pPr/>
-              <a:t>March 18, 2014</a:t>
+              <a:t>March 27, 2014</a:t>
             </a:fld>
             <a:endParaRPr lang="en-US"/>
           </a:p>
         </p:txBody>
       </p:sp>
+      <p:sp>
+        <p:nvSpPr>
+          <p:cNvPr id="8" name="TextBox 7"/>
+          <p:cNvSpPr txBox="1"/>
+          <p:nvPr/>
+        </p:nvSpPr>
+        <p:spPr>
+          <a:xfrm>
+            <a:off x="5184395" y="1558988"/>
+            <a:ext cx="3743579" cy="5262979"/>
+          </a:xfrm>
+          <a:prstGeom prst="rect">
+            <a:avLst/>
+          </a:prstGeom>
+          <a:noFill/>
+        </p:spPr>
+        <p:txBody>
+          <a:bodyPr wrap="square" rtlCol="0">
+            <a:spAutoFit/>
+          </a:bodyPr>
+          <a:lstStyle/>
+          <a:p>
+            <a:endParaRPr lang="en-US" altLang="zh-CN" sz="1600" i="0" dirty="0" smtClean="0"/>
+          </a:p>
+          <a:p>
+            <a:r>
+              <a:rPr lang="en-US" altLang="zh-CN" sz="1600" i="0" dirty="0" smtClean="0"/>
+              <a:t>Central Controller</a:t>
+            </a:r>
+          </a:p>
+          <a:p>
+            <a:pPr>
+              <a:buFont typeface="Wingdings" pitchFamily="2" charset="2"/>
+              <a:buChar char="p"/>
+            </a:pPr>
+            <a:r>
+              <a:rPr lang="en-US" altLang="zh-CN" sz="1600" i="0" dirty="0" smtClean="0"/>
+              <a:t>Embedded device with chip card</a:t>
+            </a:r>
+          </a:p>
+          <a:p>
+            <a:pPr>
+              <a:buFont typeface="Wingdings" pitchFamily="2" charset="2"/>
+              <a:buChar char="p"/>
+            </a:pPr>
+            <a:r>
+              <a:rPr lang="en-US" altLang="zh-CN" sz="1600" i="0" dirty="0" smtClean="0"/>
+              <a:t>Chip card = security token</a:t>
+            </a:r>
+          </a:p>
+          <a:p>
+            <a:pPr>
+              <a:buFont typeface="Wingdings" pitchFamily="2" charset="2"/>
+              <a:buChar char="p"/>
+            </a:pPr>
+            <a:r>
+              <a:rPr lang="en-US" altLang="zh-CN" sz="1600" i="0" dirty="0" smtClean="0"/>
+              <a:t>Take date from sensor</a:t>
+            </a:r>
+          </a:p>
+          <a:p>
+            <a:pPr>
+              <a:buFont typeface="Wingdings" pitchFamily="2" charset="2"/>
+              <a:buChar char="p"/>
+            </a:pPr>
+            <a:r>
+              <a:rPr lang="en-US" altLang="zh-CN" sz="1600" i="0" dirty="0" smtClean="0"/>
+              <a:t>Take subscriptions from phone user</a:t>
+            </a:r>
+          </a:p>
+          <a:p>
+            <a:pPr>
+              <a:buFont typeface="Wingdings" pitchFamily="2" charset="2"/>
+              <a:buChar char="p"/>
+            </a:pPr>
+            <a:r>
+              <a:rPr lang="en-US" altLang="zh-CN" sz="1600" i="0" dirty="0" smtClean="0"/>
+              <a:t>Inform phone user based on subscription</a:t>
+            </a:r>
+          </a:p>
+          <a:p>
+            <a:pPr>
+              <a:buFont typeface="Wingdings" pitchFamily="2" charset="2"/>
+              <a:buChar char="p"/>
+            </a:pPr>
+            <a:r>
+              <a:rPr lang="en-US" altLang="zh-CN" sz="1600" i="0" dirty="0" smtClean="0"/>
+              <a:t>Parameterize control device based on phone user command</a:t>
+            </a:r>
+          </a:p>
+          <a:p>
+            <a:pPr>
+              <a:buFont typeface="Wingdings" pitchFamily="2" charset="2"/>
+              <a:buChar char="p"/>
+            </a:pPr>
+            <a:r>
+              <a:rPr lang="en-US" altLang="zh-CN" sz="1600" i="0" dirty="0" smtClean="0"/>
+              <a:t>Auditing</a:t>
+            </a:r>
+          </a:p>
+          <a:p>
+            <a:pPr>
+              <a:buFont typeface="Wingdings" pitchFamily="2" charset="2"/>
+              <a:buChar char="p"/>
+            </a:pPr>
+            <a:endParaRPr lang="en-US" altLang="zh-CN" sz="1600" i="0" dirty="0" smtClean="0"/>
+          </a:p>
+          <a:p>
+            <a:endParaRPr lang="en-US" altLang="zh-CN" sz="1600" i="0" dirty="0" smtClean="0"/>
+          </a:p>
+          <a:p>
+            <a:endParaRPr lang="en-US" altLang="zh-CN" sz="1600" i="0" dirty="0" smtClean="0"/>
+          </a:p>
+          <a:p>
+            <a:pPr>
+              <a:buFont typeface="Wingdings" pitchFamily="2" charset="2"/>
+              <a:buChar char="p"/>
+            </a:pPr>
+            <a:endParaRPr lang="en-US" altLang="zh-CN" sz="1600" i="0" dirty="0" smtClean="0"/>
+          </a:p>
+          <a:p>
+            <a:endParaRPr lang="en-US" altLang="zh-CN" sz="1600" i="0" dirty="0" smtClean="0"/>
+          </a:p>
+          <a:p>
+            <a:endParaRPr lang="en-US" altLang="zh-CN" sz="1600" i="0" dirty="0" smtClean="0"/>
+          </a:p>
+          <a:p>
+            <a:endParaRPr lang="en-US" altLang="zh-CN" sz="1600" dirty="0" smtClean="0"/>
+          </a:p>
+          <a:p>
+            <a:endParaRPr lang="en-US" altLang="zh-CN" sz="1600" dirty="0" smtClean="0"/>
+          </a:p>
+          <a:p>
+            <a:r>
+              <a:rPr lang="en-US" altLang="zh-CN" sz="1600" dirty="0" smtClean="0"/>
+              <a:t> </a:t>
+            </a:r>
+            <a:endParaRPr lang="zh-CN" altLang="en-US" sz="1600" dirty="0"/>
+          </a:p>
+        </p:txBody>
+      </p:sp>
       <p:pic>
         <p:nvPicPr>
-          <p:cNvPr id="6146" name="Picture 2"/>
+          <p:cNvPr id="1027" name="Picture 3" descr="D:\opc_ua\ppt\v1.png"/>
           <p:cNvPicPr>
-            <a:picLocks noGrp="1" noChangeAspect="1" noChangeArrowheads="1"/>
+            <a:picLocks noChangeAspect="1" noChangeArrowheads="1"/>
           </p:cNvPicPr>
-          <p:nvPr>
-            <p:ph idx="1"/>
-          </p:nvPr>
+          <p:nvPr/>
         </p:nvPicPr>
         <p:blipFill>
           <a:blip r:embed="rId2" cstate="print"/>
@@ -3841,19 +4261,13 @@
         </p:blipFill>
         <p:spPr bwMode="auto">
           <a:xfrm>
-            <a:off x="1432719" y="1610582"/>
-            <a:ext cx="6038850" cy="4133850"/>
+            <a:off x="457200" y="1723580"/>
+            <a:ext cx="4556349" cy="4274884"/>
           </a:xfrm>
           <a:prstGeom prst="rect">
             <a:avLst/>
           </a:prstGeom>
           <a:noFill/>
-          <a:ln w="9525">
-            <a:noFill/>
-            <a:miter lim="800000"/>
-            <a:headEnd/>
-            <a:tailEnd/>
-          </a:ln>
         </p:spPr>
       </p:pic>
     </p:spTree>
@@ -3905,7 +4319,7 @@
           <a:p>
             <a:r>
               <a:rPr lang="en-US" altLang="zh-CN" dirty="0" smtClean="0"/>
-              <a:t>OPC UA Architecture</a:t>
+              <a:t>Focus on Security direction</a:t>
             </a:r>
             <a:endParaRPr lang="zh-CN" altLang="en-US" dirty="0"/>
           </a:p>
@@ -3926,7 +4340,64 @@
           <a:bodyPr/>
           <a:lstStyle/>
           <a:p>
-            <a:endParaRPr lang="zh-CN" altLang="en-US"/>
+            <a:r>
+              <a:rPr lang="en-US" altLang="zh-CN" dirty="0" smtClean="0"/>
+              <a:t>Confidentiality</a:t>
+            </a:r>
+          </a:p>
+          <a:p>
+            <a:r>
+              <a:rPr lang="en-US" altLang="zh-CN" dirty="0" smtClean="0"/>
+              <a:t>Integrity</a:t>
+            </a:r>
+          </a:p>
+          <a:p>
+            <a:r>
+              <a:rPr lang="en-US" altLang="zh-CN" dirty="0" smtClean="0"/>
+              <a:t>Application authentication</a:t>
+            </a:r>
+          </a:p>
+          <a:p>
+            <a:r>
+              <a:rPr lang="en-US" altLang="zh-CN" dirty="0" smtClean="0"/>
+              <a:t>User authentication</a:t>
+            </a:r>
+          </a:p>
+          <a:p>
+            <a:r>
+              <a:rPr lang="en-US" altLang="zh-CN" dirty="0" smtClean="0"/>
+              <a:t>User authorization</a:t>
+            </a:r>
+          </a:p>
+          <a:p>
+            <a:r>
+              <a:rPr lang="en-US" altLang="zh-CN" dirty="0" smtClean="0"/>
+              <a:t>Traceability</a:t>
+            </a:r>
+          </a:p>
+          <a:p>
+            <a:r>
+              <a:rPr lang="en-US" altLang="zh-CN" dirty="0" smtClean="0"/>
+              <a:t>Availability</a:t>
+            </a:r>
+          </a:p>
+          <a:p>
+            <a:r>
+              <a:rPr lang="en-US" altLang="zh-CN" dirty="0" smtClean="0"/>
+              <a:t>Secure messaging with smart card</a:t>
+            </a:r>
+          </a:p>
+          <a:p>
+            <a:r>
+              <a:rPr lang="en-US" altLang="zh-CN" dirty="0" smtClean="0"/>
+              <a:t>APDU secure communication</a:t>
+            </a:r>
+          </a:p>
+          <a:p>
+            <a:endParaRPr lang="en-US" altLang="zh-CN" dirty="0" smtClean="0"/>
+          </a:p>
+          <a:p>
+            <a:endParaRPr lang="en-US" altLang="zh-CN" dirty="0" smtClean="0"/>
           </a:p>
         </p:txBody>
       </p:sp>
@@ -3995,44 +4466,12 @@
             <a:fld id="{D9CB193C-FC74-4279-8388-9DD1BFD58DB8}" type="datetime4">
               <a:rPr lang="en-US" smtClean="0"/>
               <a:pPr/>
-              <a:t>March 18, 2014</a:t>
+              <a:t>March 27, 2014</a:t>
             </a:fld>
             <a:endParaRPr lang="en-US"/>
           </a:p>
         </p:txBody>
       </p:sp>
-      <p:pic>
-        <p:nvPicPr>
-          <p:cNvPr id="5122" name="Picture 2"/>
-          <p:cNvPicPr>
-            <a:picLocks noChangeAspect="1" noChangeArrowheads="1"/>
-          </p:cNvPicPr>
-          <p:nvPr/>
-        </p:nvPicPr>
-        <p:blipFill>
-          <a:blip r:embed="rId2" cstate="print"/>
-          <a:srcRect/>
-          <a:stretch>
-            <a:fillRect/>
-          </a:stretch>
-        </p:blipFill>
-        <p:spPr bwMode="auto">
-          <a:xfrm>
-            <a:off x="457200" y="1309688"/>
-            <a:ext cx="8666643" cy="5087937"/>
-          </a:xfrm>
-          <a:prstGeom prst="rect">
-            <a:avLst/>
-          </a:prstGeom>
-          <a:noFill/>
-          <a:ln w="9525">
-            <a:noFill/>
-            <a:miter lim="800000"/>
-            <a:headEnd/>
-            <a:tailEnd/>
-          </a:ln>
-        </p:spPr>
-      </p:pic>
     </p:spTree>
   </p:cSld>
   <p:clrMapOvr>
@@ -4082,8 +4521,63 @@
           <a:p>
             <a:r>
               <a:rPr lang="en-US" altLang="zh-CN" dirty="0" smtClean="0"/>
-              <a:t>OPC UA Architecture</a:t>
-            </a:r>
+              <a:t>Time Lines</a:t>
+            </a:r>
+            <a:endParaRPr lang="zh-CN" altLang="en-US" dirty="0"/>
+          </a:p>
+        </p:txBody>
+      </p:sp>
+      <p:sp>
+        <p:nvSpPr>
+          <p:cNvPr id="3" name="内容占位符 2"/>
+          <p:cNvSpPr>
+            <a:spLocks noGrp="1"/>
+          </p:cNvSpPr>
+          <p:nvPr>
+            <p:ph idx="1"/>
+          </p:nvPr>
+        </p:nvSpPr>
+        <p:spPr/>
+        <p:txBody>
+          <a:bodyPr/>
+          <a:lstStyle/>
+          <a:p>
+            <a:r>
+              <a:rPr lang="en-US" altLang="zh-CN" dirty="0" smtClean="0"/>
+              <a:t>Reference</a:t>
+            </a:r>
+          </a:p>
+          <a:p>
+            <a:r>
+              <a:rPr lang="en-US" altLang="zh-CN" dirty="0" smtClean="0"/>
+              <a:t>Dummy client/server construction</a:t>
+            </a:r>
+          </a:p>
+          <a:p>
+            <a:r>
+              <a:rPr lang="en-US" altLang="zh-CN" dirty="0" smtClean="0"/>
+              <a:t>Communication stack on UICC smart card</a:t>
+            </a:r>
+          </a:p>
+          <a:p>
+            <a:r>
+              <a:rPr lang="en-US" altLang="zh-CN" dirty="0" smtClean="0"/>
+              <a:t>Combination and debugging</a:t>
+            </a:r>
+          </a:p>
+          <a:p>
+            <a:r>
+              <a:rPr lang="en-US" altLang="zh-CN" dirty="0" smtClean="0"/>
+              <a:t>Analyze secure protocols </a:t>
+            </a:r>
+          </a:p>
+          <a:p>
+            <a:r>
+              <a:rPr lang="en-US" altLang="zh-CN" dirty="0" smtClean="0"/>
+              <a:t>Analyze performance</a:t>
+            </a:r>
+          </a:p>
+          <a:p>
             <a:endParaRPr lang="zh-CN" altLang="en-US" dirty="0"/>
           </a:p>
         </p:txBody>
@@ -4153,46 +4647,12 @@
             <a:fld id="{D9CB193C-FC74-4279-8388-9DD1BFD58DB8}" type="datetime4">
               <a:rPr lang="en-US" smtClean="0"/>
               <a:pPr/>
-              <a:t>March 18, 2014</a:t>
+              <a:t>March 27, 2014</a:t>
             </a:fld>
             <a:endParaRPr lang="en-US"/>
           </a:p>
         </p:txBody>
       </p:sp>
-      <p:pic>
-        <p:nvPicPr>
-          <p:cNvPr id="4098" name="Picture 2"/>
-          <p:cNvPicPr>
-            <a:picLocks noGrp="1" noChangeAspect="1" noChangeArrowheads="1"/>
-          </p:cNvPicPr>
-          <p:nvPr>
-            <p:ph idx="1"/>
-          </p:nvPr>
-        </p:nvPicPr>
-        <p:blipFill>
-          <a:blip r:embed="rId2" cstate="print"/>
-          <a:srcRect/>
-          <a:stretch>
-            <a:fillRect/>
-          </a:stretch>
-        </p:blipFill>
-        <p:spPr bwMode="auto">
-          <a:xfrm>
-            <a:off x="333690" y="1592485"/>
-            <a:ext cx="8292785" cy="4049363"/>
-          </a:xfrm>
-          <a:prstGeom prst="rect">
-            <a:avLst/>
-          </a:prstGeom>
-          <a:noFill/>
-          <a:ln w="9525">
-            <a:noFill/>
-            <a:miter lim="800000"/>
-            <a:headEnd/>
-            <a:tailEnd/>
-          </a:ln>
-        </p:spPr>
-      </p:pic>
     </p:spTree>
   </p:cSld>
   <p:clrMapOvr>
@@ -4241,8 +4701,8 @@
           <a:lstStyle/>
           <a:p>
             <a:r>
-              <a:rPr lang="en-US" altLang="zh-CN" dirty="0" smtClean="0"/>
-              <a:t>Smart Card Technology</a:t>
+              <a:rPr lang="en-US" altLang="zh-CN" dirty="0" err="1" smtClean="0"/>
+              <a:t>Rerferences</a:t>
             </a:r>
             <a:endParaRPr lang="zh-CN" altLang="en-US" dirty="0"/>
           </a:p>
@@ -4265,32 +4725,87 @@
           <a:p>
             <a:r>
               <a:rPr lang="en-US" altLang="zh-CN" dirty="0" smtClean="0"/>
-              <a:t>Finance, Communication, personal identification, payment</a:t>
-            </a:r>
-          </a:p>
-          <a:p>
-            <a:r>
-              <a:rPr lang="en-US" altLang="zh-CN" dirty="0" smtClean="0"/>
-              <a:t>APDU based communication between card and CAD  </a:t>
-            </a:r>
-          </a:p>
-          <a:p>
-            <a:r>
-              <a:rPr lang="en-US" altLang="zh-CN" dirty="0" smtClean="0"/>
-              <a:t>Security token</a:t>
-            </a:r>
-          </a:p>
-          <a:p>
-            <a:r>
-              <a:rPr lang="en-US" altLang="zh-CN" dirty="0" smtClean="0"/>
-              <a:t>Process cryptographic algorithms on hardware</a:t>
-            </a:r>
-          </a:p>
-          <a:p>
-            <a:r>
-              <a:rPr lang="en-US" altLang="zh-CN" dirty="0" smtClean="0"/>
-              <a:t>Self-containment structure</a:t>
-            </a:r>
+              <a:t>OPC UA specification 1-11</a:t>
+            </a:r>
+          </a:p>
+          <a:p>
+            <a:r>
+              <a:rPr lang="en-US" altLang="zh-CN" dirty="0" smtClean="0"/>
+              <a:t>Stefan-Helmut </a:t>
+            </a:r>
+            <a:r>
+              <a:rPr lang="en-US" altLang="zh-CN" dirty="0" err="1" smtClean="0"/>
+              <a:t>Leitner</a:t>
+            </a:r>
+            <a:r>
+              <a:rPr lang="en-US" altLang="zh-CN" dirty="0" smtClean="0"/>
+              <a:t> and Wolfgang </a:t>
+            </a:r>
+            <a:r>
+              <a:rPr lang="en-US" altLang="zh-CN" dirty="0" err="1" smtClean="0"/>
+              <a:t>Mahnk</a:t>
+            </a:r>
+            <a:r>
+              <a:rPr lang="en-US" altLang="zh-CN" dirty="0" smtClean="0"/>
+              <a:t>: </a:t>
+            </a:r>
+            <a:r>
+              <a:rPr lang="en-US" altLang="zh-CN" dirty="0" err="1" smtClean="0"/>
+              <a:t>Opc</a:t>
+            </a:r>
+            <a:r>
+              <a:rPr lang="en-US" altLang="zh-CN" dirty="0" smtClean="0"/>
+              <a:t> </a:t>
+            </a:r>
+            <a:r>
+              <a:rPr lang="en-US" altLang="zh-CN" dirty="0" err="1" smtClean="0"/>
+              <a:t>ua</a:t>
+            </a:r>
+            <a:r>
+              <a:rPr lang="en-US" altLang="zh-CN" dirty="0" smtClean="0"/>
+              <a:t>-service-oriented architecture for industrial applications</a:t>
+            </a:r>
+          </a:p>
+          <a:p>
+            <a:r>
+              <a:rPr lang="en-US" altLang="zh-CN" dirty="0" smtClean="0"/>
+              <a:t>Wolfgang </a:t>
+            </a:r>
+            <a:r>
+              <a:rPr lang="en-US" altLang="zh-CN" dirty="0" err="1" smtClean="0"/>
+              <a:t>Mahnke</a:t>
+            </a:r>
+            <a:r>
+              <a:rPr lang="en-US" altLang="zh-CN" dirty="0" smtClean="0"/>
+              <a:t>, Stefan-Helmut </a:t>
+            </a:r>
+            <a:r>
+              <a:rPr lang="en-US" altLang="zh-CN" dirty="0" err="1" smtClean="0"/>
+              <a:t>Leitner:OPC</a:t>
+            </a:r>
+            <a:r>
+              <a:rPr lang="en-US" altLang="zh-CN" dirty="0" smtClean="0"/>
+              <a:t> Unified Architecture</a:t>
+            </a:r>
+          </a:p>
+          <a:p>
+            <a:r>
+              <a:rPr lang="de-DE" altLang="zh-CN" dirty="0" smtClean="0"/>
+              <a:t>Wolfgang Rankl und Wolfgang Eng: Handbuch der chipkarten - 5. deutsche </a:t>
+            </a:r>
+            <a:r>
+              <a:rPr lang="en-US" altLang="zh-CN" dirty="0" err="1" smtClean="0"/>
+              <a:t>auflage</a:t>
+            </a:r>
+            <a:r>
+              <a:rPr lang="en-US" altLang="zh-CN" dirty="0" smtClean="0"/>
+              <a:t>. (2008)</a:t>
+            </a:r>
+          </a:p>
+          <a:p>
+            <a:endParaRPr lang="en-US" altLang="zh-CN" dirty="0" smtClean="0"/>
+          </a:p>
+          <a:p>
             <a:endParaRPr lang="zh-CN" altLang="en-US" dirty="0"/>
           </a:p>
         </p:txBody>
@@ -4360,7 +4875,1568 @@
             <a:fld id="{D9CB193C-FC74-4279-8388-9DD1BFD58DB8}" type="datetime4">
               <a:rPr lang="en-US" smtClean="0"/>
               <a:pPr/>
-              <a:t>March 18, 2014</a:t>
+              <a:t>March 27, 2014</a:t>
+            </a:fld>
+            <a:endParaRPr lang="en-US"/>
+          </a:p>
+        </p:txBody>
+      </p:sp>
+    </p:spTree>
+  </p:cSld>
+  <p:clrMapOvr>
+    <a:masterClrMapping/>
+  </p:clrMapOvr>
+  <p:timing>
+    <p:tnLst>
+      <p:par>
+        <p:cTn id="1" dur="indefinite" restart="never" nodeType="tmRoot"/>
+      </p:par>
+    </p:tnLst>
+  </p:timing>
+</p:sld>
+</file>
+
+<file path=ppt/slides/slide17.xml><?xml version="1.0" encoding="utf-8"?>
+<p:sld xmlns:a="http://schemas.openxmlformats.org/drawingml/2006/main" xmlns:r="http://schemas.openxmlformats.org/officeDocument/2006/relationships" xmlns:p="http://schemas.openxmlformats.org/presentationml/2006/main">
+  <p:cSld>
+    <p:spTree>
+      <p:nvGrpSpPr>
+        <p:cNvPr id="1" name=""/>
+        <p:cNvGrpSpPr/>
+        <p:nvPr/>
+      </p:nvGrpSpPr>
+      <p:grpSpPr>
+        <a:xfrm>
+          <a:off x="0" y="0"/>
+          <a:ext cx="0" cy="0"/>
+          <a:chOff x="0" y="0"/>
+          <a:chExt cx="0" cy="0"/>
+        </a:xfrm>
+      </p:grpSpPr>
+      <p:sp>
+        <p:nvSpPr>
+          <p:cNvPr id="8" name="副标题 7"/>
+          <p:cNvSpPr>
+            <a:spLocks noGrp="1"/>
+          </p:cNvSpPr>
+          <p:nvPr>
+            <p:ph type="subTitle" idx="1"/>
+          </p:nvPr>
+        </p:nvSpPr>
+        <p:spPr/>
+        <p:txBody>
+          <a:bodyPr/>
+          <a:lstStyle/>
+          <a:p>
+            <a:endParaRPr lang="zh-CN" altLang="en-US"/>
+          </a:p>
+        </p:txBody>
+      </p:sp>
+      <p:sp>
+        <p:nvSpPr>
+          <p:cNvPr id="4" name="灯片编号占位符 3"/>
+          <p:cNvSpPr>
+            <a:spLocks noGrp="1"/>
+          </p:cNvSpPr>
+          <p:nvPr>
+            <p:ph type="sldNum" sz="quarter" idx="4"/>
+          </p:nvPr>
+        </p:nvSpPr>
+        <p:spPr/>
+        <p:txBody>
+          <a:bodyPr/>
+          <a:lstStyle/>
+          <a:p>
+            <a:fld id="{FAF38CBB-378C-4311-BC9A-BAB83E9729AD}" type="slidenum">
+              <a:rPr lang="en-US" smtClean="0"/>
+              <a:pPr/>
+              <a:t>17</a:t>
+            </a:fld>
+            <a:endParaRPr lang="en-US"/>
+          </a:p>
+        </p:txBody>
+      </p:sp>
+      <p:sp>
+        <p:nvSpPr>
+          <p:cNvPr id="7" name="标题 6"/>
+          <p:cNvSpPr>
+            <a:spLocks noGrp="1"/>
+          </p:cNvSpPr>
+          <p:nvPr>
+            <p:ph type="ctrTitle"/>
+          </p:nvPr>
+        </p:nvSpPr>
+        <p:spPr/>
+        <p:txBody>
+          <a:bodyPr/>
+          <a:lstStyle/>
+          <a:p>
+            <a:r>
+              <a:rPr lang="en-US" altLang="zh-CN" dirty="0" smtClean="0"/>
+              <a:t>Thank you! Question?</a:t>
+            </a:r>
+            <a:endParaRPr lang="zh-CN" altLang="en-US" dirty="0"/>
+          </a:p>
+        </p:txBody>
+      </p:sp>
+      <p:sp>
+        <p:nvSpPr>
+          <p:cNvPr id="5" name="页脚占位符 4"/>
+          <p:cNvSpPr>
+            <a:spLocks noGrp="1"/>
+          </p:cNvSpPr>
+          <p:nvPr>
+            <p:ph type="ftr" sz="quarter" idx="3"/>
+          </p:nvPr>
+        </p:nvSpPr>
+        <p:spPr/>
+        <p:txBody>
+          <a:bodyPr/>
+          <a:lstStyle/>
+          <a:p>
+            <a:r>
+              <a:rPr lang="en-US" altLang="zh-CN" smtClean="0"/>
+              <a:t>OPC UA on Secure Device Yuankui Wang</a:t>
+            </a:r>
+            <a:endParaRPr lang="en-US" altLang="zh-CN" dirty="0"/>
+          </a:p>
+        </p:txBody>
+      </p:sp>
+      <p:sp>
+        <p:nvSpPr>
+          <p:cNvPr id="6" name="日期占位符 5"/>
+          <p:cNvSpPr>
+            <a:spLocks noGrp="1"/>
+          </p:cNvSpPr>
+          <p:nvPr>
+            <p:ph type="dt" sz="half" idx="2"/>
+          </p:nvPr>
+        </p:nvSpPr>
+        <p:spPr/>
+        <p:txBody>
+          <a:bodyPr/>
+          <a:lstStyle/>
+          <a:p>
+            <a:fld id="{D9CB193C-FC74-4279-8388-9DD1BFD58DB8}" type="datetime4">
+              <a:rPr lang="en-US" smtClean="0"/>
+              <a:pPr/>
+              <a:t>March 27, 2014</a:t>
+            </a:fld>
+            <a:endParaRPr lang="en-US"/>
+          </a:p>
+        </p:txBody>
+      </p:sp>
+    </p:spTree>
+  </p:cSld>
+  <p:clrMapOvr>
+    <a:masterClrMapping/>
+  </p:clrMapOvr>
+  <p:timing>
+    <p:tnLst>
+      <p:par>
+        <p:cTn id="1" dur="indefinite" restart="never" nodeType="tmRoot"/>
+      </p:par>
+    </p:tnLst>
+  </p:timing>
+</p:sld>
+</file>
+
+<file path=ppt/slides/slide2.xml><?xml version="1.0" encoding="utf-8"?>
+<p:sld xmlns:a="http://schemas.openxmlformats.org/drawingml/2006/main" xmlns:r="http://schemas.openxmlformats.org/officeDocument/2006/relationships" xmlns:p="http://schemas.openxmlformats.org/presentationml/2006/main">
+  <p:cSld>
+    <p:spTree>
+      <p:nvGrpSpPr>
+        <p:cNvPr id="1" name=""/>
+        <p:cNvGrpSpPr/>
+        <p:nvPr/>
+      </p:nvGrpSpPr>
+      <p:grpSpPr>
+        <a:xfrm>
+          <a:off x="0" y="0"/>
+          <a:ext cx="0" cy="0"/>
+          <a:chOff x="0" y="0"/>
+          <a:chExt cx="0" cy="0"/>
+        </a:xfrm>
+      </p:grpSpPr>
+      <p:sp>
+        <p:nvSpPr>
+          <p:cNvPr id="16" name="标题 15"/>
+          <p:cNvSpPr>
+            <a:spLocks noGrp="1"/>
+          </p:cNvSpPr>
+          <p:nvPr>
+            <p:ph type="title"/>
+          </p:nvPr>
+        </p:nvSpPr>
+        <p:spPr/>
+        <p:txBody>
+          <a:bodyPr/>
+          <a:lstStyle/>
+          <a:p>
+            <a:r>
+              <a:rPr lang="en-US" altLang="zh-CN" dirty="0" smtClean="0"/>
+              <a:t>Agenda</a:t>
+            </a:r>
+            <a:endParaRPr lang="zh-CN" altLang="en-US" dirty="0"/>
+          </a:p>
+        </p:txBody>
+      </p:sp>
+      <p:sp>
+        <p:nvSpPr>
+          <p:cNvPr id="17" name="内容占位符 16"/>
+          <p:cNvSpPr>
+            <a:spLocks noGrp="1"/>
+          </p:cNvSpPr>
+          <p:nvPr>
+            <p:ph idx="1"/>
+          </p:nvPr>
+        </p:nvSpPr>
+        <p:spPr/>
+        <p:txBody>
+          <a:bodyPr/>
+          <a:lstStyle/>
+          <a:p>
+            <a:pPr>
+              <a:buNone/>
+            </a:pPr>
+            <a:endParaRPr lang="en-US" altLang="zh-CN" dirty="0" smtClean="0"/>
+          </a:p>
+          <a:p>
+            <a:r>
+              <a:rPr lang="en-US" altLang="zh-CN" dirty="0" smtClean="0"/>
+              <a:t>Introduction and Motivation</a:t>
+            </a:r>
+          </a:p>
+          <a:p>
+            <a:r>
+              <a:rPr lang="en-US" altLang="zh-CN" dirty="0" smtClean="0"/>
+              <a:t>OPC Unified Architecture Specification</a:t>
+            </a:r>
+          </a:p>
+          <a:p>
+            <a:r>
+              <a:rPr lang="en-US" altLang="zh-CN" dirty="0" smtClean="0"/>
+              <a:t>Smart Card Technology</a:t>
+            </a:r>
+          </a:p>
+          <a:p>
+            <a:r>
+              <a:rPr lang="en-US" altLang="zh-CN" dirty="0" smtClean="0"/>
+              <a:t>Implementation Scenario</a:t>
+            </a:r>
+          </a:p>
+          <a:p>
+            <a:r>
+              <a:rPr lang="en-US" altLang="zh-CN" dirty="0" smtClean="0"/>
+              <a:t>Time Lines</a:t>
+            </a:r>
+          </a:p>
+          <a:p>
+            <a:r>
+              <a:rPr lang="en-US" altLang="zh-CN" dirty="0" smtClean="0"/>
+              <a:t>Reference</a:t>
+            </a:r>
+          </a:p>
+          <a:p>
+            <a:endParaRPr lang="zh-CN" altLang="en-US" dirty="0"/>
+          </a:p>
+        </p:txBody>
+      </p:sp>
+      <p:sp>
+        <p:nvSpPr>
+          <p:cNvPr id="4" name="灯片编号占位符 3"/>
+          <p:cNvSpPr>
+            <a:spLocks noGrp="1"/>
+          </p:cNvSpPr>
+          <p:nvPr>
+            <p:ph type="sldNum" sz="quarter" idx="10"/>
+          </p:nvPr>
+        </p:nvSpPr>
+        <p:spPr/>
+        <p:txBody>
+          <a:bodyPr/>
+          <a:lstStyle/>
+          <a:p>
+            <a:fld id="{FAF38CBB-378C-4311-BC9A-BAB83E9729AD}" type="slidenum">
+              <a:rPr lang="en-US" smtClean="0"/>
+              <a:pPr/>
+              <a:t>2</a:t>
+            </a:fld>
+            <a:endParaRPr lang="en-US"/>
+          </a:p>
+        </p:txBody>
+      </p:sp>
+      <p:sp>
+        <p:nvSpPr>
+          <p:cNvPr id="5" name="页脚占位符 4"/>
+          <p:cNvSpPr>
+            <a:spLocks noGrp="1"/>
+          </p:cNvSpPr>
+          <p:nvPr>
+            <p:ph type="ftr" sz="quarter" idx="11"/>
+          </p:nvPr>
+        </p:nvSpPr>
+        <p:spPr/>
+        <p:txBody>
+          <a:bodyPr/>
+          <a:lstStyle/>
+          <a:p>
+            <a:r>
+              <a:rPr lang="en-US" altLang="zh-CN" dirty="0" smtClean="0"/>
+              <a:t>OPC UA on Secure Device </a:t>
+            </a:r>
+            <a:r>
+              <a:rPr lang="en-US" altLang="zh-CN" dirty="0" err="1" smtClean="0"/>
+              <a:t>Yuankui</a:t>
+            </a:r>
+            <a:r>
+              <a:rPr lang="en-US" altLang="zh-CN" dirty="0" smtClean="0"/>
+              <a:t> Wang</a:t>
+            </a:r>
+            <a:endParaRPr lang="en-US" altLang="zh-CN" dirty="0"/>
+          </a:p>
+        </p:txBody>
+      </p:sp>
+      <p:sp>
+        <p:nvSpPr>
+          <p:cNvPr id="6" name="日期占位符 5"/>
+          <p:cNvSpPr>
+            <a:spLocks noGrp="1"/>
+          </p:cNvSpPr>
+          <p:nvPr>
+            <p:ph type="dt" sz="half" idx="12"/>
+          </p:nvPr>
+        </p:nvSpPr>
+        <p:spPr/>
+        <p:txBody>
+          <a:bodyPr/>
+          <a:lstStyle/>
+          <a:p>
+            <a:fld id="{D9CB193C-FC74-4279-8388-9DD1BFD58DB8}" type="datetime4">
+              <a:rPr lang="en-US" smtClean="0"/>
+              <a:pPr/>
+              <a:t>March 27, 2014</a:t>
+            </a:fld>
+            <a:endParaRPr lang="en-US"/>
+          </a:p>
+        </p:txBody>
+      </p:sp>
+    </p:spTree>
+  </p:cSld>
+  <p:clrMapOvr>
+    <a:masterClrMapping/>
+  </p:clrMapOvr>
+  <p:timing>
+    <p:tnLst>
+      <p:par>
+        <p:cTn id="1" dur="indefinite" restart="never" nodeType="tmRoot"/>
+      </p:par>
+    </p:tnLst>
+  </p:timing>
+</p:sld>
+</file>
+
+<file path=ppt/slides/slide3.xml><?xml version="1.0" encoding="utf-8"?>
+<p:sld xmlns:a="http://schemas.openxmlformats.org/drawingml/2006/main" xmlns:r="http://schemas.openxmlformats.org/officeDocument/2006/relationships" xmlns:p="http://schemas.openxmlformats.org/presentationml/2006/main">
+  <p:cSld>
+    <p:spTree>
+      <p:nvGrpSpPr>
+        <p:cNvPr id="1" name=""/>
+        <p:cNvGrpSpPr/>
+        <p:nvPr/>
+      </p:nvGrpSpPr>
+      <p:grpSpPr>
+        <a:xfrm>
+          <a:off x="0" y="0"/>
+          <a:ext cx="0" cy="0"/>
+          <a:chOff x="0" y="0"/>
+          <a:chExt cx="0" cy="0"/>
+        </a:xfrm>
+      </p:grpSpPr>
+      <p:sp>
+        <p:nvSpPr>
+          <p:cNvPr id="2" name="标题 1"/>
+          <p:cNvSpPr>
+            <a:spLocks noGrp="1"/>
+          </p:cNvSpPr>
+          <p:nvPr>
+            <p:ph type="title"/>
+          </p:nvPr>
+        </p:nvSpPr>
+        <p:spPr/>
+        <p:txBody>
+          <a:bodyPr/>
+          <a:lstStyle/>
+          <a:p>
+            <a:r>
+              <a:rPr lang="en-US" altLang="zh-CN" dirty="0" smtClean="0"/>
+              <a:t>Introduction and Motivation</a:t>
+            </a:r>
+            <a:endParaRPr lang="zh-CN" altLang="en-US" dirty="0"/>
+          </a:p>
+        </p:txBody>
+      </p:sp>
+      <p:sp>
+        <p:nvSpPr>
+          <p:cNvPr id="14" name="内容占位符 13"/>
+          <p:cNvSpPr>
+            <a:spLocks noGrp="1"/>
+          </p:cNvSpPr>
+          <p:nvPr>
+            <p:ph idx="1"/>
+          </p:nvPr>
+        </p:nvSpPr>
+        <p:spPr/>
+        <p:txBody>
+          <a:bodyPr/>
+          <a:lstStyle/>
+          <a:p>
+            <a:r>
+              <a:rPr lang="en-US" altLang="zh-CN" dirty="0" smtClean="0"/>
+              <a:t>In industry automation world, Machine-to-Machine technology is widely applied.</a:t>
+            </a:r>
+          </a:p>
+          <a:p>
+            <a:r>
+              <a:rPr lang="en-US" altLang="zh-CN" dirty="0" smtClean="0"/>
+              <a:t>Exchange gather information during collaborative machining process </a:t>
+            </a:r>
+          </a:p>
+          <a:p>
+            <a:r>
+              <a:rPr lang="en-US" altLang="zh-CN" dirty="0" smtClean="0"/>
+              <a:t>motion control in legacy networks</a:t>
+            </a:r>
+          </a:p>
+          <a:p>
+            <a:r>
+              <a:rPr lang="en-US" altLang="zh-CN" dirty="0" smtClean="0"/>
+              <a:t>Over 22,000 products supplied by over 3,200 vendors</a:t>
+            </a:r>
+          </a:p>
+          <a:p>
+            <a:r>
+              <a:rPr lang="en-US" altLang="zh-CN" dirty="0" smtClean="0"/>
+              <a:t>Normal automation systems designed not only for fixed requirements</a:t>
+            </a:r>
+          </a:p>
+          <a:p>
+            <a:r>
+              <a:rPr lang="en-US" altLang="zh-CN" dirty="0" smtClean="0"/>
+              <a:t>Shorter product life-cycles and changing market conditions</a:t>
+            </a:r>
+          </a:p>
+          <a:p>
+            <a:r>
+              <a:rPr lang="en-US" altLang="zh-CN" dirty="0" smtClean="0"/>
+              <a:t>Crucial: system interconnectivity, common interface for communication, security</a:t>
+            </a:r>
+          </a:p>
+          <a:p>
+            <a:pPr>
+              <a:buNone/>
+            </a:pPr>
+            <a:endParaRPr lang="en-US" altLang="zh-CN" dirty="0" smtClean="0"/>
+          </a:p>
+        </p:txBody>
+      </p:sp>
+      <p:sp>
+        <p:nvSpPr>
+          <p:cNvPr id="4" name="灯片编号占位符 3"/>
+          <p:cNvSpPr>
+            <a:spLocks noGrp="1"/>
+          </p:cNvSpPr>
+          <p:nvPr>
+            <p:ph type="sldNum" sz="quarter" idx="10"/>
+          </p:nvPr>
+        </p:nvSpPr>
+        <p:spPr/>
+        <p:txBody>
+          <a:bodyPr/>
+          <a:lstStyle/>
+          <a:p>
+            <a:fld id="{FAF38CBB-378C-4311-BC9A-BAB83E9729AD}" type="slidenum">
+              <a:rPr lang="en-US" smtClean="0"/>
+              <a:pPr/>
+              <a:t>3</a:t>
+            </a:fld>
+            <a:endParaRPr lang="en-US"/>
+          </a:p>
+        </p:txBody>
+      </p:sp>
+      <p:sp>
+        <p:nvSpPr>
+          <p:cNvPr id="5" name="页脚占位符 4"/>
+          <p:cNvSpPr>
+            <a:spLocks noGrp="1"/>
+          </p:cNvSpPr>
+          <p:nvPr>
+            <p:ph type="ftr" sz="quarter" idx="11"/>
+          </p:nvPr>
+        </p:nvSpPr>
+        <p:spPr/>
+        <p:txBody>
+          <a:bodyPr/>
+          <a:lstStyle/>
+          <a:p>
+            <a:r>
+              <a:rPr lang="en-US" altLang="zh-CN" smtClean="0"/>
+              <a:t>OPC UA on Secure Device Yuankui Wang</a:t>
+            </a:r>
+            <a:endParaRPr lang="en-US" altLang="zh-CN" dirty="0"/>
+          </a:p>
+        </p:txBody>
+      </p:sp>
+      <p:sp>
+        <p:nvSpPr>
+          <p:cNvPr id="6" name="日期占位符 5"/>
+          <p:cNvSpPr>
+            <a:spLocks noGrp="1"/>
+          </p:cNvSpPr>
+          <p:nvPr>
+            <p:ph type="dt" sz="half" idx="12"/>
+          </p:nvPr>
+        </p:nvSpPr>
+        <p:spPr/>
+        <p:txBody>
+          <a:bodyPr/>
+          <a:lstStyle/>
+          <a:p>
+            <a:fld id="{D9CB193C-FC74-4279-8388-9DD1BFD58DB8}" type="datetime4">
+              <a:rPr lang="en-US" smtClean="0"/>
+              <a:pPr/>
+              <a:t>March 27, 2014</a:t>
+            </a:fld>
+            <a:endParaRPr lang="en-US"/>
+          </a:p>
+        </p:txBody>
+      </p:sp>
+    </p:spTree>
+  </p:cSld>
+  <p:clrMapOvr>
+    <a:masterClrMapping/>
+  </p:clrMapOvr>
+  <p:timing>
+    <p:tnLst>
+      <p:par>
+        <p:cTn id="1" dur="indefinite" restart="never" nodeType="tmRoot"/>
+      </p:par>
+    </p:tnLst>
+  </p:timing>
+</p:sld>
+</file>
+
+<file path=ppt/slides/slide4.xml><?xml version="1.0" encoding="utf-8"?>
+<p:sld xmlns:a="http://schemas.openxmlformats.org/drawingml/2006/main" xmlns:r="http://schemas.openxmlformats.org/officeDocument/2006/relationships" xmlns:p="http://schemas.openxmlformats.org/presentationml/2006/main">
+  <p:cSld>
+    <p:spTree>
+      <p:nvGrpSpPr>
+        <p:cNvPr id="1" name=""/>
+        <p:cNvGrpSpPr/>
+        <p:nvPr/>
+      </p:nvGrpSpPr>
+      <p:grpSpPr>
+        <a:xfrm>
+          <a:off x="0" y="0"/>
+          <a:ext cx="0" cy="0"/>
+          <a:chOff x="0" y="0"/>
+          <a:chExt cx="0" cy="0"/>
+        </a:xfrm>
+      </p:grpSpPr>
+      <p:sp>
+        <p:nvSpPr>
+          <p:cNvPr id="2" name="标题 1"/>
+          <p:cNvSpPr>
+            <a:spLocks noGrp="1"/>
+          </p:cNvSpPr>
+          <p:nvPr>
+            <p:ph type="title"/>
+          </p:nvPr>
+        </p:nvSpPr>
+        <p:spPr/>
+        <p:txBody>
+          <a:bodyPr/>
+          <a:lstStyle/>
+          <a:p>
+            <a:r>
+              <a:rPr lang="en-US" altLang="zh-CN" dirty="0" smtClean="0"/>
+              <a:t>Classic OPC</a:t>
+            </a:r>
+            <a:endParaRPr lang="zh-CN" altLang="en-US" dirty="0"/>
+          </a:p>
+        </p:txBody>
+      </p:sp>
+      <p:sp>
+        <p:nvSpPr>
+          <p:cNvPr id="3" name="内容占位符 2"/>
+          <p:cNvSpPr>
+            <a:spLocks noGrp="1"/>
+          </p:cNvSpPr>
+          <p:nvPr>
+            <p:ph idx="1"/>
+          </p:nvPr>
+        </p:nvSpPr>
+        <p:spPr/>
+        <p:txBody>
+          <a:bodyPr/>
+          <a:lstStyle/>
+          <a:p>
+            <a:r>
+              <a:rPr lang="en-US" altLang="zh-CN" dirty="0" smtClean="0"/>
+              <a:t>Classic OPC offers solutions for data access, historical data access, alarms and events.</a:t>
+            </a:r>
+          </a:p>
+          <a:p>
+            <a:r>
+              <a:rPr lang="en-US" altLang="zh-CN" dirty="0" smtClean="0"/>
+              <a:t>Plug and produce capability</a:t>
+            </a:r>
+          </a:p>
+          <a:p>
+            <a:r>
+              <a:rPr lang="en-US" altLang="zh-CN" dirty="0" smtClean="0"/>
+              <a:t>But there exits limitations and imperfections</a:t>
+            </a:r>
+          </a:p>
+          <a:p>
+            <a:r>
+              <a:rPr lang="en-US" altLang="zh-CN" dirty="0" smtClean="0"/>
+              <a:t>Windows platform only, DCOM/COM, no complex data structure</a:t>
+            </a:r>
+          </a:p>
+          <a:p>
+            <a:endParaRPr lang="zh-CN" altLang="en-US" dirty="0"/>
+          </a:p>
+        </p:txBody>
+      </p:sp>
+      <p:sp>
+        <p:nvSpPr>
+          <p:cNvPr id="4" name="灯片编号占位符 3"/>
+          <p:cNvSpPr>
+            <a:spLocks noGrp="1"/>
+          </p:cNvSpPr>
+          <p:nvPr>
+            <p:ph type="sldNum" sz="quarter" idx="10"/>
+          </p:nvPr>
+        </p:nvSpPr>
+        <p:spPr/>
+        <p:txBody>
+          <a:bodyPr/>
+          <a:lstStyle/>
+          <a:p>
+            <a:fld id="{FAF38CBB-378C-4311-BC9A-BAB83E9729AD}" type="slidenum">
+              <a:rPr lang="en-US" smtClean="0"/>
+              <a:pPr/>
+              <a:t>4</a:t>
+            </a:fld>
+            <a:endParaRPr lang="en-US"/>
+          </a:p>
+        </p:txBody>
+      </p:sp>
+      <p:sp>
+        <p:nvSpPr>
+          <p:cNvPr id="5" name="页脚占位符 4"/>
+          <p:cNvSpPr>
+            <a:spLocks noGrp="1"/>
+          </p:cNvSpPr>
+          <p:nvPr>
+            <p:ph type="ftr" sz="quarter" idx="11"/>
+          </p:nvPr>
+        </p:nvSpPr>
+        <p:spPr/>
+        <p:txBody>
+          <a:bodyPr/>
+          <a:lstStyle/>
+          <a:p>
+            <a:r>
+              <a:rPr lang="en-US" altLang="zh-CN" smtClean="0"/>
+              <a:t>OPC UA on Secure Device Yuankui Wang</a:t>
+            </a:r>
+            <a:endParaRPr lang="en-US" altLang="zh-CN" dirty="0"/>
+          </a:p>
+        </p:txBody>
+      </p:sp>
+      <p:sp>
+        <p:nvSpPr>
+          <p:cNvPr id="6" name="日期占位符 5"/>
+          <p:cNvSpPr>
+            <a:spLocks noGrp="1"/>
+          </p:cNvSpPr>
+          <p:nvPr>
+            <p:ph type="dt" sz="half" idx="12"/>
+          </p:nvPr>
+        </p:nvSpPr>
+        <p:spPr/>
+        <p:txBody>
+          <a:bodyPr/>
+          <a:lstStyle/>
+          <a:p>
+            <a:fld id="{D9CB193C-FC74-4279-8388-9DD1BFD58DB8}" type="datetime4">
+              <a:rPr lang="en-US" smtClean="0"/>
+              <a:pPr/>
+              <a:t>March 27, 2014</a:t>
+            </a:fld>
+            <a:endParaRPr lang="en-US"/>
+          </a:p>
+        </p:txBody>
+      </p:sp>
+    </p:spTree>
+  </p:cSld>
+  <p:clrMapOvr>
+    <a:masterClrMapping/>
+  </p:clrMapOvr>
+  <p:timing>
+    <p:tnLst>
+      <p:par>
+        <p:cTn id="1" dur="indefinite" restart="never" nodeType="tmRoot"/>
+      </p:par>
+    </p:tnLst>
+  </p:timing>
+</p:sld>
+</file>
+
+<file path=ppt/slides/slide5.xml><?xml version="1.0" encoding="utf-8"?>
+<p:sld xmlns:a="http://schemas.openxmlformats.org/drawingml/2006/main" xmlns:r="http://schemas.openxmlformats.org/officeDocument/2006/relationships" xmlns:p="http://schemas.openxmlformats.org/presentationml/2006/main">
+  <p:cSld>
+    <p:spTree>
+      <p:nvGrpSpPr>
+        <p:cNvPr id="1" name=""/>
+        <p:cNvGrpSpPr/>
+        <p:nvPr/>
+      </p:nvGrpSpPr>
+      <p:grpSpPr>
+        <a:xfrm>
+          <a:off x="0" y="0"/>
+          <a:ext cx="0" cy="0"/>
+          <a:chOff x="0" y="0"/>
+          <a:chExt cx="0" cy="0"/>
+        </a:xfrm>
+      </p:grpSpPr>
+      <p:pic>
+        <p:nvPicPr>
+          <p:cNvPr id="3074" name="Picture 2" descr="C:\Users\kui\Desktop\QQ截图20140317112610.jpg"/>
+          <p:cNvPicPr>
+            <a:picLocks noChangeAspect="1" noChangeArrowheads="1"/>
+          </p:cNvPicPr>
+          <p:nvPr/>
+        </p:nvPicPr>
+        <p:blipFill>
+          <a:blip r:embed="rId2" cstate="print"/>
+          <a:srcRect/>
+          <a:stretch>
+            <a:fillRect/>
+          </a:stretch>
+        </p:blipFill>
+        <p:spPr bwMode="auto">
+          <a:xfrm>
+            <a:off x="4388521" y="2975102"/>
+            <a:ext cx="4543425" cy="3038475"/>
+          </a:xfrm>
+          <a:prstGeom prst="rect">
+            <a:avLst/>
+          </a:prstGeom>
+          <a:noFill/>
+        </p:spPr>
+      </p:pic>
+      <p:sp>
+        <p:nvSpPr>
+          <p:cNvPr id="2" name="标题 1"/>
+          <p:cNvSpPr>
+            <a:spLocks noGrp="1"/>
+          </p:cNvSpPr>
+          <p:nvPr>
+            <p:ph type="title"/>
+          </p:nvPr>
+        </p:nvSpPr>
+        <p:spPr/>
+        <p:txBody>
+          <a:bodyPr/>
+          <a:lstStyle/>
+          <a:p>
+            <a:r>
+              <a:rPr lang="en-US" altLang="zh-CN" dirty="0" smtClean="0"/>
+              <a:t/>
+            </a:r>
+            <a:br>
+              <a:rPr lang="en-US" altLang="zh-CN" dirty="0" smtClean="0"/>
+            </a:br>
+            <a:r>
+              <a:rPr lang="en-US" altLang="zh-CN" dirty="0" smtClean="0"/>
+              <a:t>OPC Unified Architecture Specification</a:t>
+            </a:r>
+            <a:br>
+              <a:rPr lang="en-US" altLang="zh-CN" dirty="0" smtClean="0"/>
+            </a:br>
+            <a:endParaRPr lang="zh-CN" altLang="en-US" dirty="0"/>
+          </a:p>
+        </p:txBody>
+      </p:sp>
+      <p:sp>
+        <p:nvSpPr>
+          <p:cNvPr id="3" name="内容占位符 2"/>
+          <p:cNvSpPr>
+            <a:spLocks noGrp="1"/>
+          </p:cNvSpPr>
+          <p:nvPr>
+            <p:ph idx="1"/>
+          </p:nvPr>
+        </p:nvSpPr>
+        <p:spPr/>
+        <p:txBody>
+          <a:bodyPr/>
+          <a:lstStyle/>
+          <a:p>
+            <a:r>
+              <a:rPr lang="en-US" altLang="zh-CN" dirty="0" smtClean="0"/>
+              <a:t>Platform independent data communication</a:t>
+            </a:r>
+          </a:p>
+          <a:p>
+            <a:r>
+              <a:rPr lang="en-US" altLang="zh-CN" dirty="0" smtClean="0"/>
+              <a:t>Standardized communication via internet and firewalls</a:t>
+            </a:r>
+          </a:p>
+          <a:p>
+            <a:r>
+              <a:rPr lang="en-US" altLang="zh-CN" dirty="0" smtClean="0"/>
+              <a:t>Protection against unauthorized access</a:t>
+            </a:r>
+          </a:p>
+          <a:p>
+            <a:r>
+              <a:rPr lang="en-US" altLang="zh-CN" dirty="0" smtClean="0"/>
+              <a:t>Availability and reliability</a:t>
+            </a:r>
+          </a:p>
+          <a:p>
+            <a:r>
+              <a:rPr lang="en-US" altLang="zh-CN" dirty="0" smtClean="0"/>
+              <a:t>SOA architecture</a:t>
+            </a:r>
+          </a:p>
+          <a:p>
+            <a:r>
+              <a:rPr lang="en-US" altLang="zh-CN" dirty="0" smtClean="0"/>
+              <a:t>Object oriented meta model</a:t>
+            </a:r>
+          </a:p>
+          <a:p>
+            <a:r>
+              <a:rPr lang="en-US" altLang="zh-CN" dirty="0" smtClean="0"/>
+              <a:t>Simplification by unification</a:t>
+            </a:r>
+          </a:p>
+          <a:p>
+            <a:endParaRPr lang="en-US" altLang="zh-CN" dirty="0" smtClean="0"/>
+          </a:p>
+          <a:p>
+            <a:endParaRPr lang="en-US" altLang="zh-CN" dirty="0" smtClean="0"/>
+          </a:p>
+          <a:p>
+            <a:endParaRPr lang="zh-CN" altLang="en-US" dirty="0"/>
+          </a:p>
+        </p:txBody>
+      </p:sp>
+      <p:sp>
+        <p:nvSpPr>
+          <p:cNvPr id="4" name="灯片编号占位符 3"/>
+          <p:cNvSpPr>
+            <a:spLocks noGrp="1"/>
+          </p:cNvSpPr>
+          <p:nvPr>
+            <p:ph type="sldNum" sz="quarter" idx="10"/>
+          </p:nvPr>
+        </p:nvSpPr>
+        <p:spPr/>
+        <p:txBody>
+          <a:bodyPr/>
+          <a:lstStyle/>
+          <a:p>
+            <a:fld id="{FAF38CBB-378C-4311-BC9A-BAB83E9729AD}" type="slidenum">
+              <a:rPr lang="en-US" smtClean="0"/>
+              <a:pPr/>
+              <a:t>5</a:t>
+            </a:fld>
+            <a:endParaRPr lang="en-US"/>
+          </a:p>
+        </p:txBody>
+      </p:sp>
+      <p:sp>
+        <p:nvSpPr>
+          <p:cNvPr id="5" name="页脚占位符 4"/>
+          <p:cNvSpPr>
+            <a:spLocks noGrp="1"/>
+          </p:cNvSpPr>
+          <p:nvPr>
+            <p:ph type="ftr" sz="quarter" idx="11"/>
+          </p:nvPr>
+        </p:nvSpPr>
+        <p:spPr/>
+        <p:txBody>
+          <a:bodyPr/>
+          <a:lstStyle/>
+          <a:p>
+            <a:r>
+              <a:rPr lang="en-US" altLang="zh-CN" dirty="0" smtClean="0"/>
+              <a:t>OPC UA on Secure Device </a:t>
+            </a:r>
+            <a:r>
+              <a:rPr lang="en-US" altLang="zh-CN" dirty="0" err="1" smtClean="0"/>
+              <a:t>Yuankui</a:t>
+            </a:r>
+            <a:r>
+              <a:rPr lang="en-US" altLang="zh-CN" dirty="0" smtClean="0"/>
+              <a:t> Wang</a:t>
+            </a:r>
+            <a:endParaRPr lang="en-US" altLang="zh-CN" dirty="0"/>
+          </a:p>
+        </p:txBody>
+      </p:sp>
+      <p:sp>
+        <p:nvSpPr>
+          <p:cNvPr id="6" name="日期占位符 5"/>
+          <p:cNvSpPr>
+            <a:spLocks noGrp="1"/>
+          </p:cNvSpPr>
+          <p:nvPr>
+            <p:ph type="dt" sz="half" idx="12"/>
+          </p:nvPr>
+        </p:nvSpPr>
+        <p:spPr/>
+        <p:txBody>
+          <a:bodyPr/>
+          <a:lstStyle/>
+          <a:p>
+            <a:fld id="{D9CB193C-FC74-4279-8388-9DD1BFD58DB8}" type="datetime4">
+              <a:rPr lang="en-US" smtClean="0"/>
+              <a:pPr/>
+              <a:t>March 27, 2014</a:t>
+            </a:fld>
+            <a:endParaRPr lang="en-US"/>
+          </a:p>
+        </p:txBody>
+      </p:sp>
+    </p:spTree>
+  </p:cSld>
+  <p:clrMapOvr>
+    <a:masterClrMapping/>
+  </p:clrMapOvr>
+  <p:timing>
+    <p:tnLst>
+      <p:par>
+        <p:cTn id="1" dur="indefinite" restart="never" nodeType="tmRoot"/>
+      </p:par>
+    </p:tnLst>
+  </p:timing>
+</p:sld>
+</file>
+
+<file path=ppt/slides/slide6.xml><?xml version="1.0" encoding="utf-8"?>
+<p:sld xmlns:a="http://schemas.openxmlformats.org/drawingml/2006/main" xmlns:r="http://schemas.openxmlformats.org/officeDocument/2006/relationships" xmlns:p="http://schemas.openxmlformats.org/presentationml/2006/main">
+  <p:cSld>
+    <p:spTree>
+      <p:nvGrpSpPr>
+        <p:cNvPr id="1" name=""/>
+        <p:cNvGrpSpPr/>
+        <p:nvPr/>
+      </p:nvGrpSpPr>
+      <p:grpSpPr>
+        <a:xfrm>
+          <a:off x="0" y="0"/>
+          <a:ext cx="0" cy="0"/>
+          <a:chOff x="0" y="0"/>
+          <a:chExt cx="0" cy="0"/>
+        </a:xfrm>
+      </p:grpSpPr>
+      <p:sp>
+        <p:nvSpPr>
+          <p:cNvPr id="2" name="标题 1"/>
+          <p:cNvSpPr>
+            <a:spLocks noGrp="1"/>
+          </p:cNvSpPr>
+          <p:nvPr>
+            <p:ph type="title"/>
+          </p:nvPr>
+        </p:nvSpPr>
+        <p:spPr/>
+        <p:txBody>
+          <a:bodyPr/>
+          <a:lstStyle/>
+          <a:p>
+            <a:r>
+              <a:rPr lang="en-US" altLang="zh-CN" dirty="0" smtClean="0"/>
+              <a:t>OPC UA Client Server Architecture </a:t>
+            </a:r>
+            <a:endParaRPr lang="zh-CN" altLang="en-US" dirty="0"/>
+          </a:p>
+        </p:txBody>
+      </p:sp>
+      <p:sp>
+        <p:nvSpPr>
+          <p:cNvPr id="4" name="灯片编号占位符 3"/>
+          <p:cNvSpPr>
+            <a:spLocks noGrp="1"/>
+          </p:cNvSpPr>
+          <p:nvPr>
+            <p:ph type="sldNum" sz="quarter" idx="10"/>
+          </p:nvPr>
+        </p:nvSpPr>
+        <p:spPr/>
+        <p:txBody>
+          <a:bodyPr/>
+          <a:lstStyle/>
+          <a:p>
+            <a:fld id="{FAF38CBB-378C-4311-BC9A-BAB83E9729AD}" type="slidenum">
+              <a:rPr lang="en-US" smtClean="0"/>
+              <a:pPr/>
+              <a:t>6</a:t>
+            </a:fld>
+            <a:endParaRPr lang="en-US"/>
+          </a:p>
+        </p:txBody>
+      </p:sp>
+      <p:sp>
+        <p:nvSpPr>
+          <p:cNvPr id="5" name="页脚占位符 4"/>
+          <p:cNvSpPr>
+            <a:spLocks noGrp="1"/>
+          </p:cNvSpPr>
+          <p:nvPr>
+            <p:ph type="ftr" sz="quarter" idx="11"/>
+          </p:nvPr>
+        </p:nvSpPr>
+        <p:spPr/>
+        <p:txBody>
+          <a:bodyPr/>
+          <a:lstStyle/>
+          <a:p>
+            <a:r>
+              <a:rPr lang="en-US" altLang="zh-CN" smtClean="0"/>
+              <a:t>OPC UA on Secure Device Yuankui Wang</a:t>
+            </a:r>
+            <a:endParaRPr lang="en-US" altLang="zh-CN" dirty="0"/>
+          </a:p>
+        </p:txBody>
+      </p:sp>
+      <p:sp>
+        <p:nvSpPr>
+          <p:cNvPr id="6" name="日期占位符 5"/>
+          <p:cNvSpPr>
+            <a:spLocks noGrp="1"/>
+          </p:cNvSpPr>
+          <p:nvPr>
+            <p:ph type="dt" sz="half" idx="12"/>
+          </p:nvPr>
+        </p:nvSpPr>
+        <p:spPr/>
+        <p:txBody>
+          <a:bodyPr/>
+          <a:lstStyle/>
+          <a:p>
+            <a:fld id="{D9CB193C-FC74-4279-8388-9DD1BFD58DB8}" type="datetime4">
+              <a:rPr lang="en-US" smtClean="0"/>
+              <a:pPr/>
+              <a:t>March 27, 2014</a:t>
+            </a:fld>
+            <a:endParaRPr lang="en-US"/>
+          </a:p>
+        </p:txBody>
+      </p:sp>
+      <p:pic>
+        <p:nvPicPr>
+          <p:cNvPr id="1026" name="Picture 2"/>
+          <p:cNvPicPr>
+            <a:picLocks noGrp="1" noChangeAspect="1" noChangeArrowheads="1"/>
+          </p:cNvPicPr>
+          <p:nvPr>
+            <p:ph idx="1"/>
+          </p:nvPr>
+        </p:nvPicPr>
+        <p:blipFill>
+          <a:blip r:embed="rId2" cstate="print"/>
+          <a:srcRect/>
+          <a:stretch>
+            <a:fillRect/>
+          </a:stretch>
+        </p:blipFill>
+        <p:spPr bwMode="auto">
+          <a:xfrm>
+            <a:off x="457200" y="1385094"/>
+            <a:ext cx="8447088" cy="4968875"/>
+          </a:xfrm>
+          <a:prstGeom prst="rect">
+            <a:avLst/>
+          </a:prstGeom>
+          <a:noFill/>
+          <a:ln w="9525">
+            <a:noFill/>
+            <a:miter lim="800000"/>
+            <a:headEnd/>
+            <a:tailEnd/>
+          </a:ln>
+        </p:spPr>
+      </p:pic>
+    </p:spTree>
+  </p:cSld>
+  <p:clrMapOvr>
+    <a:masterClrMapping/>
+  </p:clrMapOvr>
+  <p:timing>
+    <p:tnLst>
+      <p:par>
+        <p:cTn id="1" dur="indefinite" restart="never" nodeType="tmRoot"/>
+      </p:par>
+    </p:tnLst>
+  </p:timing>
+</p:sld>
+</file>
+
+<file path=ppt/slides/slide7.xml><?xml version="1.0" encoding="utf-8"?>
+<p:sld xmlns:a="http://schemas.openxmlformats.org/drawingml/2006/main" xmlns:r="http://schemas.openxmlformats.org/officeDocument/2006/relationships" xmlns:p="http://schemas.openxmlformats.org/presentationml/2006/main">
+  <p:cSld>
+    <p:spTree>
+      <p:nvGrpSpPr>
+        <p:cNvPr id="1" name=""/>
+        <p:cNvGrpSpPr/>
+        <p:nvPr/>
+      </p:nvGrpSpPr>
+      <p:grpSpPr>
+        <a:xfrm>
+          <a:off x="0" y="0"/>
+          <a:ext cx="0" cy="0"/>
+          <a:chOff x="0" y="0"/>
+          <a:chExt cx="0" cy="0"/>
+        </a:xfrm>
+      </p:grpSpPr>
+      <p:pic>
+        <p:nvPicPr>
+          <p:cNvPr id="2050" name="Picture 2"/>
+          <p:cNvPicPr>
+            <a:picLocks noChangeAspect="1" noChangeArrowheads="1"/>
+          </p:cNvPicPr>
+          <p:nvPr/>
+        </p:nvPicPr>
+        <p:blipFill>
+          <a:blip r:embed="rId2" cstate="print"/>
+          <a:srcRect/>
+          <a:stretch>
+            <a:fillRect/>
+          </a:stretch>
+        </p:blipFill>
+        <p:spPr bwMode="auto">
+          <a:xfrm>
+            <a:off x="5324356" y="1341438"/>
+            <a:ext cx="3580158" cy="5056187"/>
+          </a:xfrm>
+          <a:prstGeom prst="rect">
+            <a:avLst/>
+          </a:prstGeom>
+          <a:noFill/>
+          <a:ln w="9525">
+            <a:noFill/>
+            <a:miter lim="800000"/>
+            <a:headEnd/>
+            <a:tailEnd/>
+          </a:ln>
+        </p:spPr>
+      </p:pic>
+      <p:sp>
+        <p:nvSpPr>
+          <p:cNvPr id="2" name="标题 1"/>
+          <p:cNvSpPr>
+            <a:spLocks noGrp="1"/>
+          </p:cNvSpPr>
+          <p:nvPr>
+            <p:ph type="title"/>
+          </p:nvPr>
+        </p:nvSpPr>
+        <p:spPr/>
+        <p:txBody>
+          <a:bodyPr/>
+          <a:lstStyle/>
+          <a:p>
+            <a:r>
+              <a:rPr lang="en-US" altLang="zh-CN" dirty="0" smtClean="0"/>
+              <a:t>Using Case from </a:t>
+            </a:r>
+            <a:r>
+              <a:rPr lang="en-US" altLang="zh-CN" dirty="0" err="1" smtClean="0"/>
+              <a:t>Lemgo</a:t>
+            </a:r>
+            <a:r>
+              <a:rPr lang="en-US" altLang="zh-CN" dirty="0" smtClean="0"/>
+              <a:t> Smart Factory</a:t>
+            </a:r>
+            <a:endParaRPr lang="zh-CN" altLang="en-US" dirty="0"/>
+          </a:p>
+        </p:txBody>
+      </p:sp>
+      <p:sp>
+        <p:nvSpPr>
+          <p:cNvPr id="3" name="内容占位符 2"/>
+          <p:cNvSpPr>
+            <a:spLocks noGrp="1"/>
+          </p:cNvSpPr>
+          <p:nvPr>
+            <p:ph idx="1"/>
+          </p:nvPr>
+        </p:nvSpPr>
+        <p:spPr>
+          <a:xfrm>
+            <a:off x="457199" y="1341438"/>
+            <a:ext cx="6035676" cy="5056187"/>
+          </a:xfrm>
+        </p:spPr>
+        <p:txBody>
+          <a:bodyPr/>
+          <a:lstStyle/>
+          <a:p>
+            <a:r>
+              <a:rPr lang="en-US" altLang="zh-CN" sz="2000" dirty="0" smtClean="0"/>
+              <a:t>conveyor belt, bottles, pick-place robot, field device with light sensor</a:t>
+            </a:r>
+          </a:p>
+          <a:p>
+            <a:r>
+              <a:rPr lang="en-US" altLang="zh-CN" sz="2000" dirty="0" smtClean="0"/>
+              <a:t>Bottle picked from (</a:t>
+            </a:r>
+            <a:r>
+              <a:rPr lang="en-US" altLang="zh-CN" sz="2000" dirty="0" err="1" smtClean="0"/>
+              <a:t>x,y</a:t>
+            </a:r>
+            <a:r>
+              <a:rPr lang="en-US" altLang="zh-CN" sz="2000" dirty="0" smtClean="0"/>
+              <a:t>), passed for other processing</a:t>
+            </a:r>
+          </a:p>
+          <a:p>
+            <a:r>
+              <a:rPr lang="en-US" altLang="zh-CN" sz="2000" dirty="0" smtClean="0"/>
+              <a:t>OPC UA Server = Controller</a:t>
+            </a:r>
+          </a:p>
+          <a:p>
+            <a:r>
+              <a:rPr lang="en-US" altLang="zh-CN" sz="2000" dirty="0" smtClean="0"/>
+              <a:t>OPC UA Clients = robot, remote device and 				sensor</a:t>
+            </a:r>
+          </a:p>
+          <a:p>
+            <a:r>
+              <a:rPr lang="en-US" altLang="zh-CN" sz="2000" dirty="0" smtClean="0"/>
+              <a:t>Controller communicates with the remote device over TCP/IP </a:t>
+            </a:r>
+          </a:p>
+          <a:p>
+            <a:r>
+              <a:rPr lang="en-US" altLang="zh-CN" sz="2000" dirty="0" smtClean="0"/>
+              <a:t>Controller instructs the movement of robot using real time channel</a:t>
+            </a:r>
+          </a:p>
+          <a:p>
+            <a:r>
+              <a:rPr lang="en-US" altLang="zh-CN" sz="2000" dirty="0" smtClean="0"/>
+              <a:t>OPC UA Server functions + micro TCP/IP stack </a:t>
+            </a:r>
+          </a:p>
+          <a:p>
+            <a:pPr lvl="1">
+              <a:buNone/>
+            </a:pPr>
+            <a:r>
+              <a:rPr lang="en-US" altLang="zh-CN" sz="1800" dirty="0" smtClean="0"/>
+              <a:t>= 15KB</a:t>
+            </a:r>
+          </a:p>
+          <a:p>
+            <a:endParaRPr lang="zh-CN" altLang="en-US" sz="2000" dirty="0"/>
+          </a:p>
+        </p:txBody>
+      </p:sp>
+      <p:sp>
+        <p:nvSpPr>
+          <p:cNvPr id="4" name="灯片编号占位符 3"/>
+          <p:cNvSpPr>
+            <a:spLocks noGrp="1"/>
+          </p:cNvSpPr>
+          <p:nvPr>
+            <p:ph type="sldNum" sz="quarter" idx="10"/>
+          </p:nvPr>
+        </p:nvSpPr>
+        <p:spPr/>
+        <p:txBody>
+          <a:bodyPr/>
+          <a:lstStyle/>
+          <a:p>
+            <a:fld id="{FAF38CBB-378C-4311-BC9A-BAB83E9729AD}" type="slidenum">
+              <a:rPr lang="en-US" smtClean="0"/>
+              <a:pPr/>
+              <a:t>7</a:t>
+            </a:fld>
+            <a:endParaRPr lang="en-US"/>
+          </a:p>
+        </p:txBody>
+      </p:sp>
+      <p:sp>
+        <p:nvSpPr>
+          <p:cNvPr id="5" name="页脚占位符 4"/>
+          <p:cNvSpPr>
+            <a:spLocks noGrp="1"/>
+          </p:cNvSpPr>
+          <p:nvPr>
+            <p:ph type="ftr" sz="quarter" idx="11"/>
+          </p:nvPr>
+        </p:nvSpPr>
+        <p:spPr/>
+        <p:txBody>
+          <a:bodyPr/>
+          <a:lstStyle/>
+          <a:p>
+            <a:r>
+              <a:rPr lang="en-US" altLang="zh-CN" smtClean="0"/>
+              <a:t>OPC UA on Secure Device Yuankui Wang</a:t>
+            </a:r>
+            <a:endParaRPr lang="en-US" altLang="zh-CN" dirty="0"/>
+          </a:p>
+        </p:txBody>
+      </p:sp>
+      <p:sp>
+        <p:nvSpPr>
+          <p:cNvPr id="6" name="日期占位符 5"/>
+          <p:cNvSpPr>
+            <a:spLocks noGrp="1"/>
+          </p:cNvSpPr>
+          <p:nvPr>
+            <p:ph type="dt" sz="half" idx="12"/>
+          </p:nvPr>
+        </p:nvSpPr>
+        <p:spPr/>
+        <p:txBody>
+          <a:bodyPr/>
+          <a:lstStyle/>
+          <a:p>
+            <a:fld id="{D9CB193C-FC74-4279-8388-9DD1BFD58DB8}" type="datetime4">
+              <a:rPr lang="en-US" smtClean="0"/>
+              <a:pPr/>
+              <a:t>March 27, 2014</a:t>
+            </a:fld>
+            <a:endParaRPr lang="en-US"/>
+          </a:p>
+        </p:txBody>
+      </p:sp>
+    </p:spTree>
+  </p:cSld>
+  <p:clrMapOvr>
+    <a:masterClrMapping/>
+  </p:clrMapOvr>
+  <p:timing>
+    <p:tnLst>
+      <p:par>
+        <p:cTn id="1" dur="indefinite" restart="never" nodeType="tmRoot"/>
+      </p:par>
+    </p:tnLst>
+  </p:timing>
+</p:sld>
+</file>
+
+<file path=ppt/slides/slide8.xml><?xml version="1.0" encoding="utf-8"?>
+<p:sld xmlns:a="http://schemas.openxmlformats.org/drawingml/2006/main" xmlns:r="http://schemas.openxmlformats.org/officeDocument/2006/relationships" xmlns:p="http://schemas.openxmlformats.org/presentationml/2006/main">
+  <p:cSld>
+    <p:spTree>
+      <p:nvGrpSpPr>
+        <p:cNvPr id="1" name=""/>
+        <p:cNvGrpSpPr/>
+        <p:nvPr/>
+      </p:nvGrpSpPr>
+      <p:grpSpPr>
+        <a:xfrm>
+          <a:off x="0" y="0"/>
+          <a:ext cx="0" cy="0"/>
+          <a:chOff x="0" y="0"/>
+          <a:chExt cx="0" cy="0"/>
+        </a:xfrm>
+      </p:grpSpPr>
+      <p:sp>
+        <p:nvSpPr>
+          <p:cNvPr id="2" name="标题 1"/>
+          <p:cNvSpPr>
+            <a:spLocks noGrp="1"/>
+          </p:cNvSpPr>
+          <p:nvPr>
+            <p:ph type="title"/>
+          </p:nvPr>
+        </p:nvSpPr>
+        <p:spPr/>
+        <p:txBody>
+          <a:bodyPr/>
+          <a:lstStyle/>
+          <a:p>
+            <a:r>
+              <a:rPr lang="en-US" altLang="zh-CN" dirty="0" smtClean="0"/>
+              <a:t>Smart Card Technology</a:t>
+            </a:r>
+            <a:endParaRPr lang="zh-CN" altLang="en-US" dirty="0"/>
+          </a:p>
+        </p:txBody>
+      </p:sp>
+      <p:sp>
+        <p:nvSpPr>
+          <p:cNvPr id="3" name="内容占位符 2"/>
+          <p:cNvSpPr>
+            <a:spLocks noGrp="1"/>
+          </p:cNvSpPr>
+          <p:nvPr>
+            <p:ph idx="1"/>
+          </p:nvPr>
+        </p:nvSpPr>
+        <p:spPr/>
+        <p:txBody>
+          <a:bodyPr/>
+          <a:lstStyle/>
+          <a:p>
+            <a:r>
+              <a:rPr lang="en-US" altLang="zh-CN" dirty="0" smtClean="0"/>
+              <a:t>Finance, Communication, personal identification, payment</a:t>
+            </a:r>
+          </a:p>
+          <a:p>
+            <a:r>
+              <a:rPr lang="en-US" altLang="zh-CN" dirty="0" smtClean="0"/>
+              <a:t>APDU based communication between card and CAD  </a:t>
+            </a:r>
+          </a:p>
+          <a:p>
+            <a:r>
+              <a:rPr lang="en-US" altLang="zh-CN" dirty="0" smtClean="0"/>
+              <a:t>Self-containment structure</a:t>
+            </a:r>
+          </a:p>
+          <a:p>
+            <a:r>
+              <a:rPr lang="en-US" altLang="zh-CN" dirty="0" smtClean="0"/>
+              <a:t>Security token</a:t>
+            </a:r>
+          </a:p>
+          <a:p>
+            <a:r>
+              <a:rPr lang="en-US" altLang="zh-CN" dirty="0" smtClean="0"/>
+              <a:t>Process cryptographic algorithms on </a:t>
+            </a:r>
+            <a:r>
+              <a:rPr lang="en-US" altLang="zh-CN" dirty="0" smtClean="0"/>
+              <a:t>hardware</a:t>
+            </a:r>
+          </a:p>
+          <a:p>
+            <a:r>
+              <a:rPr lang="en-US" altLang="zh-CN" dirty="0" smtClean="0"/>
+              <a:t>Wide applications:</a:t>
+            </a:r>
+          </a:p>
+          <a:p>
+            <a:pPr lvl="1"/>
+            <a:r>
+              <a:rPr lang="en-US" altLang="zh-CN" dirty="0" err="1" smtClean="0"/>
+              <a:t>Cybercash</a:t>
+            </a:r>
+            <a:endParaRPr lang="en-US" altLang="zh-CN" dirty="0" smtClean="0"/>
+          </a:p>
+          <a:p>
+            <a:pPr lvl="1"/>
+            <a:r>
+              <a:rPr lang="en-US" altLang="zh-CN" dirty="0" smtClean="0"/>
+              <a:t>Sending personal </a:t>
+            </a:r>
+            <a:r>
+              <a:rPr lang="en-US" altLang="zh-CN" dirty="0" smtClean="0"/>
+              <a:t>data</a:t>
+            </a:r>
+          </a:p>
+          <a:p>
+            <a:pPr lvl="1"/>
+            <a:r>
+              <a:rPr lang="en-US" altLang="zh-CN" dirty="0" smtClean="0"/>
+              <a:t>Buy gasoline at gasoline station</a:t>
+            </a:r>
+          </a:p>
+          <a:p>
+            <a:pPr lvl="1"/>
+            <a:r>
+              <a:rPr lang="en-US" altLang="zh-CN" dirty="0" smtClean="0"/>
+              <a:t>….</a:t>
+            </a:r>
+            <a:endParaRPr lang="en-US" altLang="zh-CN" dirty="0" smtClean="0"/>
+          </a:p>
+        </p:txBody>
+      </p:sp>
+      <p:sp>
+        <p:nvSpPr>
+          <p:cNvPr id="4" name="灯片编号占位符 3"/>
+          <p:cNvSpPr>
+            <a:spLocks noGrp="1"/>
+          </p:cNvSpPr>
+          <p:nvPr>
+            <p:ph type="sldNum" sz="quarter" idx="10"/>
+          </p:nvPr>
+        </p:nvSpPr>
+        <p:spPr/>
+        <p:txBody>
+          <a:bodyPr/>
+          <a:lstStyle/>
+          <a:p>
+            <a:fld id="{FAF38CBB-378C-4311-BC9A-BAB83E9729AD}" type="slidenum">
+              <a:rPr lang="en-US" smtClean="0"/>
+              <a:pPr/>
+              <a:t>8</a:t>
+            </a:fld>
+            <a:endParaRPr lang="en-US"/>
+          </a:p>
+        </p:txBody>
+      </p:sp>
+      <p:sp>
+        <p:nvSpPr>
+          <p:cNvPr id="5" name="页脚占位符 4"/>
+          <p:cNvSpPr>
+            <a:spLocks noGrp="1"/>
+          </p:cNvSpPr>
+          <p:nvPr>
+            <p:ph type="ftr" sz="quarter" idx="11"/>
+          </p:nvPr>
+        </p:nvSpPr>
+        <p:spPr/>
+        <p:txBody>
+          <a:bodyPr/>
+          <a:lstStyle/>
+          <a:p>
+            <a:r>
+              <a:rPr lang="en-US" altLang="zh-CN" smtClean="0"/>
+              <a:t>OPC UA on Secure Device Yuankui Wang</a:t>
+            </a:r>
+            <a:endParaRPr lang="en-US" altLang="zh-CN" dirty="0"/>
+          </a:p>
+        </p:txBody>
+      </p:sp>
+      <p:sp>
+        <p:nvSpPr>
+          <p:cNvPr id="6" name="日期占位符 5"/>
+          <p:cNvSpPr>
+            <a:spLocks noGrp="1"/>
+          </p:cNvSpPr>
+          <p:nvPr>
+            <p:ph type="dt" sz="half" idx="12"/>
+          </p:nvPr>
+        </p:nvSpPr>
+        <p:spPr/>
+        <p:txBody>
+          <a:bodyPr/>
+          <a:lstStyle/>
+          <a:p>
+            <a:fld id="{D9CB193C-FC74-4279-8388-9DD1BFD58DB8}" type="datetime4">
+              <a:rPr lang="en-US" smtClean="0"/>
+              <a:pPr/>
+              <a:t>March 27, 2014</a:t>
             </a:fld>
             <a:endParaRPr lang="en-US"/>
           </a:p>
@@ -4413,1839 +6489,7 @@
 </p:sld>
 </file>
 
-<file path=ppt/slides/slide17.xml><?xml version="1.0" encoding="utf-8"?>
-<p:sld xmlns:a="http://schemas.openxmlformats.org/drawingml/2006/main" xmlns:r="http://schemas.openxmlformats.org/officeDocument/2006/relationships" xmlns:p="http://schemas.openxmlformats.org/presentationml/2006/main">
-  <p:cSld>
-    <p:spTree>
-      <p:nvGrpSpPr>
-        <p:cNvPr id="1" name=""/>
-        <p:cNvGrpSpPr/>
-        <p:nvPr/>
-      </p:nvGrpSpPr>
-      <p:grpSpPr>
-        <a:xfrm>
-          <a:off x="0" y="0"/>
-          <a:ext cx="0" cy="0"/>
-          <a:chOff x="0" y="0"/>
-          <a:chExt cx="0" cy="0"/>
-        </a:xfrm>
-      </p:grpSpPr>
-      <p:sp>
-        <p:nvSpPr>
-          <p:cNvPr id="2" name="标题 1"/>
-          <p:cNvSpPr>
-            <a:spLocks noGrp="1"/>
-          </p:cNvSpPr>
-          <p:nvPr>
-            <p:ph type="title"/>
-          </p:nvPr>
-        </p:nvSpPr>
-        <p:spPr/>
-        <p:txBody>
-          <a:bodyPr/>
-          <a:lstStyle/>
-          <a:p>
-            <a:r>
-              <a:rPr lang="en-US" altLang="zh-CN" dirty="0" smtClean="0"/>
-              <a:t/>
-            </a:r>
-            <a:br>
-              <a:rPr lang="en-US" altLang="zh-CN" dirty="0" smtClean="0"/>
-            </a:br>
-            <a:r>
-              <a:rPr lang="en-US" altLang="zh-CN" dirty="0" smtClean="0"/>
-              <a:t>OPC UA on Secure Device</a:t>
-            </a:r>
-            <a:endParaRPr lang="zh-CN" altLang="en-US" dirty="0"/>
-          </a:p>
-        </p:txBody>
-      </p:sp>
-      <p:sp>
-        <p:nvSpPr>
-          <p:cNvPr id="4" name="灯片编号占位符 3"/>
-          <p:cNvSpPr>
-            <a:spLocks noGrp="1"/>
-          </p:cNvSpPr>
-          <p:nvPr>
-            <p:ph type="sldNum" sz="quarter" idx="10"/>
-          </p:nvPr>
-        </p:nvSpPr>
-        <p:spPr/>
-        <p:txBody>
-          <a:bodyPr/>
-          <a:lstStyle/>
-          <a:p>
-            <a:fld id="{FAF38CBB-378C-4311-BC9A-BAB83E9729AD}" type="slidenum">
-              <a:rPr lang="en-US" smtClean="0"/>
-              <a:pPr/>
-              <a:t>17</a:t>
-            </a:fld>
-            <a:endParaRPr lang="en-US"/>
-          </a:p>
-        </p:txBody>
-      </p:sp>
-      <p:sp>
-        <p:nvSpPr>
-          <p:cNvPr id="5" name="页脚占位符 4"/>
-          <p:cNvSpPr>
-            <a:spLocks noGrp="1"/>
-          </p:cNvSpPr>
-          <p:nvPr>
-            <p:ph type="ftr" sz="quarter" idx="11"/>
-          </p:nvPr>
-        </p:nvSpPr>
-        <p:spPr/>
-        <p:txBody>
-          <a:bodyPr/>
-          <a:lstStyle/>
-          <a:p>
-            <a:r>
-              <a:rPr lang="en-US" altLang="zh-CN" smtClean="0"/>
-              <a:t>OPC UA on Secure Device Yuankui Wang</a:t>
-            </a:r>
-            <a:endParaRPr lang="en-US" altLang="zh-CN" dirty="0"/>
-          </a:p>
-        </p:txBody>
-      </p:sp>
-      <p:sp>
-        <p:nvSpPr>
-          <p:cNvPr id="6" name="日期占位符 5"/>
-          <p:cNvSpPr>
-            <a:spLocks noGrp="1"/>
-          </p:cNvSpPr>
-          <p:nvPr>
-            <p:ph type="dt" sz="half" idx="12"/>
-          </p:nvPr>
-        </p:nvSpPr>
-        <p:spPr/>
-        <p:txBody>
-          <a:bodyPr/>
-          <a:lstStyle/>
-          <a:p>
-            <a:fld id="{D9CB193C-FC74-4279-8388-9DD1BFD58DB8}" type="datetime4">
-              <a:rPr lang="en-US" smtClean="0"/>
-              <a:pPr/>
-              <a:t>March 18, 2014</a:t>
-            </a:fld>
-            <a:endParaRPr lang="en-US"/>
-          </a:p>
-        </p:txBody>
-      </p:sp>
-      <p:pic>
-        <p:nvPicPr>
-          <p:cNvPr id="7" name="Picture 2"/>
-          <p:cNvPicPr>
-            <a:picLocks noGrp="1" noChangeAspect="1" noChangeArrowheads="1"/>
-          </p:cNvPicPr>
-          <p:nvPr>
-            <p:ph idx="1"/>
-          </p:nvPr>
-        </p:nvPicPr>
-        <p:blipFill>
-          <a:blip r:embed="rId2" cstate="print"/>
-          <a:srcRect/>
-          <a:stretch>
-            <a:fillRect/>
-          </a:stretch>
-        </p:blipFill>
-        <p:spPr bwMode="auto">
-          <a:xfrm>
-            <a:off x="591471" y="1950131"/>
-            <a:ext cx="4657185" cy="3188042"/>
-          </a:xfrm>
-          <a:prstGeom prst="rect">
-            <a:avLst/>
-          </a:prstGeom>
-          <a:noFill/>
-          <a:ln w="9525">
-            <a:noFill/>
-            <a:miter lim="800000"/>
-            <a:headEnd/>
-            <a:tailEnd/>
-          </a:ln>
-        </p:spPr>
-      </p:pic>
-      <p:pic>
-        <p:nvPicPr>
-          <p:cNvPr id="8" name="Grafik 3"/>
-          <p:cNvPicPr>
-            <a:picLocks noChangeAspect="1"/>
-          </p:cNvPicPr>
-          <p:nvPr/>
-        </p:nvPicPr>
-        <p:blipFill>
-          <a:blip r:embed="rId3" cstate="print"/>
-          <a:srcRect/>
-          <a:stretch>
-            <a:fillRect/>
-          </a:stretch>
-        </p:blipFill>
-        <p:spPr bwMode="auto">
-          <a:xfrm>
-            <a:off x="5595938" y="2217554"/>
-            <a:ext cx="2920619" cy="2920619"/>
-          </a:xfrm>
-          <a:prstGeom prst="rect">
-            <a:avLst/>
-          </a:prstGeom>
-          <a:noFill/>
-          <a:ln w="9525">
-            <a:noFill/>
-            <a:miter lim="800000"/>
-            <a:headEnd/>
-            <a:tailEnd/>
-          </a:ln>
-        </p:spPr>
-      </p:pic>
-    </p:spTree>
-  </p:cSld>
-  <p:clrMapOvr>
-    <a:masterClrMapping/>
-  </p:clrMapOvr>
-  <p:timing>
-    <p:tnLst>
-      <p:par>
-        <p:cTn id="1" dur="indefinite" restart="never" nodeType="tmRoot"/>
-      </p:par>
-    </p:tnLst>
-  </p:timing>
-</p:sld>
-</file>
-
-<file path=ppt/slides/slide18.xml><?xml version="1.0" encoding="utf-8"?>
-<p:sld xmlns:a="http://schemas.openxmlformats.org/drawingml/2006/main" xmlns:r="http://schemas.openxmlformats.org/officeDocument/2006/relationships" xmlns:p="http://schemas.openxmlformats.org/presentationml/2006/main">
-  <p:cSld>
-    <p:spTree>
-      <p:nvGrpSpPr>
-        <p:cNvPr id="1" name=""/>
-        <p:cNvGrpSpPr/>
-        <p:nvPr/>
-      </p:nvGrpSpPr>
-      <p:grpSpPr>
-        <a:xfrm>
-          <a:off x="0" y="0"/>
-          <a:ext cx="0" cy="0"/>
-          <a:chOff x="0" y="0"/>
-          <a:chExt cx="0" cy="0"/>
-        </a:xfrm>
-      </p:grpSpPr>
-      <p:sp>
-        <p:nvSpPr>
-          <p:cNvPr id="2" name="标题 1"/>
-          <p:cNvSpPr>
-            <a:spLocks noGrp="1"/>
-          </p:cNvSpPr>
-          <p:nvPr>
-            <p:ph type="title"/>
-          </p:nvPr>
-        </p:nvSpPr>
-        <p:spPr/>
-        <p:txBody>
-          <a:bodyPr/>
-          <a:lstStyle/>
-          <a:p>
-            <a:r>
-              <a:rPr lang="en-US" altLang="zh-CN" dirty="0" smtClean="0"/>
-              <a:t>Implementation scenario</a:t>
-            </a:r>
-            <a:endParaRPr lang="zh-CN" altLang="en-US" dirty="0"/>
-          </a:p>
-        </p:txBody>
-      </p:sp>
-      <p:sp>
-        <p:nvSpPr>
-          <p:cNvPr id="4" name="灯片编号占位符 3"/>
-          <p:cNvSpPr>
-            <a:spLocks noGrp="1"/>
-          </p:cNvSpPr>
-          <p:nvPr>
-            <p:ph type="sldNum" sz="quarter" idx="10"/>
-          </p:nvPr>
-        </p:nvSpPr>
-        <p:spPr/>
-        <p:txBody>
-          <a:bodyPr/>
-          <a:lstStyle/>
-          <a:p>
-            <a:fld id="{FAF38CBB-378C-4311-BC9A-BAB83E9729AD}" type="slidenum">
-              <a:rPr lang="en-US" smtClean="0"/>
-              <a:pPr/>
-              <a:t>18</a:t>
-            </a:fld>
-            <a:endParaRPr lang="en-US"/>
-          </a:p>
-        </p:txBody>
-      </p:sp>
-      <p:sp>
-        <p:nvSpPr>
-          <p:cNvPr id="5" name="页脚占位符 4"/>
-          <p:cNvSpPr>
-            <a:spLocks noGrp="1"/>
-          </p:cNvSpPr>
-          <p:nvPr>
-            <p:ph type="ftr" sz="quarter" idx="11"/>
-          </p:nvPr>
-        </p:nvSpPr>
-        <p:spPr/>
-        <p:txBody>
-          <a:bodyPr/>
-          <a:lstStyle/>
-          <a:p>
-            <a:r>
-              <a:rPr lang="en-US" altLang="zh-CN" smtClean="0"/>
-              <a:t>OPC UA on Secure Device Yuankui Wang</a:t>
-            </a:r>
-            <a:endParaRPr lang="en-US" altLang="zh-CN" dirty="0"/>
-          </a:p>
-        </p:txBody>
-      </p:sp>
-      <p:sp>
-        <p:nvSpPr>
-          <p:cNvPr id="6" name="日期占位符 5"/>
-          <p:cNvSpPr>
-            <a:spLocks noGrp="1"/>
-          </p:cNvSpPr>
-          <p:nvPr>
-            <p:ph type="dt" sz="half" idx="12"/>
-          </p:nvPr>
-        </p:nvSpPr>
-        <p:spPr/>
-        <p:txBody>
-          <a:bodyPr/>
-          <a:lstStyle/>
-          <a:p>
-            <a:fld id="{D9CB193C-FC74-4279-8388-9DD1BFD58DB8}" type="datetime4">
-              <a:rPr lang="en-US" smtClean="0"/>
-              <a:pPr/>
-              <a:t>March 18, 2014</a:t>
-            </a:fld>
-            <a:endParaRPr lang="en-US"/>
-          </a:p>
-        </p:txBody>
-      </p:sp>
-      <p:pic>
-        <p:nvPicPr>
-          <p:cNvPr id="11266" name="Picture 2"/>
-          <p:cNvPicPr>
-            <a:picLocks noGrp="1" noChangeAspect="1" noChangeArrowheads="1"/>
-          </p:cNvPicPr>
-          <p:nvPr>
-            <p:ph idx="1"/>
-          </p:nvPr>
-        </p:nvPicPr>
-        <p:blipFill>
-          <a:blip r:embed="rId2" cstate="print"/>
-          <a:srcRect/>
-          <a:stretch>
-            <a:fillRect/>
-          </a:stretch>
-        </p:blipFill>
-        <p:spPr bwMode="auto">
-          <a:xfrm>
-            <a:off x="724089" y="1792800"/>
-            <a:ext cx="7429055" cy="3387915"/>
-          </a:xfrm>
-          <a:prstGeom prst="rect">
-            <a:avLst/>
-          </a:prstGeom>
-          <a:noFill/>
-          <a:ln w="9525">
-            <a:noFill/>
-            <a:miter lim="800000"/>
-            <a:headEnd/>
-            <a:tailEnd/>
-          </a:ln>
-        </p:spPr>
-      </p:pic>
-    </p:spTree>
-  </p:cSld>
-  <p:clrMapOvr>
-    <a:masterClrMapping/>
-  </p:clrMapOvr>
-  <p:timing>
-    <p:tnLst>
-      <p:par>
-        <p:cTn id="1" dur="indefinite" restart="never" nodeType="tmRoot"/>
-      </p:par>
-    </p:tnLst>
-  </p:timing>
-</p:sld>
-</file>
-
-<file path=ppt/slides/slide19.xml><?xml version="1.0" encoding="utf-8"?>
-<p:sld xmlns:a="http://schemas.openxmlformats.org/drawingml/2006/main" xmlns:r="http://schemas.openxmlformats.org/officeDocument/2006/relationships" xmlns:p="http://schemas.openxmlformats.org/presentationml/2006/main">
-  <p:cSld>
-    <p:spTree>
-      <p:nvGrpSpPr>
-        <p:cNvPr id="1" name=""/>
-        <p:cNvGrpSpPr/>
-        <p:nvPr/>
-      </p:nvGrpSpPr>
-      <p:grpSpPr>
-        <a:xfrm>
-          <a:off x="0" y="0"/>
-          <a:ext cx="0" cy="0"/>
-          <a:chOff x="0" y="0"/>
-          <a:chExt cx="0" cy="0"/>
-        </a:xfrm>
-      </p:grpSpPr>
-      <p:sp>
-        <p:nvSpPr>
-          <p:cNvPr id="2" name="标题 1"/>
-          <p:cNvSpPr>
-            <a:spLocks noGrp="1"/>
-          </p:cNvSpPr>
-          <p:nvPr>
-            <p:ph type="title"/>
-          </p:nvPr>
-        </p:nvSpPr>
-        <p:spPr/>
-        <p:txBody>
-          <a:bodyPr/>
-          <a:lstStyle/>
-          <a:p>
-            <a:r>
-              <a:rPr lang="en-US" altLang="zh-CN" dirty="0" smtClean="0"/>
-              <a:t>Implementation scenario</a:t>
-            </a:r>
-            <a:endParaRPr lang="zh-CN" altLang="en-US" dirty="0"/>
-          </a:p>
-        </p:txBody>
-      </p:sp>
-      <p:sp>
-        <p:nvSpPr>
-          <p:cNvPr id="4" name="灯片编号占位符 3"/>
-          <p:cNvSpPr>
-            <a:spLocks noGrp="1"/>
-          </p:cNvSpPr>
-          <p:nvPr>
-            <p:ph type="sldNum" sz="quarter" idx="10"/>
-          </p:nvPr>
-        </p:nvSpPr>
-        <p:spPr/>
-        <p:txBody>
-          <a:bodyPr/>
-          <a:lstStyle/>
-          <a:p>
-            <a:fld id="{FAF38CBB-378C-4311-BC9A-BAB83E9729AD}" type="slidenum">
-              <a:rPr lang="en-US" smtClean="0"/>
-              <a:pPr/>
-              <a:t>19</a:t>
-            </a:fld>
-            <a:endParaRPr lang="en-US"/>
-          </a:p>
-        </p:txBody>
-      </p:sp>
-      <p:sp>
-        <p:nvSpPr>
-          <p:cNvPr id="5" name="页脚占位符 4"/>
-          <p:cNvSpPr>
-            <a:spLocks noGrp="1"/>
-          </p:cNvSpPr>
-          <p:nvPr>
-            <p:ph type="ftr" sz="quarter" idx="11"/>
-          </p:nvPr>
-        </p:nvSpPr>
-        <p:spPr/>
-        <p:txBody>
-          <a:bodyPr/>
-          <a:lstStyle/>
-          <a:p>
-            <a:r>
-              <a:rPr lang="en-US" altLang="zh-CN" smtClean="0"/>
-              <a:t>OPC UA on Secure Device Yuankui Wang</a:t>
-            </a:r>
-            <a:endParaRPr lang="en-US" altLang="zh-CN" dirty="0"/>
-          </a:p>
-        </p:txBody>
-      </p:sp>
-      <p:sp>
-        <p:nvSpPr>
-          <p:cNvPr id="6" name="日期占位符 5"/>
-          <p:cNvSpPr>
-            <a:spLocks noGrp="1"/>
-          </p:cNvSpPr>
-          <p:nvPr>
-            <p:ph type="dt" sz="half" idx="12"/>
-          </p:nvPr>
-        </p:nvSpPr>
-        <p:spPr/>
-        <p:txBody>
-          <a:bodyPr/>
-          <a:lstStyle/>
-          <a:p>
-            <a:fld id="{D9CB193C-FC74-4279-8388-9DD1BFD58DB8}" type="datetime4">
-              <a:rPr lang="en-US" smtClean="0"/>
-              <a:pPr/>
-              <a:t>March 18, 2014</a:t>
-            </a:fld>
-            <a:endParaRPr lang="en-US"/>
-          </a:p>
-        </p:txBody>
-      </p:sp>
-      <p:pic>
-        <p:nvPicPr>
-          <p:cNvPr id="13315" name="Picture 3"/>
-          <p:cNvPicPr>
-            <a:picLocks noChangeAspect="1" noChangeArrowheads="1"/>
-          </p:cNvPicPr>
-          <p:nvPr/>
-        </p:nvPicPr>
-        <p:blipFill>
-          <a:blip r:embed="rId2" cstate="print"/>
-          <a:srcRect/>
-          <a:stretch>
-            <a:fillRect/>
-          </a:stretch>
-        </p:blipFill>
-        <p:spPr bwMode="auto">
-          <a:xfrm>
-            <a:off x="914400" y="1065213"/>
-            <a:ext cx="7040150" cy="5301678"/>
-          </a:xfrm>
-          <a:prstGeom prst="rect">
-            <a:avLst/>
-          </a:prstGeom>
-          <a:noFill/>
-          <a:ln w="9525">
-            <a:noFill/>
-            <a:miter lim="800000"/>
-            <a:headEnd/>
-            <a:tailEnd/>
-          </a:ln>
-        </p:spPr>
-      </p:pic>
-    </p:spTree>
-  </p:cSld>
-  <p:clrMapOvr>
-    <a:masterClrMapping/>
-  </p:clrMapOvr>
-  <p:timing>
-    <p:tnLst>
-      <p:par>
-        <p:cTn id="1" dur="indefinite" restart="never" nodeType="tmRoot"/>
-      </p:par>
-    </p:tnLst>
-  </p:timing>
-</p:sld>
-</file>
-
-<file path=ppt/slides/slide2.xml><?xml version="1.0" encoding="utf-8"?>
-<p:sld xmlns:a="http://schemas.openxmlformats.org/drawingml/2006/main" xmlns:r="http://schemas.openxmlformats.org/officeDocument/2006/relationships" xmlns:p="http://schemas.openxmlformats.org/presentationml/2006/main">
-  <p:cSld>
-    <p:spTree>
-      <p:nvGrpSpPr>
-        <p:cNvPr id="1" name=""/>
-        <p:cNvGrpSpPr/>
-        <p:nvPr/>
-      </p:nvGrpSpPr>
-      <p:grpSpPr>
-        <a:xfrm>
-          <a:off x="0" y="0"/>
-          <a:ext cx="0" cy="0"/>
-          <a:chOff x="0" y="0"/>
-          <a:chExt cx="0" cy="0"/>
-        </a:xfrm>
-      </p:grpSpPr>
-      <p:sp>
-        <p:nvSpPr>
-          <p:cNvPr id="16" name="标题 15"/>
-          <p:cNvSpPr>
-            <a:spLocks noGrp="1"/>
-          </p:cNvSpPr>
-          <p:nvPr>
-            <p:ph type="title"/>
-          </p:nvPr>
-        </p:nvSpPr>
-        <p:spPr/>
-        <p:txBody>
-          <a:bodyPr/>
-          <a:lstStyle/>
-          <a:p>
-            <a:r>
-              <a:rPr lang="en-US" altLang="zh-CN" dirty="0" smtClean="0"/>
-              <a:t>Agenda</a:t>
-            </a:r>
-            <a:endParaRPr lang="zh-CN" altLang="en-US" dirty="0"/>
-          </a:p>
-        </p:txBody>
-      </p:sp>
-      <p:sp>
-        <p:nvSpPr>
-          <p:cNvPr id="17" name="内容占位符 16"/>
-          <p:cNvSpPr>
-            <a:spLocks noGrp="1"/>
-          </p:cNvSpPr>
-          <p:nvPr>
-            <p:ph idx="1"/>
-          </p:nvPr>
-        </p:nvSpPr>
-        <p:spPr/>
-        <p:txBody>
-          <a:bodyPr/>
-          <a:lstStyle/>
-          <a:p>
-            <a:pPr>
-              <a:buNone/>
-            </a:pPr>
-            <a:endParaRPr lang="en-US" altLang="zh-CN" dirty="0" smtClean="0"/>
-          </a:p>
-          <a:p>
-            <a:r>
-              <a:rPr lang="en-US" altLang="zh-CN" dirty="0" smtClean="0"/>
-              <a:t>Introduction and Motivation</a:t>
-            </a:r>
-          </a:p>
-          <a:p>
-            <a:r>
-              <a:rPr lang="en-US" altLang="zh-CN" dirty="0" smtClean="0"/>
-              <a:t>OPC Unified Architecture Specification</a:t>
-            </a:r>
-          </a:p>
-          <a:p>
-            <a:r>
-              <a:rPr lang="en-US" altLang="zh-CN" dirty="0" smtClean="0"/>
-              <a:t>Smart Card Technology</a:t>
-            </a:r>
-          </a:p>
-          <a:p>
-            <a:r>
-              <a:rPr lang="en-US" altLang="zh-CN" dirty="0" smtClean="0"/>
-              <a:t>Implementation </a:t>
-            </a:r>
-            <a:r>
-              <a:rPr lang="en-US" altLang="zh-CN" dirty="0" smtClean="0"/>
-              <a:t>Scenario</a:t>
-            </a:r>
-          </a:p>
-          <a:p>
-            <a:r>
-              <a:rPr lang="en-GB" altLang="zh-CN" dirty="0" smtClean="0"/>
-              <a:t>Goals</a:t>
-            </a:r>
-            <a:endParaRPr lang="en-US" altLang="zh-CN" dirty="0" smtClean="0"/>
-          </a:p>
-          <a:p>
-            <a:r>
-              <a:rPr lang="en-US" altLang="zh-CN" dirty="0" smtClean="0"/>
-              <a:t>Time Lines</a:t>
-            </a:r>
-          </a:p>
-          <a:p>
-            <a:r>
-              <a:rPr lang="en-US" altLang="zh-CN" dirty="0" smtClean="0"/>
-              <a:t>Reference</a:t>
-            </a:r>
-          </a:p>
-          <a:p>
-            <a:endParaRPr lang="zh-CN" altLang="en-US" dirty="0"/>
-          </a:p>
-        </p:txBody>
-      </p:sp>
-      <p:sp>
-        <p:nvSpPr>
-          <p:cNvPr id="4" name="灯片编号占位符 3"/>
-          <p:cNvSpPr>
-            <a:spLocks noGrp="1"/>
-          </p:cNvSpPr>
-          <p:nvPr>
-            <p:ph type="sldNum" sz="quarter" idx="10"/>
-          </p:nvPr>
-        </p:nvSpPr>
-        <p:spPr/>
-        <p:txBody>
-          <a:bodyPr/>
-          <a:lstStyle/>
-          <a:p>
-            <a:fld id="{FAF38CBB-378C-4311-BC9A-BAB83E9729AD}" type="slidenum">
-              <a:rPr lang="en-US" smtClean="0"/>
-              <a:pPr/>
-              <a:t>2</a:t>
-            </a:fld>
-            <a:endParaRPr lang="en-US"/>
-          </a:p>
-        </p:txBody>
-      </p:sp>
-      <p:sp>
-        <p:nvSpPr>
-          <p:cNvPr id="5" name="页脚占位符 4"/>
-          <p:cNvSpPr>
-            <a:spLocks noGrp="1"/>
-          </p:cNvSpPr>
-          <p:nvPr>
-            <p:ph type="ftr" sz="quarter" idx="11"/>
-          </p:nvPr>
-        </p:nvSpPr>
-        <p:spPr/>
-        <p:txBody>
-          <a:bodyPr/>
-          <a:lstStyle/>
-          <a:p>
-            <a:r>
-              <a:rPr lang="en-US" altLang="zh-CN" dirty="0" smtClean="0"/>
-              <a:t>OPC UA on Secure Device </a:t>
-            </a:r>
-            <a:r>
-              <a:rPr lang="en-US" altLang="zh-CN" dirty="0" err="1" smtClean="0"/>
-              <a:t>Yuankui</a:t>
-            </a:r>
-            <a:r>
-              <a:rPr lang="en-US" altLang="zh-CN" dirty="0" smtClean="0"/>
-              <a:t> Wang</a:t>
-            </a:r>
-            <a:endParaRPr lang="en-US" altLang="zh-CN" dirty="0"/>
-          </a:p>
-        </p:txBody>
-      </p:sp>
-      <p:sp>
-        <p:nvSpPr>
-          <p:cNvPr id="6" name="日期占位符 5"/>
-          <p:cNvSpPr>
-            <a:spLocks noGrp="1"/>
-          </p:cNvSpPr>
-          <p:nvPr>
-            <p:ph type="dt" sz="half" idx="12"/>
-          </p:nvPr>
-        </p:nvSpPr>
-        <p:spPr/>
-        <p:txBody>
-          <a:bodyPr/>
-          <a:lstStyle/>
-          <a:p>
-            <a:fld id="{D9CB193C-FC74-4279-8388-9DD1BFD58DB8}" type="datetime4">
-              <a:rPr lang="en-US" smtClean="0"/>
-              <a:pPr/>
-              <a:t>March 18, 2014</a:t>
-            </a:fld>
-            <a:endParaRPr lang="en-US"/>
-          </a:p>
-        </p:txBody>
-      </p:sp>
-    </p:spTree>
-  </p:cSld>
-  <p:clrMapOvr>
-    <a:masterClrMapping/>
-  </p:clrMapOvr>
-  <p:timing>
-    <p:tnLst>
-      <p:par>
-        <p:cTn id="1" dur="indefinite" restart="never" nodeType="tmRoot"/>
-      </p:par>
-    </p:tnLst>
-  </p:timing>
-</p:sld>
-</file>
-
-<file path=ppt/slides/slide20.xml><?xml version="1.0" encoding="utf-8"?>
-<p:sld xmlns:a="http://schemas.openxmlformats.org/drawingml/2006/main" xmlns:r="http://schemas.openxmlformats.org/officeDocument/2006/relationships" xmlns:p="http://schemas.openxmlformats.org/presentationml/2006/main">
-  <p:cSld>
-    <p:spTree>
-      <p:nvGrpSpPr>
-        <p:cNvPr id="1" name=""/>
-        <p:cNvGrpSpPr/>
-        <p:nvPr/>
-      </p:nvGrpSpPr>
-      <p:grpSpPr>
-        <a:xfrm>
-          <a:off x="0" y="0"/>
-          <a:ext cx="0" cy="0"/>
-          <a:chOff x="0" y="0"/>
-          <a:chExt cx="0" cy="0"/>
-        </a:xfrm>
-      </p:grpSpPr>
-      <p:sp>
-        <p:nvSpPr>
-          <p:cNvPr id="2" name="标题 1"/>
-          <p:cNvSpPr>
-            <a:spLocks noGrp="1"/>
-          </p:cNvSpPr>
-          <p:nvPr>
-            <p:ph type="title"/>
-          </p:nvPr>
-        </p:nvSpPr>
-        <p:spPr/>
-        <p:txBody>
-          <a:bodyPr/>
-          <a:lstStyle/>
-          <a:p>
-            <a:r>
-              <a:rPr lang="en-US" altLang="zh-CN" dirty="0" smtClean="0"/>
-              <a:t>Implementation scenario</a:t>
-            </a:r>
-            <a:endParaRPr lang="zh-CN" altLang="en-US" dirty="0"/>
-          </a:p>
-        </p:txBody>
-      </p:sp>
-      <p:sp>
-        <p:nvSpPr>
-          <p:cNvPr id="4" name="灯片编号占位符 3"/>
-          <p:cNvSpPr>
-            <a:spLocks noGrp="1"/>
-          </p:cNvSpPr>
-          <p:nvPr>
-            <p:ph type="sldNum" sz="quarter" idx="10"/>
-          </p:nvPr>
-        </p:nvSpPr>
-        <p:spPr/>
-        <p:txBody>
-          <a:bodyPr/>
-          <a:lstStyle/>
-          <a:p>
-            <a:fld id="{FAF38CBB-378C-4311-BC9A-BAB83E9729AD}" type="slidenum">
-              <a:rPr lang="en-US" smtClean="0"/>
-              <a:pPr/>
-              <a:t>20</a:t>
-            </a:fld>
-            <a:endParaRPr lang="en-US"/>
-          </a:p>
-        </p:txBody>
-      </p:sp>
-      <p:sp>
-        <p:nvSpPr>
-          <p:cNvPr id="5" name="页脚占位符 4"/>
-          <p:cNvSpPr>
-            <a:spLocks noGrp="1"/>
-          </p:cNvSpPr>
-          <p:nvPr>
-            <p:ph type="ftr" sz="quarter" idx="11"/>
-          </p:nvPr>
-        </p:nvSpPr>
-        <p:spPr/>
-        <p:txBody>
-          <a:bodyPr/>
-          <a:lstStyle/>
-          <a:p>
-            <a:r>
-              <a:rPr lang="en-US" altLang="zh-CN" smtClean="0"/>
-              <a:t>OPC UA on Secure Device Yuankui Wang</a:t>
-            </a:r>
-            <a:endParaRPr lang="en-US" altLang="zh-CN" dirty="0"/>
-          </a:p>
-        </p:txBody>
-      </p:sp>
-      <p:sp>
-        <p:nvSpPr>
-          <p:cNvPr id="6" name="日期占位符 5"/>
-          <p:cNvSpPr>
-            <a:spLocks noGrp="1"/>
-          </p:cNvSpPr>
-          <p:nvPr>
-            <p:ph type="dt" sz="half" idx="12"/>
-          </p:nvPr>
-        </p:nvSpPr>
-        <p:spPr/>
-        <p:txBody>
-          <a:bodyPr/>
-          <a:lstStyle/>
-          <a:p>
-            <a:fld id="{D9CB193C-FC74-4279-8388-9DD1BFD58DB8}" type="datetime4">
-              <a:rPr lang="en-US" smtClean="0"/>
-              <a:pPr/>
-              <a:t>March 18, 2014</a:t>
-            </a:fld>
-            <a:endParaRPr lang="en-US"/>
-          </a:p>
-        </p:txBody>
-      </p:sp>
-      <p:pic>
-        <p:nvPicPr>
-          <p:cNvPr id="14339" name="Picture 3"/>
-          <p:cNvPicPr>
-            <a:picLocks noChangeAspect="1" noChangeArrowheads="1"/>
-          </p:cNvPicPr>
-          <p:nvPr/>
-        </p:nvPicPr>
-        <p:blipFill>
-          <a:blip r:embed="rId2" cstate="print"/>
-          <a:srcRect/>
-          <a:stretch>
-            <a:fillRect/>
-          </a:stretch>
-        </p:blipFill>
-        <p:spPr bwMode="auto">
-          <a:xfrm>
-            <a:off x="923544" y="1265157"/>
-            <a:ext cx="7178039" cy="5378531"/>
-          </a:xfrm>
-          <a:prstGeom prst="rect">
-            <a:avLst/>
-          </a:prstGeom>
-          <a:noFill/>
-          <a:ln w="9525">
-            <a:noFill/>
-            <a:miter lim="800000"/>
-            <a:headEnd/>
-            <a:tailEnd/>
-          </a:ln>
-        </p:spPr>
-      </p:pic>
-    </p:spTree>
-  </p:cSld>
-  <p:clrMapOvr>
-    <a:masterClrMapping/>
-  </p:clrMapOvr>
-  <p:timing>
-    <p:tnLst>
-      <p:par>
-        <p:cTn id="1" dur="indefinite" restart="never" nodeType="tmRoot"/>
-      </p:par>
-    </p:tnLst>
-  </p:timing>
-</p:sld>
-</file>
-
-<file path=ppt/slides/slide21.xml><?xml version="1.0" encoding="utf-8"?>
-<p:sld xmlns:a="http://schemas.openxmlformats.org/drawingml/2006/main" xmlns:r="http://schemas.openxmlformats.org/officeDocument/2006/relationships" xmlns:p="http://schemas.openxmlformats.org/presentationml/2006/main">
-  <p:cSld>
-    <p:spTree>
-      <p:nvGrpSpPr>
-        <p:cNvPr id="1" name=""/>
-        <p:cNvGrpSpPr/>
-        <p:nvPr/>
-      </p:nvGrpSpPr>
-      <p:grpSpPr>
-        <a:xfrm>
-          <a:off x="0" y="0"/>
-          <a:ext cx="0" cy="0"/>
-          <a:chOff x="0" y="0"/>
-          <a:chExt cx="0" cy="0"/>
-        </a:xfrm>
-      </p:grpSpPr>
-      <p:sp>
-        <p:nvSpPr>
-          <p:cNvPr id="2" name="Title 1"/>
-          <p:cNvSpPr>
-            <a:spLocks noGrp="1"/>
-          </p:cNvSpPr>
-          <p:nvPr>
-            <p:ph type="title"/>
-          </p:nvPr>
-        </p:nvSpPr>
-        <p:spPr/>
-        <p:txBody>
-          <a:bodyPr/>
-          <a:lstStyle/>
-          <a:p>
-            <a:r>
-              <a:rPr lang="en-GB" dirty="0" smtClean="0"/>
-              <a:t>Goals</a:t>
-            </a:r>
-            <a:endParaRPr lang="en-US" dirty="0"/>
-          </a:p>
-        </p:txBody>
-      </p:sp>
-      <p:sp>
-        <p:nvSpPr>
-          <p:cNvPr id="3" name="Content Placeholder 2"/>
-          <p:cNvSpPr>
-            <a:spLocks noGrp="1"/>
-          </p:cNvSpPr>
-          <p:nvPr>
-            <p:ph idx="1"/>
-          </p:nvPr>
-        </p:nvSpPr>
-        <p:spPr/>
-        <p:txBody>
-          <a:bodyPr/>
-          <a:lstStyle/>
-          <a:p>
-            <a:endParaRPr lang="en-GB" dirty="0" smtClean="0"/>
-          </a:p>
-          <a:p>
-            <a:r>
-              <a:rPr lang="en-GB" dirty="0" smtClean="0"/>
-              <a:t>Describing highlighting features of OPC UA</a:t>
-            </a:r>
-          </a:p>
-          <a:p>
-            <a:r>
-              <a:rPr lang="en-GB" dirty="0" smtClean="0"/>
-              <a:t>Analyzing security protocols and their performance</a:t>
-            </a:r>
-          </a:p>
-          <a:p>
-            <a:r>
-              <a:rPr lang="en-GB" dirty="0" smtClean="0"/>
-              <a:t>Studying smart card technology</a:t>
-            </a:r>
-          </a:p>
-          <a:p>
-            <a:r>
-              <a:rPr lang="en-GB" dirty="0" smtClean="0"/>
-              <a:t>Learning security mechanisms provided by smart card</a:t>
-            </a:r>
-          </a:p>
-          <a:p>
-            <a:r>
-              <a:rPr lang="en-GB" dirty="0" smtClean="0"/>
-              <a:t>Build OPC UA standard client and server application</a:t>
-            </a:r>
-          </a:p>
-          <a:p>
-            <a:r>
-              <a:rPr lang="en-GB" dirty="0" smtClean="0"/>
-              <a:t>Build client side communication stack on smart card</a:t>
-            </a:r>
-          </a:p>
-          <a:p>
-            <a:r>
-              <a:rPr lang="en-GB" dirty="0" smtClean="0"/>
-              <a:t>Build/simulate remote application server</a:t>
-            </a:r>
-          </a:p>
-          <a:p>
-            <a:endParaRPr lang="en-GB" dirty="0" smtClean="0"/>
-          </a:p>
-          <a:p>
-            <a:endParaRPr lang="en-US" dirty="0"/>
-          </a:p>
-        </p:txBody>
-      </p:sp>
-      <p:sp>
-        <p:nvSpPr>
-          <p:cNvPr id="4" name="Slide Number Placeholder 3"/>
-          <p:cNvSpPr>
-            <a:spLocks noGrp="1"/>
-          </p:cNvSpPr>
-          <p:nvPr>
-            <p:ph type="sldNum" sz="quarter" idx="10"/>
-          </p:nvPr>
-        </p:nvSpPr>
-        <p:spPr/>
-        <p:txBody>
-          <a:bodyPr/>
-          <a:lstStyle/>
-          <a:p>
-            <a:fld id="{FAF38CBB-378C-4311-BC9A-BAB83E9729AD}" type="slidenum">
-              <a:rPr lang="en-US" smtClean="0"/>
-              <a:pPr/>
-              <a:t>21</a:t>
-            </a:fld>
-            <a:endParaRPr lang="en-US"/>
-          </a:p>
-        </p:txBody>
-      </p:sp>
-      <p:sp>
-        <p:nvSpPr>
-          <p:cNvPr id="5" name="Footer Placeholder 4"/>
-          <p:cNvSpPr>
-            <a:spLocks noGrp="1"/>
-          </p:cNvSpPr>
-          <p:nvPr>
-            <p:ph type="ftr" sz="quarter" idx="11"/>
-          </p:nvPr>
-        </p:nvSpPr>
-        <p:spPr/>
-        <p:txBody>
-          <a:bodyPr/>
-          <a:lstStyle/>
-          <a:p>
-            <a:r>
-              <a:rPr lang="en-US" altLang="zh-CN" smtClean="0"/>
-              <a:t>OPC UA on Secure Device Yuankui Wang</a:t>
-            </a:r>
-            <a:endParaRPr lang="en-US" altLang="zh-CN" dirty="0"/>
-          </a:p>
-        </p:txBody>
-      </p:sp>
-      <p:sp>
-        <p:nvSpPr>
-          <p:cNvPr id="6" name="Date Placeholder 5"/>
-          <p:cNvSpPr>
-            <a:spLocks noGrp="1"/>
-          </p:cNvSpPr>
-          <p:nvPr>
-            <p:ph type="dt" sz="half" idx="12"/>
-          </p:nvPr>
-        </p:nvSpPr>
-        <p:spPr/>
-        <p:txBody>
-          <a:bodyPr/>
-          <a:lstStyle/>
-          <a:p>
-            <a:fld id="{D9CB193C-FC74-4279-8388-9DD1BFD58DB8}" type="datetime4">
-              <a:rPr lang="en-US" smtClean="0"/>
-              <a:pPr/>
-              <a:t>March 18, 2014</a:t>
-            </a:fld>
-            <a:endParaRPr lang="en-US"/>
-          </a:p>
-        </p:txBody>
-      </p:sp>
-    </p:spTree>
-  </p:cSld>
-  <p:clrMapOvr>
-    <a:masterClrMapping/>
-  </p:clrMapOvr>
-</p:sld>
-</file>
-
-<file path=ppt/slides/slide22.xml><?xml version="1.0" encoding="utf-8"?>
-<p:sld xmlns:a="http://schemas.openxmlformats.org/drawingml/2006/main" xmlns:r="http://schemas.openxmlformats.org/officeDocument/2006/relationships" xmlns:p="http://schemas.openxmlformats.org/presentationml/2006/main">
-  <p:cSld>
-    <p:spTree>
-      <p:nvGrpSpPr>
-        <p:cNvPr id="1" name=""/>
-        <p:cNvGrpSpPr/>
-        <p:nvPr/>
-      </p:nvGrpSpPr>
-      <p:grpSpPr>
-        <a:xfrm>
-          <a:off x="0" y="0"/>
-          <a:ext cx="0" cy="0"/>
-          <a:chOff x="0" y="0"/>
-          <a:chExt cx="0" cy="0"/>
-        </a:xfrm>
-      </p:grpSpPr>
-      <p:sp>
-        <p:nvSpPr>
-          <p:cNvPr id="2" name="标题 1"/>
-          <p:cNvSpPr>
-            <a:spLocks noGrp="1"/>
-          </p:cNvSpPr>
-          <p:nvPr>
-            <p:ph type="title"/>
-          </p:nvPr>
-        </p:nvSpPr>
-        <p:spPr/>
-        <p:txBody>
-          <a:bodyPr/>
-          <a:lstStyle/>
-          <a:p>
-            <a:r>
-              <a:rPr lang="en-US" altLang="zh-CN" dirty="0" smtClean="0"/>
-              <a:t>Time Lines</a:t>
-            </a:r>
-            <a:endParaRPr lang="zh-CN" altLang="en-US" dirty="0"/>
-          </a:p>
-        </p:txBody>
-      </p:sp>
-      <p:sp>
-        <p:nvSpPr>
-          <p:cNvPr id="3" name="内容占位符 2"/>
-          <p:cNvSpPr>
-            <a:spLocks noGrp="1"/>
-          </p:cNvSpPr>
-          <p:nvPr>
-            <p:ph idx="1"/>
-          </p:nvPr>
-        </p:nvSpPr>
-        <p:spPr/>
-        <p:txBody>
-          <a:bodyPr/>
-          <a:lstStyle/>
-          <a:p>
-            <a:endParaRPr lang="en-US" altLang="zh-CN" smtClean="0"/>
-          </a:p>
-          <a:p>
-            <a:r>
-              <a:rPr lang="en-US" altLang="zh-CN" smtClean="0"/>
-              <a:t>Reference</a:t>
-            </a:r>
-            <a:endParaRPr lang="en-US" altLang="zh-CN" dirty="0" smtClean="0"/>
-          </a:p>
-          <a:p>
-            <a:r>
-              <a:rPr lang="en-US" altLang="zh-CN" dirty="0" smtClean="0"/>
-              <a:t>Dummy client/server construction</a:t>
-            </a:r>
-          </a:p>
-          <a:p>
-            <a:r>
-              <a:rPr lang="en-US" altLang="zh-CN" dirty="0" smtClean="0"/>
-              <a:t>Communication stack on UICC smart </a:t>
-            </a:r>
-            <a:r>
-              <a:rPr lang="en-US" altLang="zh-CN" dirty="0" smtClean="0"/>
-              <a:t>card</a:t>
-            </a:r>
-          </a:p>
-          <a:p>
-            <a:r>
-              <a:rPr lang="en-GB" altLang="zh-CN" dirty="0" smtClean="0"/>
-              <a:t>Remote application server construction</a:t>
-            </a:r>
-            <a:endParaRPr lang="en-US" altLang="zh-CN" dirty="0" smtClean="0"/>
-          </a:p>
-          <a:p>
-            <a:r>
-              <a:rPr lang="en-US" altLang="zh-CN" dirty="0" smtClean="0"/>
-              <a:t>Combination and debugging</a:t>
-            </a:r>
-          </a:p>
-          <a:p>
-            <a:r>
-              <a:rPr lang="en-US" altLang="zh-CN" dirty="0" smtClean="0"/>
-              <a:t>Analyze secure protocols </a:t>
-            </a:r>
-          </a:p>
-          <a:p>
-            <a:r>
-              <a:rPr lang="en-US" altLang="zh-CN" dirty="0" smtClean="0"/>
-              <a:t>Analyze performance</a:t>
-            </a:r>
-          </a:p>
-          <a:p>
-            <a:endParaRPr lang="zh-CN" altLang="en-US" dirty="0"/>
-          </a:p>
-        </p:txBody>
-      </p:sp>
-      <p:sp>
-        <p:nvSpPr>
-          <p:cNvPr id="4" name="灯片编号占位符 3"/>
-          <p:cNvSpPr>
-            <a:spLocks noGrp="1"/>
-          </p:cNvSpPr>
-          <p:nvPr>
-            <p:ph type="sldNum" sz="quarter" idx="10"/>
-          </p:nvPr>
-        </p:nvSpPr>
-        <p:spPr/>
-        <p:txBody>
-          <a:bodyPr/>
-          <a:lstStyle/>
-          <a:p>
-            <a:fld id="{FAF38CBB-378C-4311-BC9A-BAB83E9729AD}" type="slidenum">
-              <a:rPr lang="en-US" smtClean="0"/>
-              <a:pPr/>
-              <a:t>22</a:t>
-            </a:fld>
-            <a:endParaRPr lang="en-US"/>
-          </a:p>
-        </p:txBody>
-      </p:sp>
-      <p:sp>
-        <p:nvSpPr>
-          <p:cNvPr id="5" name="页脚占位符 4"/>
-          <p:cNvSpPr>
-            <a:spLocks noGrp="1"/>
-          </p:cNvSpPr>
-          <p:nvPr>
-            <p:ph type="ftr" sz="quarter" idx="11"/>
-          </p:nvPr>
-        </p:nvSpPr>
-        <p:spPr/>
-        <p:txBody>
-          <a:bodyPr/>
-          <a:lstStyle/>
-          <a:p>
-            <a:r>
-              <a:rPr lang="en-US" altLang="zh-CN" smtClean="0"/>
-              <a:t>OPC UA on Secure Device Yuankui Wang</a:t>
-            </a:r>
-            <a:endParaRPr lang="en-US" altLang="zh-CN" dirty="0"/>
-          </a:p>
-        </p:txBody>
-      </p:sp>
-      <p:sp>
-        <p:nvSpPr>
-          <p:cNvPr id="6" name="日期占位符 5"/>
-          <p:cNvSpPr>
-            <a:spLocks noGrp="1"/>
-          </p:cNvSpPr>
-          <p:nvPr>
-            <p:ph type="dt" sz="half" idx="12"/>
-          </p:nvPr>
-        </p:nvSpPr>
-        <p:spPr/>
-        <p:txBody>
-          <a:bodyPr/>
-          <a:lstStyle/>
-          <a:p>
-            <a:fld id="{D9CB193C-FC74-4279-8388-9DD1BFD58DB8}" type="datetime4">
-              <a:rPr lang="en-US" smtClean="0"/>
-              <a:pPr/>
-              <a:t>March 18, 2014</a:t>
-            </a:fld>
-            <a:endParaRPr lang="en-US"/>
-          </a:p>
-        </p:txBody>
-      </p:sp>
-    </p:spTree>
-  </p:cSld>
-  <p:clrMapOvr>
-    <a:masterClrMapping/>
-  </p:clrMapOvr>
-  <p:timing>
-    <p:tnLst>
-      <p:par>
-        <p:cTn id="1" dur="indefinite" restart="never" nodeType="tmRoot"/>
-      </p:par>
-    </p:tnLst>
-  </p:timing>
-</p:sld>
-</file>
-
-<file path=ppt/slides/slide23.xml><?xml version="1.0" encoding="utf-8"?>
-<p:sld xmlns:a="http://schemas.openxmlformats.org/drawingml/2006/main" xmlns:r="http://schemas.openxmlformats.org/officeDocument/2006/relationships" xmlns:p="http://schemas.openxmlformats.org/presentationml/2006/main">
-  <p:cSld>
-    <p:spTree>
-      <p:nvGrpSpPr>
-        <p:cNvPr id="1" name=""/>
-        <p:cNvGrpSpPr/>
-        <p:nvPr/>
-      </p:nvGrpSpPr>
-      <p:grpSpPr>
-        <a:xfrm>
-          <a:off x="0" y="0"/>
-          <a:ext cx="0" cy="0"/>
-          <a:chOff x="0" y="0"/>
-          <a:chExt cx="0" cy="0"/>
-        </a:xfrm>
-      </p:grpSpPr>
-      <p:sp>
-        <p:nvSpPr>
-          <p:cNvPr id="2" name="标题 1"/>
-          <p:cNvSpPr>
-            <a:spLocks noGrp="1"/>
-          </p:cNvSpPr>
-          <p:nvPr>
-            <p:ph type="title"/>
-          </p:nvPr>
-        </p:nvSpPr>
-        <p:spPr/>
-        <p:txBody>
-          <a:bodyPr/>
-          <a:lstStyle/>
-          <a:p>
-            <a:r>
-              <a:rPr lang="en-US" altLang="zh-CN" dirty="0" err="1" smtClean="0"/>
-              <a:t>Rerferences</a:t>
-            </a:r>
-            <a:endParaRPr lang="zh-CN" altLang="en-US" dirty="0"/>
-          </a:p>
-        </p:txBody>
-      </p:sp>
-      <p:sp>
-        <p:nvSpPr>
-          <p:cNvPr id="3" name="内容占位符 2"/>
-          <p:cNvSpPr>
-            <a:spLocks noGrp="1"/>
-          </p:cNvSpPr>
-          <p:nvPr>
-            <p:ph idx="1"/>
-          </p:nvPr>
-        </p:nvSpPr>
-        <p:spPr/>
-        <p:txBody>
-          <a:bodyPr/>
-          <a:lstStyle/>
-          <a:p>
-            <a:r>
-              <a:rPr lang="en-US" altLang="zh-CN" dirty="0" smtClean="0"/>
-              <a:t>OPC UA specification 1-11</a:t>
-            </a:r>
-          </a:p>
-          <a:p>
-            <a:r>
-              <a:rPr lang="en-US" altLang="zh-CN" dirty="0" smtClean="0"/>
-              <a:t>Stefan-Helmut </a:t>
-            </a:r>
-            <a:r>
-              <a:rPr lang="en-US" altLang="zh-CN" dirty="0" err="1" smtClean="0"/>
-              <a:t>Leitner</a:t>
-            </a:r>
-            <a:r>
-              <a:rPr lang="en-US" altLang="zh-CN" dirty="0" smtClean="0"/>
-              <a:t> and Wolfgang </a:t>
-            </a:r>
-            <a:r>
-              <a:rPr lang="en-US" altLang="zh-CN" dirty="0" err="1" smtClean="0"/>
-              <a:t>Mahnk</a:t>
-            </a:r>
-            <a:r>
-              <a:rPr lang="en-US" altLang="zh-CN" dirty="0" smtClean="0"/>
-              <a:t>: </a:t>
-            </a:r>
-            <a:r>
-              <a:rPr lang="en-US" altLang="zh-CN" dirty="0" err="1" smtClean="0"/>
-              <a:t>Opc</a:t>
-            </a:r>
-            <a:r>
-              <a:rPr lang="en-US" altLang="zh-CN" dirty="0" smtClean="0"/>
-              <a:t> </a:t>
-            </a:r>
-            <a:r>
-              <a:rPr lang="en-US" altLang="zh-CN" dirty="0" err="1" smtClean="0"/>
-              <a:t>ua</a:t>
-            </a:r>
-            <a:r>
-              <a:rPr lang="en-US" altLang="zh-CN" dirty="0" smtClean="0"/>
-              <a:t>-service-oriented architecture for industrial applications</a:t>
-            </a:r>
-          </a:p>
-          <a:p>
-            <a:r>
-              <a:rPr lang="en-US" altLang="zh-CN" dirty="0" smtClean="0"/>
-              <a:t>Wolfgang </a:t>
-            </a:r>
-            <a:r>
-              <a:rPr lang="en-US" altLang="zh-CN" dirty="0" err="1" smtClean="0"/>
-              <a:t>Mahnke</a:t>
-            </a:r>
-            <a:r>
-              <a:rPr lang="en-US" altLang="zh-CN" dirty="0" smtClean="0"/>
-              <a:t>, Stefan-Helmut </a:t>
-            </a:r>
-            <a:r>
-              <a:rPr lang="en-US" altLang="zh-CN" dirty="0" err="1" smtClean="0"/>
-              <a:t>Leitner:OPC</a:t>
-            </a:r>
-            <a:r>
-              <a:rPr lang="en-US" altLang="zh-CN" dirty="0" smtClean="0"/>
-              <a:t> Unified Architecture</a:t>
-            </a:r>
-          </a:p>
-          <a:p>
-            <a:r>
-              <a:rPr lang="de-DE" altLang="zh-CN" dirty="0" smtClean="0"/>
-              <a:t>Wolfgang Rankl und Wolfgang Eng: Handbuch der chipkarten - 5. deutsche </a:t>
-            </a:r>
-            <a:r>
-              <a:rPr lang="en-US" altLang="zh-CN" dirty="0" err="1" smtClean="0"/>
-              <a:t>auflage</a:t>
-            </a:r>
-            <a:r>
-              <a:rPr lang="en-US" altLang="zh-CN" dirty="0" smtClean="0"/>
-              <a:t>. (2008)</a:t>
-            </a:r>
-          </a:p>
-          <a:p>
-            <a:endParaRPr lang="en-US" altLang="zh-CN" dirty="0" smtClean="0"/>
-          </a:p>
-          <a:p>
-            <a:endParaRPr lang="zh-CN" altLang="en-US" dirty="0"/>
-          </a:p>
-        </p:txBody>
-      </p:sp>
-      <p:sp>
-        <p:nvSpPr>
-          <p:cNvPr id="4" name="灯片编号占位符 3"/>
-          <p:cNvSpPr>
-            <a:spLocks noGrp="1"/>
-          </p:cNvSpPr>
-          <p:nvPr>
-            <p:ph type="sldNum" sz="quarter" idx="10"/>
-          </p:nvPr>
-        </p:nvSpPr>
-        <p:spPr/>
-        <p:txBody>
-          <a:bodyPr/>
-          <a:lstStyle/>
-          <a:p>
-            <a:fld id="{FAF38CBB-378C-4311-BC9A-BAB83E9729AD}" type="slidenum">
-              <a:rPr lang="en-US" smtClean="0"/>
-              <a:pPr/>
-              <a:t>23</a:t>
-            </a:fld>
-            <a:endParaRPr lang="en-US"/>
-          </a:p>
-        </p:txBody>
-      </p:sp>
-      <p:sp>
-        <p:nvSpPr>
-          <p:cNvPr id="5" name="页脚占位符 4"/>
-          <p:cNvSpPr>
-            <a:spLocks noGrp="1"/>
-          </p:cNvSpPr>
-          <p:nvPr>
-            <p:ph type="ftr" sz="quarter" idx="11"/>
-          </p:nvPr>
-        </p:nvSpPr>
-        <p:spPr/>
-        <p:txBody>
-          <a:bodyPr/>
-          <a:lstStyle/>
-          <a:p>
-            <a:r>
-              <a:rPr lang="en-US" altLang="zh-CN" smtClean="0"/>
-              <a:t>OPC UA on Secure Device Yuankui Wang</a:t>
-            </a:r>
-            <a:endParaRPr lang="en-US" altLang="zh-CN" dirty="0"/>
-          </a:p>
-        </p:txBody>
-      </p:sp>
-      <p:sp>
-        <p:nvSpPr>
-          <p:cNvPr id="6" name="日期占位符 5"/>
-          <p:cNvSpPr>
-            <a:spLocks noGrp="1"/>
-          </p:cNvSpPr>
-          <p:nvPr>
-            <p:ph type="dt" sz="half" idx="12"/>
-          </p:nvPr>
-        </p:nvSpPr>
-        <p:spPr/>
-        <p:txBody>
-          <a:bodyPr/>
-          <a:lstStyle/>
-          <a:p>
-            <a:fld id="{D9CB193C-FC74-4279-8388-9DD1BFD58DB8}" type="datetime4">
-              <a:rPr lang="en-US" smtClean="0"/>
-              <a:pPr/>
-              <a:t>March 18, 2014</a:t>
-            </a:fld>
-            <a:endParaRPr lang="en-US"/>
-          </a:p>
-        </p:txBody>
-      </p:sp>
-    </p:spTree>
-  </p:cSld>
-  <p:clrMapOvr>
-    <a:masterClrMapping/>
-  </p:clrMapOvr>
-  <p:timing>
-    <p:tnLst>
-      <p:par>
-        <p:cTn id="1" dur="indefinite" restart="never" nodeType="tmRoot"/>
-      </p:par>
-    </p:tnLst>
-  </p:timing>
-</p:sld>
-</file>
-
-<file path=ppt/slides/slide24.xml><?xml version="1.0" encoding="utf-8"?>
-<p:sld xmlns:a="http://schemas.openxmlformats.org/drawingml/2006/main" xmlns:r="http://schemas.openxmlformats.org/officeDocument/2006/relationships" xmlns:p="http://schemas.openxmlformats.org/presentationml/2006/main">
-  <p:cSld>
-    <p:spTree>
-      <p:nvGrpSpPr>
-        <p:cNvPr id="1" name=""/>
-        <p:cNvGrpSpPr/>
-        <p:nvPr/>
-      </p:nvGrpSpPr>
-      <p:grpSpPr>
-        <a:xfrm>
-          <a:off x="0" y="0"/>
-          <a:ext cx="0" cy="0"/>
-          <a:chOff x="0" y="0"/>
-          <a:chExt cx="0" cy="0"/>
-        </a:xfrm>
-      </p:grpSpPr>
-      <p:sp>
-        <p:nvSpPr>
-          <p:cNvPr id="8" name="副标题 7"/>
-          <p:cNvSpPr>
-            <a:spLocks noGrp="1"/>
-          </p:cNvSpPr>
-          <p:nvPr>
-            <p:ph type="subTitle" idx="1"/>
-          </p:nvPr>
-        </p:nvSpPr>
-        <p:spPr/>
-        <p:txBody>
-          <a:bodyPr/>
-          <a:lstStyle/>
-          <a:p>
-            <a:endParaRPr lang="zh-CN" altLang="en-US"/>
-          </a:p>
-        </p:txBody>
-      </p:sp>
-      <p:sp>
-        <p:nvSpPr>
-          <p:cNvPr id="4" name="灯片编号占位符 3"/>
-          <p:cNvSpPr>
-            <a:spLocks noGrp="1"/>
-          </p:cNvSpPr>
-          <p:nvPr>
-            <p:ph type="sldNum" sz="quarter" idx="4"/>
-          </p:nvPr>
-        </p:nvSpPr>
-        <p:spPr/>
-        <p:txBody>
-          <a:bodyPr/>
-          <a:lstStyle/>
-          <a:p>
-            <a:fld id="{FAF38CBB-378C-4311-BC9A-BAB83E9729AD}" type="slidenum">
-              <a:rPr lang="en-US" smtClean="0"/>
-              <a:pPr/>
-              <a:t>24</a:t>
-            </a:fld>
-            <a:endParaRPr lang="en-US"/>
-          </a:p>
-        </p:txBody>
-      </p:sp>
-      <p:sp>
-        <p:nvSpPr>
-          <p:cNvPr id="7" name="标题 6"/>
-          <p:cNvSpPr>
-            <a:spLocks noGrp="1"/>
-          </p:cNvSpPr>
-          <p:nvPr>
-            <p:ph type="ctrTitle"/>
-          </p:nvPr>
-        </p:nvSpPr>
-        <p:spPr/>
-        <p:txBody>
-          <a:bodyPr/>
-          <a:lstStyle/>
-          <a:p>
-            <a:r>
-              <a:rPr lang="en-US" altLang="zh-CN" dirty="0" smtClean="0"/>
-              <a:t>Thank you! Question?</a:t>
-            </a:r>
-            <a:endParaRPr lang="zh-CN" altLang="en-US" dirty="0"/>
-          </a:p>
-        </p:txBody>
-      </p:sp>
-      <p:sp>
-        <p:nvSpPr>
-          <p:cNvPr id="5" name="页脚占位符 4"/>
-          <p:cNvSpPr>
-            <a:spLocks noGrp="1"/>
-          </p:cNvSpPr>
-          <p:nvPr>
-            <p:ph type="ftr" sz="quarter" idx="3"/>
-          </p:nvPr>
-        </p:nvSpPr>
-        <p:spPr/>
-        <p:txBody>
-          <a:bodyPr/>
-          <a:lstStyle/>
-          <a:p>
-            <a:r>
-              <a:rPr lang="en-US" altLang="zh-CN" smtClean="0"/>
-              <a:t>OPC UA on Secure Device Yuankui Wang</a:t>
-            </a:r>
-            <a:endParaRPr lang="en-US" altLang="zh-CN" dirty="0"/>
-          </a:p>
-        </p:txBody>
-      </p:sp>
-      <p:sp>
-        <p:nvSpPr>
-          <p:cNvPr id="6" name="日期占位符 5"/>
-          <p:cNvSpPr>
-            <a:spLocks noGrp="1"/>
-          </p:cNvSpPr>
-          <p:nvPr>
-            <p:ph type="dt" sz="half" idx="2"/>
-          </p:nvPr>
-        </p:nvSpPr>
-        <p:spPr/>
-        <p:txBody>
-          <a:bodyPr/>
-          <a:lstStyle/>
-          <a:p>
-            <a:fld id="{D9CB193C-FC74-4279-8388-9DD1BFD58DB8}" type="datetime4">
-              <a:rPr lang="en-US" smtClean="0"/>
-              <a:pPr/>
-              <a:t>March 18, 2014</a:t>
-            </a:fld>
-            <a:endParaRPr lang="en-US"/>
-          </a:p>
-        </p:txBody>
-      </p:sp>
-    </p:spTree>
-  </p:cSld>
-  <p:clrMapOvr>
-    <a:masterClrMapping/>
-  </p:clrMapOvr>
-  <p:timing>
-    <p:tnLst>
-      <p:par>
-        <p:cTn id="1" dur="indefinite" restart="never" nodeType="tmRoot"/>
-      </p:par>
-    </p:tnLst>
-  </p:timing>
-</p:sld>
-</file>
-
-<file path=ppt/slides/slide3.xml><?xml version="1.0" encoding="utf-8"?>
-<p:sld xmlns:a="http://schemas.openxmlformats.org/drawingml/2006/main" xmlns:r="http://schemas.openxmlformats.org/officeDocument/2006/relationships" xmlns:p="http://schemas.openxmlformats.org/presentationml/2006/main">
-  <p:cSld>
-    <p:spTree>
-      <p:nvGrpSpPr>
-        <p:cNvPr id="1" name=""/>
-        <p:cNvGrpSpPr/>
-        <p:nvPr/>
-      </p:nvGrpSpPr>
-      <p:grpSpPr>
-        <a:xfrm>
-          <a:off x="0" y="0"/>
-          <a:ext cx="0" cy="0"/>
-          <a:chOff x="0" y="0"/>
-          <a:chExt cx="0" cy="0"/>
-        </a:xfrm>
-      </p:grpSpPr>
-      <p:sp>
-        <p:nvSpPr>
-          <p:cNvPr id="2" name="标题 1"/>
-          <p:cNvSpPr>
-            <a:spLocks noGrp="1"/>
-          </p:cNvSpPr>
-          <p:nvPr>
-            <p:ph type="title"/>
-          </p:nvPr>
-        </p:nvSpPr>
-        <p:spPr/>
-        <p:txBody>
-          <a:bodyPr/>
-          <a:lstStyle/>
-          <a:p>
-            <a:r>
-              <a:rPr lang="en-US" altLang="zh-CN" dirty="0" smtClean="0"/>
-              <a:t>Introduction and Motivation</a:t>
-            </a:r>
-            <a:endParaRPr lang="zh-CN" altLang="en-US" dirty="0"/>
-          </a:p>
-        </p:txBody>
-      </p:sp>
-      <p:sp>
-        <p:nvSpPr>
-          <p:cNvPr id="14" name="内容占位符 13"/>
-          <p:cNvSpPr>
-            <a:spLocks noGrp="1"/>
-          </p:cNvSpPr>
-          <p:nvPr>
-            <p:ph idx="1"/>
-          </p:nvPr>
-        </p:nvSpPr>
-        <p:spPr/>
-        <p:txBody>
-          <a:bodyPr/>
-          <a:lstStyle/>
-          <a:p>
-            <a:r>
-              <a:rPr lang="en-US" altLang="zh-CN" dirty="0" smtClean="0"/>
-              <a:t>In industry automation world, Machine-to-Machine technology is widely applied.</a:t>
-            </a:r>
-          </a:p>
-          <a:p>
-            <a:r>
-              <a:rPr lang="en-US" altLang="zh-CN" dirty="0" smtClean="0"/>
-              <a:t>Exchange gather information during collaborative machining process </a:t>
-            </a:r>
-          </a:p>
-          <a:p>
-            <a:r>
-              <a:rPr lang="en-US" altLang="zh-CN" dirty="0" smtClean="0"/>
-              <a:t>motion control in legacy networks</a:t>
-            </a:r>
-          </a:p>
-          <a:p>
-            <a:r>
-              <a:rPr lang="en-US" altLang="zh-CN" dirty="0" smtClean="0"/>
-              <a:t>Over 22,000 products supplied by over 3,200 vendors</a:t>
-            </a:r>
-          </a:p>
-          <a:p>
-            <a:r>
-              <a:rPr lang="en-US" altLang="zh-CN" dirty="0" smtClean="0"/>
-              <a:t>Crucial: system interconnectivity, common interface for communication, security</a:t>
-            </a:r>
-          </a:p>
-          <a:p>
-            <a:r>
-              <a:rPr lang="en-US" altLang="zh-CN" dirty="0" smtClean="0"/>
-              <a:t>Classic OPC offers solutions for data access, historical data access, alarms and events.</a:t>
-            </a:r>
-          </a:p>
-          <a:p>
-            <a:r>
-              <a:rPr lang="en-US" altLang="zh-CN" dirty="0" smtClean="0"/>
-              <a:t>But there exits limitations and imperfections</a:t>
-            </a:r>
-          </a:p>
-          <a:p>
-            <a:r>
-              <a:rPr lang="en-US" altLang="zh-CN" dirty="0" smtClean="0"/>
-              <a:t>Windows platform only, DCOM/COM, no complex data structure</a:t>
-            </a:r>
-          </a:p>
-          <a:p>
-            <a:pPr>
-              <a:buNone/>
-            </a:pPr>
-            <a:endParaRPr lang="en-US" altLang="zh-CN" dirty="0" smtClean="0"/>
-          </a:p>
-        </p:txBody>
-      </p:sp>
-      <p:sp>
-        <p:nvSpPr>
-          <p:cNvPr id="4" name="灯片编号占位符 3"/>
-          <p:cNvSpPr>
-            <a:spLocks noGrp="1"/>
-          </p:cNvSpPr>
-          <p:nvPr>
-            <p:ph type="sldNum" sz="quarter" idx="10"/>
-          </p:nvPr>
-        </p:nvSpPr>
-        <p:spPr/>
-        <p:txBody>
-          <a:bodyPr/>
-          <a:lstStyle/>
-          <a:p>
-            <a:fld id="{FAF38CBB-378C-4311-BC9A-BAB83E9729AD}" type="slidenum">
-              <a:rPr lang="en-US" smtClean="0"/>
-              <a:pPr/>
-              <a:t>3</a:t>
-            </a:fld>
-            <a:endParaRPr lang="en-US"/>
-          </a:p>
-        </p:txBody>
-      </p:sp>
-      <p:sp>
-        <p:nvSpPr>
-          <p:cNvPr id="5" name="页脚占位符 4"/>
-          <p:cNvSpPr>
-            <a:spLocks noGrp="1"/>
-          </p:cNvSpPr>
-          <p:nvPr>
-            <p:ph type="ftr" sz="quarter" idx="11"/>
-          </p:nvPr>
-        </p:nvSpPr>
-        <p:spPr/>
-        <p:txBody>
-          <a:bodyPr/>
-          <a:lstStyle/>
-          <a:p>
-            <a:r>
-              <a:rPr lang="en-US" altLang="zh-CN" smtClean="0"/>
-              <a:t>OPC UA on Secure Device Yuankui Wang</a:t>
-            </a:r>
-            <a:endParaRPr lang="en-US" altLang="zh-CN" dirty="0"/>
-          </a:p>
-        </p:txBody>
-      </p:sp>
-      <p:sp>
-        <p:nvSpPr>
-          <p:cNvPr id="6" name="日期占位符 5"/>
-          <p:cNvSpPr>
-            <a:spLocks noGrp="1"/>
-          </p:cNvSpPr>
-          <p:nvPr>
-            <p:ph type="dt" sz="half" idx="12"/>
-          </p:nvPr>
-        </p:nvSpPr>
-        <p:spPr/>
-        <p:txBody>
-          <a:bodyPr/>
-          <a:lstStyle/>
-          <a:p>
-            <a:fld id="{D9CB193C-FC74-4279-8388-9DD1BFD58DB8}" type="datetime4">
-              <a:rPr lang="en-US" smtClean="0"/>
-              <a:pPr/>
-              <a:t>March 18, 2014</a:t>
-            </a:fld>
-            <a:endParaRPr lang="en-US"/>
-          </a:p>
-        </p:txBody>
-      </p:sp>
-    </p:spTree>
-  </p:cSld>
-  <p:clrMapOvr>
-    <a:masterClrMapping/>
-  </p:clrMapOvr>
-  <p:timing>
-    <p:tnLst>
-      <p:par>
-        <p:cTn id="1" dur="indefinite" restart="never" nodeType="tmRoot"/>
-      </p:par>
-    </p:tnLst>
-  </p:timing>
-</p:sld>
-</file>
-
-<file path=ppt/slides/slide4.xml><?xml version="1.0" encoding="utf-8"?>
+<file path=ppt/slides/slide9.xml><?xml version="1.0" encoding="utf-8"?>
 <p:sld xmlns:a="http://schemas.openxmlformats.org/drawingml/2006/main" xmlns:r="http://schemas.openxmlformats.org/officeDocument/2006/relationships" xmlns:p="http://schemas.openxmlformats.org/presentationml/2006/main">
   <p:cSld>
     <p:spTree>
@@ -6264,9 +6508,9 @@
       </p:grpSpPr>
       <p:pic>
         <p:nvPicPr>
-          <p:cNvPr id="3074" name="Picture 2" descr="C:\Users\kui\Desktop\QQ截图20140317112610.jpg"/>
+          <p:cNvPr id="8" name="Grafik 3"/>
           <p:cNvPicPr>
-            <a:picLocks noChangeAspect="1" noChangeArrowheads="1"/>
+            <a:picLocks noChangeAspect="1"/>
           </p:cNvPicPr>
           <p:nvPr/>
         </p:nvPicPr>
@@ -6279,341 +6523,8 @@
         </p:blipFill>
         <p:spPr bwMode="auto">
           <a:xfrm>
-            <a:off x="4388521" y="2975102"/>
-            <a:ext cx="4543425" cy="3038475"/>
-          </a:xfrm>
-          <a:prstGeom prst="rect">
-            <a:avLst/>
-          </a:prstGeom>
-          <a:noFill/>
-        </p:spPr>
-      </p:pic>
-      <p:sp>
-        <p:nvSpPr>
-          <p:cNvPr id="2" name="标题 1"/>
-          <p:cNvSpPr>
-            <a:spLocks noGrp="1"/>
-          </p:cNvSpPr>
-          <p:nvPr>
-            <p:ph type="title"/>
-          </p:nvPr>
-        </p:nvSpPr>
-        <p:spPr/>
-        <p:txBody>
-          <a:bodyPr/>
-          <a:lstStyle/>
-          <a:p>
-            <a:r>
-              <a:rPr lang="en-US" altLang="zh-CN" dirty="0" smtClean="0"/>
-              <a:t/>
-            </a:r>
-            <a:br>
-              <a:rPr lang="en-US" altLang="zh-CN" dirty="0" smtClean="0"/>
-            </a:br>
-            <a:r>
-              <a:rPr lang="en-US" altLang="zh-CN" dirty="0" smtClean="0"/>
-              <a:t>OPC Unified Architecture Specification</a:t>
-            </a:r>
-            <a:br>
-              <a:rPr lang="en-US" altLang="zh-CN" dirty="0" smtClean="0"/>
-            </a:br>
-            <a:endParaRPr lang="zh-CN" altLang="en-US" dirty="0"/>
-          </a:p>
-        </p:txBody>
-      </p:sp>
-      <p:sp>
-        <p:nvSpPr>
-          <p:cNvPr id="3" name="内容占位符 2"/>
-          <p:cNvSpPr>
-            <a:spLocks noGrp="1"/>
-          </p:cNvSpPr>
-          <p:nvPr>
-            <p:ph idx="1"/>
-          </p:nvPr>
-        </p:nvSpPr>
-        <p:spPr/>
-        <p:txBody>
-          <a:bodyPr/>
-          <a:lstStyle/>
-          <a:p>
-            <a:r>
-              <a:rPr lang="en-US" altLang="zh-CN" dirty="0" smtClean="0"/>
-              <a:t>Platform independent data communication</a:t>
-            </a:r>
-          </a:p>
-          <a:p>
-            <a:r>
-              <a:rPr lang="en-US" altLang="zh-CN" dirty="0" smtClean="0"/>
-              <a:t>Standardized communication via internet and firewalls</a:t>
-            </a:r>
-          </a:p>
-          <a:p>
-            <a:r>
-              <a:rPr lang="en-US" altLang="zh-CN" dirty="0" smtClean="0"/>
-              <a:t>Protection against unauthorized access</a:t>
-            </a:r>
-          </a:p>
-          <a:p>
-            <a:r>
-              <a:rPr lang="en-US" altLang="zh-CN" dirty="0" smtClean="0"/>
-              <a:t>Availability and reliability</a:t>
-            </a:r>
-          </a:p>
-          <a:p>
-            <a:r>
-              <a:rPr lang="en-US" altLang="zh-CN" dirty="0" smtClean="0"/>
-              <a:t>SOA architecture</a:t>
-            </a:r>
-          </a:p>
-          <a:p>
-            <a:r>
-              <a:rPr lang="en-US" altLang="zh-CN" dirty="0" smtClean="0"/>
-              <a:t>Object oriented meta model</a:t>
-            </a:r>
-          </a:p>
-          <a:p>
-            <a:r>
-              <a:rPr lang="en-US" altLang="zh-CN" dirty="0" smtClean="0"/>
-              <a:t>Simplification by unification</a:t>
-            </a:r>
-          </a:p>
-          <a:p>
-            <a:endParaRPr lang="en-US" altLang="zh-CN" dirty="0" smtClean="0"/>
-          </a:p>
-          <a:p>
-            <a:endParaRPr lang="en-US" altLang="zh-CN" dirty="0" smtClean="0"/>
-          </a:p>
-          <a:p>
-            <a:endParaRPr lang="zh-CN" altLang="en-US" dirty="0"/>
-          </a:p>
-        </p:txBody>
-      </p:sp>
-      <p:sp>
-        <p:nvSpPr>
-          <p:cNvPr id="4" name="灯片编号占位符 3"/>
-          <p:cNvSpPr>
-            <a:spLocks noGrp="1"/>
-          </p:cNvSpPr>
-          <p:nvPr>
-            <p:ph type="sldNum" sz="quarter" idx="10"/>
-          </p:nvPr>
-        </p:nvSpPr>
-        <p:spPr/>
-        <p:txBody>
-          <a:bodyPr/>
-          <a:lstStyle/>
-          <a:p>
-            <a:fld id="{FAF38CBB-378C-4311-BC9A-BAB83E9729AD}" type="slidenum">
-              <a:rPr lang="en-US" smtClean="0"/>
-              <a:pPr/>
-              <a:t>4</a:t>
-            </a:fld>
-            <a:endParaRPr lang="en-US"/>
-          </a:p>
-        </p:txBody>
-      </p:sp>
-      <p:sp>
-        <p:nvSpPr>
-          <p:cNvPr id="5" name="页脚占位符 4"/>
-          <p:cNvSpPr>
-            <a:spLocks noGrp="1"/>
-          </p:cNvSpPr>
-          <p:nvPr>
-            <p:ph type="ftr" sz="quarter" idx="11"/>
-          </p:nvPr>
-        </p:nvSpPr>
-        <p:spPr/>
-        <p:txBody>
-          <a:bodyPr/>
-          <a:lstStyle/>
-          <a:p>
-            <a:r>
-              <a:rPr lang="en-US" altLang="zh-CN" dirty="0" smtClean="0"/>
-              <a:t>OPC UA on Secure Device </a:t>
-            </a:r>
-            <a:r>
-              <a:rPr lang="en-US" altLang="zh-CN" dirty="0" err="1" smtClean="0"/>
-              <a:t>Yuankui</a:t>
-            </a:r>
-            <a:r>
-              <a:rPr lang="en-US" altLang="zh-CN" dirty="0" smtClean="0"/>
-              <a:t> Wang</a:t>
-            </a:r>
-            <a:endParaRPr lang="en-US" altLang="zh-CN" dirty="0"/>
-          </a:p>
-        </p:txBody>
-      </p:sp>
-      <p:sp>
-        <p:nvSpPr>
-          <p:cNvPr id="6" name="日期占位符 5"/>
-          <p:cNvSpPr>
-            <a:spLocks noGrp="1"/>
-          </p:cNvSpPr>
-          <p:nvPr>
-            <p:ph type="dt" sz="half" idx="12"/>
-          </p:nvPr>
-        </p:nvSpPr>
-        <p:spPr/>
-        <p:txBody>
-          <a:bodyPr/>
-          <a:lstStyle/>
-          <a:p>
-            <a:fld id="{D9CB193C-FC74-4279-8388-9DD1BFD58DB8}" type="datetime4">
-              <a:rPr lang="en-US" smtClean="0"/>
-              <a:pPr/>
-              <a:t>March 18, 2014</a:t>
-            </a:fld>
-            <a:endParaRPr lang="en-US"/>
-          </a:p>
-        </p:txBody>
-      </p:sp>
-    </p:spTree>
-  </p:cSld>
-  <p:clrMapOvr>
-    <a:masterClrMapping/>
-  </p:clrMapOvr>
-  <p:timing>
-    <p:tnLst>
-      <p:par>
-        <p:cTn id="1" dur="indefinite" restart="never" nodeType="tmRoot"/>
-      </p:par>
-    </p:tnLst>
-  </p:timing>
-</p:sld>
-</file>
-
-<file path=ppt/slides/slide5.xml><?xml version="1.0" encoding="utf-8"?>
-<p:sld xmlns:a="http://schemas.openxmlformats.org/drawingml/2006/main" xmlns:r="http://schemas.openxmlformats.org/officeDocument/2006/relationships" xmlns:p="http://schemas.openxmlformats.org/presentationml/2006/main">
-  <p:cSld>
-    <p:spTree>
-      <p:nvGrpSpPr>
-        <p:cNvPr id="1" name=""/>
-        <p:cNvGrpSpPr/>
-        <p:nvPr/>
-      </p:nvGrpSpPr>
-      <p:grpSpPr>
-        <a:xfrm>
-          <a:off x="0" y="0"/>
-          <a:ext cx="0" cy="0"/>
-          <a:chOff x="0" y="0"/>
-          <a:chExt cx="0" cy="0"/>
-        </a:xfrm>
-      </p:grpSpPr>
-      <p:sp>
-        <p:nvSpPr>
-          <p:cNvPr id="2" name="标题 1"/>
-          <p:cNvSpPr>
-            <a:spLocks noGrp="1"/>
-          </p:cNvSpPr>
-          <p:nvPr>
-            <p:ph type="title"/>
-          </p:nvPr>
-        </p:nvSpPr>
-        <p:spPr/>
-        <p:txBody>
-          <a:bodyPr/>
-          <a:lstStyle/>
-          <a:p>
-            <a:r>
-              <a:rPr lang="en-US" altLang="zh-CN" dirty="0" smtClean="0"/>
-              <a:t>OPC UA Specification</a:t>
-            </a:r>
-            <a:endParaRPr lang="zh-CN" altLang="en-US" dirty="0"/>
-          </a:p>
-        </p:txBody>
-      </p:sp>
-      <p:sp>
-        <p:nvSpPr>
-          <p:cNvPr id="4" name="灯片编号占位符 3"/>
-          <p:cNvSpPr>
-            <a:spLocks noGrp="1"/>
-          </p:cNvSpPr>
-          <p:nvPr>
-            <p:ph type="sldNum" sz="quarter" idx="10"/>
-          </p:nvPr>
-        </p:nvSpPr>
-        <p:spPr/>
-        <p:txBody>
-          <a:bodyPr/>
-          <a:lstStyle/>
-          <a:p>
-            <a:fld id="{FAF38CBB-378C-4311-BC9A-BAB83E9729AD}" type="slidenum">
-              <a:rPr lang="en-US" smtClean="0"/>
-              <a:pPr/>
-              <a:t>5</a:t>
-            </a:fld>
-            <a:endParaRPr lang="en-US"/>
-          </a:p>
-        </p:txBody>
-      </p:sp>
-      <p:sp>
-        <p:nvSpPr>
-          <p:cNvPr id="5" name="页脚占位符 4"/>
-          <p:cNvSpPr>
-            <a:spLocks noGrp="1"/>
-          </p:cNvSpPr>
-          <p:nvPr>
-            <p:ph type="ftr" sz="quarter" idx="11"/>
-          </p:nvPr>
-        </p:nvSpPr>
-        <p:spPr/>
-        <p:txBody>
-          <a:bodyPr/>
-          <a:lstStyle/>
-          <a:p>
-            <a:r>
-              <a:rPr lang="en-US" altLang="zh-CN" smtClean="0"/>
-              <a:t>OPC UA on Secure Device Yuankui Wang</a:t>
-            </a:r>
-            <a:endParaRPr lang="en-US" altLang="zh-CN" dirty="0"/>
-          </a:p>
-        </p:txBody>
-      </p:sp>
-      <p:sp>
-        <p:nvSpPr>
-          <p:cNvPr id="6" name="日期占位符 5"/>
-          <p:cNvSpPr>
-            <a:spLocks noGrp="1"/>
-          </p:cNvSpPr>
-          <p:nvPr>
-            <p:ph type="dt" sz="half" idx="12"/>
-          </p:nvPr>
-        </p:nvSpPr>
-        <p:spPr/>
-        <p:txBody>
-          <a:bodyPr/>
-          <a:lstStyle/>
-          <a:p>
-            <a:fld id="{D9CB193C-FC74-4279-8388-9DD1BFD58DB8}" type="datetime4">
-              <a:rPr lang="en-US" smtClean="0"/>
-              <a:pPr/>
-              <a:t>March 18, 2014</a:t>
-            </a:fld>
-            <a:endParaRPr lang="en-US"/>
-          </a:p>
-        </p:txBody>
-      </p:sp>
-      <p:pic>
-        <p:nvPicPr>
-          <p:cNvPr id="7170" name="Picture 2"/>
-          <p:cNvPicPr>
-            <a:picLocks noGrp="1" noChangeAspect="1" noChangeArrowheads="1"/>
-          </p:cNvPicPr>
-          <p:nvPr>
-            <p:ph idx="1"/>
-          </p:nvPr>
-        </p:nvPicPr>
-        <p:blipFill>
-          <a:blip r:embed="rId2" cstate="print"/>
-          <a:srcRect/>
-          <a:stretch>
-            <a:fillRect/>
-          </a:stretch>
-        </p:blipFill>
-        <p:spPr bwMode="auto">
-          <a:xfrm>
-            <a:off x="595277" y="1341438"/>
-            <a:ext cx="8170933" cy="5056187"/>
+            <a:off x="4997132" y="2711132"/>
+            <a:ext cx="4146868" cy="4146868"/>
           </a:xfrm>
           <a:prstGeom prst="rect">
             <a:avLst/>
@@ -6627,383 +6538,112 @@
           </a:ln>
         </p:spPr>
       </p:pic>
-    </p:spTree>
-  </p:cSld>
-  <p:clrMapOvr>
-    <a:masterClrMapping/>
-  </p:clrMapOvr>
-  <p:timing>
-    <p:tnLst>
-      <p:par>
-        <p:cTn id="1" dur="indefinite" restart="never" nodeType="tmRoot"/>
-      </p:par>
-    </p:tnLst>
-  </p:timing>
-</p:sld>
-</file>
-
-<file path=ppt/slides/slide6.xml><?xml version="1.0" encoding="utf-8"?>
-<p:sld xmlns:a="http://schemas.openxmlformats.org/drawingml/2006/main" xmlns:r="http://schemas.openxmlformats.org/officeDocument/2006/relationships" xmlns:p="http://schemas.openxmlformats.org/presentationml/2006/main">
-  <p:cSld>
-    <p:spTree>
-      <p:nvGrpSpPr>
-        <p:cNvPr id="1" name=""/>
-        <p:cNvGrpSpPr/>
-        <p:nvPr/>
-      </p:nvGrpSpPr>
-      <p:grpSpPr>
-        <a:xfrm>
-          <a:off x="0" y="0"/>
-          <a:ext cx="0" cy="0"/>
-          <a:chOff x="0" y="0"/>
-          <a:chExt cx="0" cy="0"/>
-        </a:xfrm>
-      </p:grpSpPr>
+      <p:sp>
+        <p:nvSpPr>
+          <p:cNvPr id="2" name="标题 1"/>
+          <p:cNvSpPr>
+            <a:spLocks noGrp="1"/>
+          </p:cNvSpPr>
+          <p:nvPr>
+            <p:ph type="title"/>
+          </p:nvPr>
+        </p:nvSpPr>
+        <p:spPr/>
+        <p:txBody>
+          <a:bodyPr/>
+          <a:lstStyle/>
+          <a:p>
+            <a:r>
+              <a:rPr lang="en-US" altLang="zh-CN" dirty="0" smtClean="0"/>
+              <a:t>OPC UA meets Smart Cards</a:t>
+            </a:r>
+            <a:endParaRPr lang="zh-CN" altLang="en-US" dirty="0"/>
+          </a:p>
+        </p:txBody>
+      </p:sp>
+      <p:sp>
+        <p:nvSpPr>
+          <p:cNvPr id="4" name="灯片编号占位符 3"/>
+          <p:cNvSpPr>
+            <a:spLocks noGrp="1"/>
+          </p:cNvSpPr>
+          <p:nvPr>
+            <p:ph type="sldNum" sz="quarter" idx="10"/>
+          </p:nvPr>
+        </p:nvSpPr>
+        <p:spPr/>
+        <p:txBody>
+          <a:bodyPr/>
+          <a:lstStyle/>
+          <a:p>
+            <a:fld id="{FAF38CBB-378C-4311-BC9A-BAB83E9729AD}" type="slidenum">
+              <a:rPr lang="en-US" smtClean="0"/>
+              <a:pPr/>
+              <a:t>9</a:t>
+            </a:fld>
+            <a:endParaRPr lang="en-US"/>
+          </a:p>
+        </p:txBody>
+      </p:sp>
+      <p:sp>
+        <p:nvSpPr>
+          <p:cNvPr id="5" name="页脚占位符 4"/>
+          <p:cNvSpPr>
+            <a:spLocks noGrp="1"/>
+          </p:cNvSpPr>
+          <p:nvPr>
+            <p:ph type="ftr" sz="quarter" idx="11"/>
+          </p:nvPr>
+        </p:nvSpPr>
+        <p:spPr/>
+        <p:txBody>
+          <a:bodyPr/>
+          <a:lstStyle/>
+          <a:p>
+            <a:r>
+              <a:rPr lang="en-US" altLang="zh-CN" smtClean="0"/>
+              <a:t>OPC UA on Secure Device Yuankui Wang</a:t>
+            </a:r>
+            <a:endParaRPr lang="en-US" altLang="zh-CN" dirty="0"/>
+          </a:p>
+        </p:txBody>
+      </p:sp>
+      <p:sp>
+        <p:nvSpPr>
+          <p:cNvPr id="6" name="日期占位符 5"/>
+          <p:cNvSpPr>
+            <a:spLocks noGrp="1"/>
+          </p:cNvSpPr>
+          <p:nvPr>
+            <p:ph type="dt" sz="half" idx="12"/>
+          </p:nvPr>
+        </p:nvSpPr>
+        <p:spPr/>
+        <p:txBody>
+          <a:bodyPr/>
+          <a:lstStyle/>
+          <a:p>
+            <a:fld id="{D9CB193C-FC74-4279-8388-9DD1BFD58DB8}" type="datetime4">
+              <a:rPr lang="en-US" smtClean="0"/>
+              <a:pPr/>
+              <a:t>March 27, 2014</a:t>
+            </a:fld>
+            <a:endParaRPr lang="en-US"/>
+          </a:p>
+        </p:txBody>
+      </p:sp>
       <p:pic>
         <p:nvPicPr>
           <p:cNvPr id="7" name="Picture 2"/>
           <p:cNvPicPr>
-            <a:picLocks noChangeAspect="1" noChangeArrowheads="1"/>
+            <a:picLocks noGrp="1" noChangeAspect="1" noChangeArrowheads="1"/>
           </p:cNvPicPr>
-          <p:nvPr/>
+          <p:nvPr>
+            <p:ph idx="1"/>
+          </p:nvPr>
         </p:nvPicPr>
         <p:blipFill>
-          <a:blip r:embed="rId2" cstate="print"/>
-          <a:srcRect l="8172" t="2602" r="1664"/>
-          <a:stretch>
-            <a:fillRect/>
-          </a:stretch>
-        </p:blipFill>
-        <p:spPr bwMode="auto">
-          <a:xfrm>
-            <a:off x="4014216" y="2578608"/>
-            <a:ext cx="4828604" cy="4110800"/>
-          </a:xfrm>
-          <a:prstGeom prst="rect">
-            <a:avLst/>
-          </a:prstGeom>
-          <a:noFill/>
-          <a:ln w="9525">
-            <a:noFill/>
-            <a:miter lim="800000"/>
-            <a:headEnd/>
-            <a:tailEnd/>
-          </a:ln>
-        </p:spPr>
-      </p:pic>
-      <p:sp>
-        <p:nvSpPr>
-          <p:cNvPr id="2" name="标题 1"/>
-          <p:cNvSpPr>
-            <a:spLocks noGrp="1"/>
-          </p:cNvSpPr>
-          <p:nvPr>
-            <p:ph type="title"/>
-          </p:nvPr>
-        </p:nvSpPr>
-        <p:spPr/>
-        <p:txBody>
-          <a:bodyPr/>
-          <a:lstStyle/>
-          <a:p>
-            <a:r>
-              <a:rPr lang="en-US" altLang="zh-CN" dirty="0" smtClean="0"/>
-              <a:t>Key components of Unified Architecture</a:t>
-            </a:r>
-            <a:endParaRPr lang="zh-CN" altLang="en-US" dirty="0"/>
-          </a:p>
-        </p:txBody>
-      </p:sp>
-      <p:sp>
-        <p:nvSpPr>
-          <p:cNvPr id="3" name="内容占位符 2"/>
-          <p:cNvSpPr>
-            <a:spLocks noGrp="1"/>
-          </p:cNvSpPr>
-          <p:nvPr>
-            <p:ph idx="1"/>
-          </p:nvPr>
-        </p:nvSpPr>
-        <p:spPr/>
-        <p:txBody>
-          <a:bodyPr/>
-          <a:lstStyle/>
-          <a:p>
-            <a:pPr>
-              <a:buNone/>
-            </a:pPr>
-            <a:endParaRPr lang="en-US" altLang="zh-CN" dirty="0" smtClean="0"/>
-          </a:p>
-          <a:p>
-            <a:r>
-              <a:rPr lang="en-US" altLang="zh-CN" dirty="0" smtClean="0"/>
-              <a:t>Object oriented modeling capabilities</a:t>
-            </a:r>
-          </a:p>
-          <a:p>
-            <a:r>
-              <a:rPr lang="en-US" altLang="zh-CN" dirty="0" smtClean="0"/>
-              <a:t>Transport protocol bindings</a:t>
-            </a:r>
-          </a:p>
-          <a:p>
-            <a:r>
-              <a:rPr lang="en-US" altLang="zh-CN" dirty="0" smtClean="0"/>
-              <a:t>Fix set of base services</a:t>
-            </a:r>
-          </a:p>
-          <a:p>
-            <a:r>
-              <a:rPr lang="en-US" altLang="zh-CN" dirty="0" smtClean="0"/>
-              <a:t>OPC information model</a:t>
-            </a:r>
-          </a:p>
-          <a:p>
-            <a:r>
-              <a:rPr lang="en-US" altLang="zh-CN" dirty="0" smtClean="0"/>
-              <a:t>Extendable</a:t>
-            </a:r>
-          </a:p>
-          <a:p>
-            <a:endParaRPr lang="zh-CN" altLang="en-US" dirty="0"/>
-          </a:p>
-        </p:txBody>
-      </p:sp>
-      <p:sp>
-        <p:nvSpPr>
-          <p:cNvPr id="4" name="灯片编号占位符 3"/>
-          <p:cNvSpPr>
-            <a:spLocks noGrp="1"/>
-          </p:cNvSpPr>
-          <p:nvPr>
-            <p:ph type="sldNum" sz="quarter" idx="10"/>
-          </p:nvPr>
-        </p:nvSpPr>
-        <p:spPr/>
-        <p:txBody>
-          <a:bodyPr/>
-          <a:lstStyle/>
-          <a:p>
-            <a:fld id="{FAF38CBB-378C-4311-BC9A-BAB83E9729AD}" type="slidenum">
-              <a:rPr lang="en-US" smtClean="0"/>
-              <a:pPr/>
-              <a:t>6</a:t>
-            </a:fld>
-            <a:endParaRPr lang="en-US"/>
-          </a:p>
-        </p:txBody>
-      </p:sp>
-      <p:sp>
-        <p:nvSpPr>
-          <p:cNvPr id="5" name="页脚占位符 4"/>
-          <p:cNvSpPr>
-            <a:spLocks noGrp="1"/>
-          </p:cNvSpPr>
-          <p:nvPr>
-            <p:ph type="ftr" sz="quarter" idx="11"/>
-          </p:nvPr>
-        </p:nvSpPr>
-        <p:spPr/>
-        <p:txBody>
-          <a:bodyPr/>
-          <a:lstStyle/>
-          <a:p>
-            <a:r>
-              <a:rPr lang="en-US" altLang="zh-CN" smtClean="0"/>
-              <a:t>OPC UA on Secure Device Yuankui Wang</a:t>
-            </a:r>
-            <a:endParaRPr lang="en-US" altLang="zh-CN" dirty="0"/>
-          </a:p>
-        </p:txBody>
-      </p:sp>
-      <p:sp>
-        <p:nvSpPr>
-          <p:cNvPr id="6" name="日期占位符 5"/>
-          <p:cNvSpPr>
-            <a:spLocks noGrp="1"/>
-          </p:cNvSpPr>
-          <p:nvPr>
-            <p:ph type="dt" sz="half" idx="12"/>
-          </p:nvPr>
-        </p:nvSpPr>
-        <p:spPr/>
-        <p:txBody>
-          <a:bodyPr/>
-          <a:lstStyle/>
-          <a:p>
-            <a:fld id="{D9CB193C-FC74-4279-8388-9DD1BFD58DB8}" type="datetime4">
-              <a:rPr lang="en-US" smtClean="0"/>
-              <a:pPr/>
-              <a:t>March 18, 2014</a:t>
-            </a:fld>
-            <a:endParaRPr lang="en-US"/>
-          </a:p>
-        </p:txBody>
-      </p:sp>
-    </p:spTree>
-  </p:cSld>
-  <p:clrMapOvr>
-    <a:masterClrMapping/>
-  </p:clrMapOvr>
-  <p:timing>
-    <p:tnLst>
-      <p:par>
-        <p:cTn id="1" dur="indefinite" restart="never" nodeType="tmRoot"/>
-      </p:par>
-    </p:tnLst>
-  </p:timing>
-</p:sld>
-</file>
-
-<file path=ppt/slides/slide7.xml><?xml version="1.0" encoding="utf-8"?>
-<p:sld xmlns:a="http://schemas.openxmlformats.org/drawingml/2006/main" xmlns:r="http://schemas.openxmlformats.org/officeDocument/2006/relationships" xmlns:p="http://schemas.openxmlformats.org/presentationml/2006/main">
-  <p:cSld>
-    <p:spTree>
-      <p:nvGrpSpPr>
-        <p:cNvPr id="1" name=""/>
-        <p:cNvGrpSpPr/>
-        <p:nvPr/>
-      </p:nvGrpSpPr>
-      <p:grpSpPr>
-        <a:xfrm>
-          <a:off x="0" y="0"/>
-          <a:ext cx="0" cy="0"/>
-          <a:chOff x="0" y="0"/>
-          <a:chExt cx="0" cy="0"/>
-        </a:xfrm>
-      </p:grpSpPr>
-      <p:sp>
-        <p:nvSpPr>
-          <p:cNvPr id="2" name="标题 1"/>
-          <p:cNvSpPr>
-            <a:spLocks noGrp="1"/>
-          </p:cNvSpPr>
-          <p:nvPr>
-            <p:ph type="title"/>
-          </p:nvPr>
-        </p:nvSpPr>
-        <p:spPr/>
-        <p:txBody>
-          <a:bodyPr/>
-          <a:lstStyle/>
-          <a:p>
-            <a:r>
-              <a:rPr lang="en-US" altLang="zh-CN" dirty="0" smtClean="0"/>
-              <a:t>Protocol Binding</a:t>
-            </a:r>
-            <a:endParaRPr lang="zh-CN" altLang="en-US" dirty="0"/>
-          </a:p>
-        </p:txBody>
-      </p:sp>
-      <p:sp>
-        <p:nvSpPr>
-          <p:cNvPr id="3" name="内容占位符 2"/>
-          <p:cNvSpPr>
-            <a:spLocks noGrp="1"/>
-          </p:cNvSpPr>
-          <p:nvPr>
-            <p:ph idx="1"/>
-          </p:nvPr>
-        </p:nvSpPr>
-        <p:spPr/>
-        <p:txBody>
-          <a:bodyPr/>
-          <a:lstStyle/>
-          <a:p>
-            <a:pPr>
-              <a:buNone/>
-            </a:pPr>
-            <a:endParaRPr lang="en-US" altLang="zh-CN" dirty="0" smtClean="0"/>
-          </a:p>
-          <a:p>
-            <a:pPr>
-              <a:buNone/>
-            </a:pPr>
-            <a:endParaRPr lang="en-US" altLang="zh-CN" dirty="0" smtClean="0"/>
-          </a:p>
-        </p:txBody>
-      </p:sp>
-      <p:sp>
-        <p:nvSpPr>
-          <p:cNvPr id="4" name="灯片编号占位符 3"/>
-          <p:cNvSpPr>
-            <a:spLocks noGrp="1"/>
-          </p:cNvSpPr>
-          <p:nvPr>
-            <p:ph type="sldNum" sz="quarter" idx="10"/>
-          </p:nvPr>
-        </p:nvSpPr>
-        <p:spPr/>
-        <p:txBody>
-          <a:bodyPr/>
-          <a:lstStyle/>
-          <a:p>
-            <a:fld id="{FAF38CBB-378C-4311-BC9A-BAB83E9729AD}" type="slidenum">
-              <a:rPr lang="en-US" smtClean="0"/>
-              <a:pPr/>
-              <a:t>7</a:t>
-            </a:fld>
-            <a:endParaRPr lang="en-US"/>
-          </a:p>
-        </p:txBody>
-      </p:sp>
-      <p:sp>
-        <p:nvSpPr>
-          <p:cNvPr id="5" name="页脚占位符 4"/>
-          <p:cNvSpPr>
-            <a:spLocks noGrp="1"/>
-          </p:cNvSpPr>
-          <p:nvPr>
-            <p:ph type="ftr" sz="quarter" idx="11"/>
-          </p:nvPr>
-        </p:nvSpPr>
-        <p:spPr/>
-        <p:txBody>
-          <a:bodyPr/>
-          <a:lstStyle/>
-          <a:p>
-            <a:r>
-              <a:rPr lang="en-US" altLang="zh-CN" smtClean="0"/>
-              <a:t>OPC UA on Secure Device Yuankui Wang</a:t>
-            </a:r>
-            <a:endParaRPr lang="en-US" altLang="zh-CN" dirty="0"/>
-          </a:p>
-        </p:txBody>
-      </p:sp>
-      <p:sp>
-        <p:nvSpPr>
-          <p:cNvPr id="6" name="日期占位符 5"/>
-          <p:cNvSpPr>
-            <a:spLocks noGrp="1"/>
-          </p:cNvSpPr>
-          <p:nvPr>
-            <p:ph type="dt" sz="half" idx="12"/>
-          </p:nvPr>
-        </p:nvSpPr>
-        <p:spPr/>
-        <p:txBody>
-          <a:bodyPr/>
-          <a:lstStyle/>
-          <a:p>
-            <a:fld id="{D9CB193C-FC74-4279-8388-9DD1BFD58DB8}" type="datetime4">
-              <a:rPr lang="en-US" smtClean="0"/>
-              <a:pPr/>
-              <a:t>March 18, 2014</a:t>
-            </a:fld>
-            <a:endParaRPr lang="en-US"/>
-          </a:p>
-        </p:txBody>
-      </p:sp>
-      <p:pic>
-        <p:nvPicPr>
-          <p:cNvPr id="9221" name="Picture 5"/>
-          <p:cNvPicPr>
-            <a:picLocks noChangeAspect="1" noChangeArrowheads="1"/>
-          </p:cNvPicPr>
-          <p:nvPr/>
-        </p:nvPicPr>
-        <p:blipFill>
-          <a:blip r:embed="rId2" cstate="print"/>
+          <a:blip r:embed="rId3" cstate="print"/>
           <a:srcRect/>
           <a:stretch>
             <a:fillRect/>
@@ -7011,1160 +6651,8 @@
         </p:blipFill>
         <p:spPr bwMode="auto">
           <a:xfrm>
-            <a:off x="5442365" y="3602737"/>
-            <a:ext cx="3701635" cy="3040952"/>
-          </a:xfrm>
-          <a:prstGeom prst="rect">
-            <a:avLst/>
-          </a:prstGeom>
-          <a:noFill/>
-          <a:ln w="9525">
-            <a:noFill/>
-            <a:miter lim="800000"/>
-            <a:headEnd/>
-            <a:tailEnd/>
-          </a:ln>
-        </p:spPr>
-      </p:pic>
-      <p:sp>
-        <p:nvSpPr>
-          <p:cNvPr id="12" name="内容占位符 2"/>
-          <p:cNvSpPr txBox="1">
-            <a:spLocks/>
-          </p:cNvSpPr>
-          <p:nvPr/>
-        </p:nvSpPr>
-        <p:spPr bwMode="auto">
-          <a:xfrm>
-            <a:off x="609600" y="1493838"/>
-            <a:ext cx="8447314" cy="5056187"/>
-          </a:xfrm>
-          <a:prstGeom prst="rect">
-            <a:avLst/>
-          </a:prstGeom>
-          <a:noFill/>
-          <a:ln w="9525">
-            <a:noFill/>
-            <a:miter lim="800000"/>
-            <a:headEnd/>
-            <a:tailEnd/>
-          </a:ln>
-        </p:spPr>
-        <p:txBody>
-          <a:bodyPr vert="horz" wrap="square" lIns="91440" tIns="45720" rIns="91440" bIns="45720" numCol="1" anchor="t" anchorCtr="0" compatLnSpc="1">
-            <a:prstTxWarp prst="textNoShape">
-              <a:avLst/>
-            </a:prstTxWarp>
-          </a:bodyPr>
-          <a:lstStyle/>
-          <a:p>
-            <a:pPr marL="342900" marR="0" lvl="0" indent="-342900" algn="l" defTabSz="914400" rtl="0" eaLnBrk="1" fontAlgn="base" latinLnBrk="0" hangingPunct="1">
-              <a:lnSpc>
-                <a:spcPct val="100000"/>
-              </a:lnSpc>
-              <a:spcBef>
-                <a:spcPct val="20000"/>
-              </a:spcBef>
-              <a:spcAft>
-                <a:spcPct val="0"/>
-              </a:spcAft>
-              <a:buClr>
-                <a:srgbClr val="073482"/>
-              </a:buClr>
-              <a:buSzTx/>
-              <a:buFont typeface="Wingdings" pitchFamily="2" charset="2"/>
-              <a:buNone/>
-              <a:tabLst/>
-              <a:defRPr/>
-            </a:pPr>
-            <a:endParaRPr kumimoji="0" lang="en-US" altLang="zh-CN" sz="2400" b="0" i="0" u="none" strike="noStrike" kern="0" cap="none" spc="0" normalizeH="0" baseline="0" noProof="0" dirty="0" smtClean="0">
-              <a:ln>
-                <a:noFill/>
-              </a:ln>
-              <a:solidFill>
-                <a:schemeClr val="tx1"/>
-              </a:solidFill>
-              <a:effectLst/>
-              <a:uLnTx/>
-              <a:uFillTx/>
-              <a:latin typeface="+mn-lt"/>
-              <a:ea typeface="+mn-ea"/>
-              <a:cs typeface="+mn-cs"/>
-            </a:endParaRPr>
-          </a:p>
-          <a:p>
-            <a:pPr marL="342900" marR="0" lvl="0" indent="-342900" algn="l" defTabSz="914400" rtl="0" eaLnBrk="1" fontAlgn="base" latinLnBrk="0" hangingPunct="1">
-              <a:lnSpc>
-                <a:spcPct val="100000"/>
-              </a:lnSpc>
-              <a:spcBef>
-                <a:spcPct val="20000"/>
-              </a:spcBef>
-              <a:spcAft>
-                <a:spcPct val="0"/>
-              </a:spcAft>
-              <a:buClr>
-                <a:srgbClr val="073482"/>
-              </a:buClr>
-              <a:buSzTx/>
-              <a:buFont typeface="Wingdings" pitchFamily="2" charset="2"/>
-              <a:buChar char="§"/>
-              <a:tabLst/>
-              <a:defRPr/>
-            </a:pPr>
-            <a:r>
-              <a:rPr kumimoji="0" lang="en-US" altLang="zh-CN" sz="2400" b="0" i="0" u="none" strike="noStrike" kern="0" cap="none" spc="0" normalizeH="0" baseline="0" noProof="0" dirty="0" smtClean="0">
-                <a:ln>
-                  <a:noFill/>
-                </a:ln>
-                <a:solidFill>
-                  <a:schemeClr val="tx1"/>
-                </a:solidFill>
-                <a:effectLst/>
-                <a:uLnTx/>
-                <a:uFillTx/>
-                <a:latin typeface="+mn-lt"/>
-                <a:ea typeface="+mn-ea"/>
-                <a:cs typeface="+mn-cs"/>
-              </a:rPr>
-              <a:t>Native UA</a:t>
-            </a:r>
-            <a:r>
-              <a:rPr kumimoji="0" lang="en-US" altLang="zh-CN" sz="2400" b="0" i="0" u="none" strike="noStrike" kern="0" cap="none" spc="0" normalizeH="0" noProof="0" dirty="0" smtClean="0">
-                <a:ln>
-                  <a:noFill/>
-                </a:ln>
-                <a:solidFill>
-                  <a:schemeClr val="tx1"/>
-                </a:solidFill>
-                <a:effectLst/>
-                <a:uLnTx/>
-                <a:uFillTx/>
-                <a:latin typeface="+mn-lt"/>
-                <a:ea typeface="+mn-ea"/>
-                <a:cs typeface="+mn-cs"/>
-              </a:rPr>
-              <a:t> Binary(mandatory)</a:t>
-            </a:r>
-          </a:p>
-          <a:p>
-            <a:pPr marL="800100" lvl="1" indent="-342900">
-              <a:spcBef>
-                <a:spcPct val="20000"/>
-              </a:spcBef>
-              <a:buClr>
-                <a:srgbClr val="073482"/>
-              </a:buClr>
-              <a:buFont typeface="Wingdings" pitchFamily="2" charset="2"/>
-              <a:buChar char="§"/>
-            </a:pPr>
-            <a:r>
-              <a:rPr lang="en-US" altLang="zh-CN" sz="2400" b="0" i="0" kern="0" baseline="0" dirty="0" smtClean="0">
-                <a:solidFill>
-                  <a:schemeClr val="tx1"/>
-                </a:solidFill>
-                <a:latin typeface="+mn-lt"/>
-              </a:rPr>
-              <a:t>Extremely</a:t>
-            </a:r>
-            <a:r>
-              <a:rPr lang="en-US" altLang="zh-CN" sz="2400" b="0" i="0" kern="0" dirty="0" smtClean="0">
-                <a:solidFill>
-                  <a:schemeClr val="tx1"/>
-                </a:solidFill>
-                <a:latin typeface="+mn-lt"/>
-              </a:rPr>
-              <a:t> fast and optimized</a:t>
-            </a:r>
-          </a:p>
-          <a:p>
-            <a:pPr marL="800100" lvl="1" indent="-342900">
-              <a:spcBef>
-                <a:spcPct val="20000"/>
-              </a:spcBef>
-              <a:buClr>
-                <a:srgbClr val="073482"/>
-              </a:buClr>
-              <a:buFont typeface="Wingdings" pitchFamily="2" charset="2"/>
-              <a:buChar char="§"/>
-            </a:pPr>
-            <a:r>
-              <a:rPr kumimoji="0" lang="en-US" altLang="zh-CN" sz="2400" b="0" i="0" u="none" strike="noStrike" kern="0" cap="none" spc="0" normalizeH="0" baseline="0" noProof="0" dirty="0" smtClean="0">
-                <a:ln>
-                  <a:noFill/>
-                </a:ln>
-                <a:solidFill>
-                  <a:schemeClr val="tx1"/>
-                </a:solidFill>
-                <a:effectLst/>
-                <a:uLnTx/>
-                <a:uFillTx/>
-                <a:latin typeface="+mn-lt"/>
-                <a:ea typeface="+mn-ea"/>
-                <a:cs typeface="+mn-cs"/>
-              </a:rPr>
-              <a:t>Preferred protocol between</a:t>
-            </a:r>
-            <a:r>
-              <a:rPr kumimoji="0" lang="en-US" altLang="zh-CN" sz="2400" b="0" i="0" u="none" strike="noStrike" kern="0" cap="none" spc="0" normalizeH="0" noProof="0" dirty="0" smtClean="0">
-                <a:ln>
-                  <a:noFill/>
-                </a:ln>
-                <a:solidFill>
-                  <a:schemeClr val="tx1"/>
-                </a:solidFill>
-                <a:effectLst/>
-                <a:uLnTx/>
-                <a:uFillTx/>
-                <a:latin typeface="+mn-lt"/>
-                <a:ea typeface="+mn-ea"/>
-                <a:cs typeface="+mn-cs"/>
-              </a:rPr>
-              <a:t> embedded devices</a:t>
-            </a:r>
-            <a:endParaRPr kumimoji="0" lang="en-US" altLang="zh-CN" sz="2400" b="0" i="0" u="none" strike="noStrike" kern="0" cap="none" spc="0" normalizeH="0" baseline="0" noProof="0" dirty="0" smtClean="0">
-              <a:ln>
-                <a:noFill/>
-              </a:ln>
-              <a:solidFill>
-                <a:schemeClr val="tx1"/>
-              </a:solidFill>
-              <a:effectLst/>
-              <a:uLnTx/>
-              <a:uFillTx/>
-              <a:latin typeface="+mn-lt"/>
-              <a:ea typeface="+mn-ea"/>
-              <a:cs typeface="+mn-cs"/>
-            </a:endParaRPr>
-          </a:p>
-          <a:p>
-            <a:pPr marL="342900" marR="0" lvl="0" indent="-342900" algn="l" defTabSz="914400" rtl="0" eaLnBrk="1" fontAlgn="base" latinLnBrk="0" hangingPunct="1">
-              <a:lnSpc>
-                <a:spcPct val="100000"/>
-              </a:lnSpc>
-              <a:spcBef>
-                <a:spcPct val="20000"/>
-              </a:spcBef>
-              <a:spcAft>
-                <a:spcPct val="0"/>
-              </a:spcAft>
-              <a:buClr>
-                <a:srgbClr val="073482"/>
-              </a:buClr>
-              <a:buSzTx/>
-              <a:buFont typeface="Wingdings" pitchFamily="2" charset="2"/>
-              <a:buChar char="§"/>
-              <a:tabLst/>
-              <a:defRPr/>
-            </a:pPr>
-            <a:r>
-              <a:rPr lang="en-US" altLang="zh-CN" sz="2400" b="0" i="0" kern="0" dirty="0" smtClean="0">
-                <a:solidFill>
-                  <a:schemeClr val="tx1"/>
-                </a:solidFill>
-                <a:latin typeface="+mn-lt"/>
-              </a:rPr>
-              <a:t>HTTPS with UA Binary</a:t>
-            </a:r>
-          </a:p>
-          <a:p>
-            <a:pPr marL="800100" lvl="1" indent="-342900">
-              <a:spcBef>
-                <a:spcPct val="20000"/>
-              </a:spcBef>
-              <a:buClr>
-                <a:srgbClr val="073482"/>
-              </a:buClr>
-              <a:buFont typeface="Wingdings" pitchFamily="2" charset="2"/>
-              <a:buChar char="§"/>
-            </a:pPr>
-            <a:r>
-              <a:rPr lang="en-US" altLang="zh-CN" sz="2400" b="0" i="0" kern="0" dirty="0" smtClean="0">
-                <a:solidFill>
-                  <a:schemeClr val="tx1"/>
-                </a:solidFill>
-                <a:latin typeface="+mn-lt"/>
-              </a:rPr>
-              <a:t>Implemented low </a:t>
-            </a:r>
-            <a:r>
-              <a:rPr lang="en-US" altLang="zh-CN" sz="2400" b="0" i="0" kern="0" dirty="0" err="1" smtClean="0">
-                <a:solidFill>
-                  <a:schemeClr val="tx1"/>
-                </a:solidFill>
-                <a:latin typeface="+mn-lt"/>
-              </a:rPr>
-              <a:t>end,midrange</a:t>
-            </a:r>
-            <a:endParaRPr lang="en-US" altLang="zh-CN" sz="2400" b="0" i="0" kern="0" dirty="0" smtClean="0">
-              <a:solidFill>
-                <a:schemeClr val="tx1"/>
-              </a:solidFill>
-              <a:latin typeface="+mn-lt"/>
-            </a:endParaRPr>
-          </a:p>
-          <a:p>
-            <a:pPr marL="800100" lvl="1" indent="-342900">
-              <a:spcBef>
-                <a:spcPct val="20000"/>
-              </a:spcBef>
-              <a:buClr>
-                <a:srgbClr val="073482"/>
-              </a:buClr>
-              <a:buFont typeface="Wingdings" pitchFamily="2" charset="2"/>
-              <a:buChar char="§"/>
-            </a:pPr>
-            <a:r>
-              <a:rPr lang="en-US" altLang="zh-CN" sz="2400" b="0" i="0" kern="0" dirty="0" smtClean="0">
-                <a:solidFill>
-                  <a:schemeClr val="tx1"/>
-                </a:solidFill>
-                <a:latin typeface="+mn-lt"/>
-              </a:rPr>
-              <a:t>UA binary content in Https </a:t>
-            </a:r>
-            <a:r>
-              <a:rPr lang="en-US" altLang="zh-CN" sz="2400" b="0" i="0" kern="0" dirty="0" err="1" smtClean="0">
-                <a:solidFill>
-                  <a:schemeClr val="tx1"/>
-                </a:solidFill>
-                <a:latin typeface="+mn-lt"/>
-              </a:rPr>
-              <a:t>Msg</a:t>
-            </a:r>
-            <a:endParaRPr lang="en-US" altLang="zh-CN" sz="2400" b="0" i="0" kern="0" dirty="0" smtClean="0">
-              <a:solidFill>
-                <a:schemeClr val="tx1"/>
-              </a:solidFill>
-              <a:latin typeface="+mn-lt"/>
-            </a:endParaRPr>
-          </a:p>
-          <a:p>
-            <a:pPr marL="800100" lvl="1" indent="-342900">
-              <a:spcBef>
-                <a:spcPct val="20000"/>
-              </a:spcBef>
-              <a:buClr>
-                <a:srgbClr val="073482"/>
-              </a:buClr>
-              <a:buFont typeface="Wingdings" pitchFamily="2" charset="2"/>
-              <a:buChar char="§"/>
-            </a:pPr>
-            <a:r>
-              <a:rPr lang="en-US" altLang="zh-CN" sz="2400" b="0" i="0" kern="0" dirty="0" smtClean="0">
-                <a:solidFill>
-                  <a:schemeClr val="tx1"/>
-                </a:solidFill>
-                <a:latin typeface="+mn-lt"/>
-              </a:rPr>
-              <a:t>Using TLS encrypted transport</a:t>
-            </a:r>
-          </a:p>
-          <a:p>
-            <a:pPr marL="800100" lvl="1" indent="-342900">
-              <a:spcBef>
-                <a:spcPct val="20000"/>
-              </a:spcBef>
-              <a:buClr>
-                <a:srgbClr val="073482"/>
-              </a:buClr>
-            </a:pPr>
-            <a:r>
-              <a:rPr lang="en-US" altLang="zh-CN" sz="2400" b="0" i="0" kern="0" dirty="0" smtClean="0">
-                <a:solidFill>
-                  <a:schemeClr val="tx1"/>
-                </a:solidFill>
-                <a:latin typeface="+mn-lt"/>
-              </a:rPr>
-              <a:t>	security</a:t>
-            </a:r>
-          </a:p>
-          <a:p>
-            <a:pPr marL="800100" lvl="1" indent="-342900">
-              <a:spcBef>
-                <a:spcPct val="20000"/>
-              </a:spcBef>
-              <a:buClr>
-                <a:srgbClr val="073482"/>
-              </a:buClr>
-            </a:pPr>
-            <a:r>
-              <a:rPr lang="en-US" altLang="zh-CN" sz="2400" b="0" i="0" kern="0" dirty="0" smtClean="0">
-                <a:solidFill>
-                  <a:schemeClr val="tx1"/>
-                </a:solidFill>
-                <a:latin typeface="+mn-lt"/>
-              </a:rPr>
-              <a:t>	</a:t>
-            </a:r>
-          </a:p>
-        </p:txBody>
-      </p:sp>
-    </p:spTree>
-  </p:cSld>
-  <p:clrMapOvr>
-    <a:masterClrMapping/>
-  </p:clrMapOvr>
-  <p:timing>
-    <p:tnLst>
-      <p:par>
-        <p:cTn id="1" dur="indefinite" restart="never" nodeType="tmRoot"/>
-      </p:par>
-    </p:tnLst>
-  </p:timing>
-</p:sld>
-</file>
-
-<file path=ppt/slides/slide8.xml><?xml version="1.0" encoding="utf-8"?>
-<p:sld xmlns:a="http://schemas.openxmlformats.org/drawingml/2006/main" xmlns:r="http://schemas.openxmlformats.org/officeDocument/2006/relationships" xmlns:p="http://schemas.openxmlformats.org/presentationml/2006/main">
-  <p:cSld>
-    <p:spTree>
-      <p:nvGrpSpPr>
-        <p:cNvPr id="1" name=""/>
-        <p:cNvGrpSpPr/>
-        <p:nvPr/>
-      </p:nvGrpSpPr>
-      <p:grpSpPr>
-        <a:xfrm>
-          <a:off x="0" y="0"/>
-          <a:ext cx="0" cy="0"/>
-          <a:chOff x="0" y="0"/>
-          <a:chExt cx="0" cy="0"/>
-        </a:xfrm>
-      </p:grpSpPr>
-      <p:sp>
-        <p:nvSpPr>
-          <p:cNvPr id="2" name="标题 1"/>
-          <p:cNvSpPr>
-            <a:spLocks noGrp="1"/>
-          </p:cNvSpPr>
-          <p:nvPr>
-            <p:ph type="title"/>
-          </p:nvPr>
-        </p:nvSpPr>
-        <p:spPr/>
-        <p:txBody>
-          <a:bodyPr/>
-          <a:lstStyle/>
-          <a:p>
-            <a:r>
-              <a:rPr lang="en-US" altLang="zh-CN" dirty="0" smtClean="0"/>
-              <a:t>Protocol Binding</a:t>
-            </a:r>
-            <a:endParaRPr lang="zh-CN" altLang="en-US" dirty="0"/>
-          </a:p>
-        </p:txBody>
-      </p:sp>
-      <p:sp>
-        <p:nvSpPr>
-          <p:cNvPr id="3" name="内容占位符 2"/>
-          <p:cNvSpPr>
-            <a:spLocks noGrp="1"/>
-          </p:cNvSpPr>
-          <p:nvPr>
-            <p:ph idx="1"/>
-          </p:nvPr>
-        </p:nvSpPr>
-        <p:spPr/>
-        <p:txBody>
-          <a:bodyPr/>
-          <a:lstStyle/>
-          <a:p>
-            <a:pPr>
-              <a:buNone/>
-            </a:pPr>
-            <a:endParaRPr lang="en-US" altLang="zh-CN" dirty="0" smtClean="0"/>
-          </a:p>
-          <a:p>
-            <a:pPr>
-              <a:buNone/>
-            </a:pPr>
-            <a:endParaRPr lang="en-US" altLang="zh-CN" dirty="0" smtClean="0"/>
-          </a:p>
-        </p:txBody>
-      </p:sp>
-      <p:sp>
-        <p:nvSpPr>
-          <p:cNvPr id="4" name="灯片编号占位符 3"/>
-          <p:cNvSpPr>
-            <a:spLocks noGrp="1"/>
-          </p:cNvSpPr>
-          <p:nvPr>
-            <p:ph type="sldNum" sz="quarter" idx="10"/>
-          </p:nvPr>
-        </p:nvSpPr>
-        <p:spPr/>
-        <p:txBody>
-          <a:bodyPr/>
-          <a:lstStyle/>
-          <a:p>
-            <a:fld id="{FAF38CBB-378C-4311-BC9A-BAB83E9729AD}" type="slidenum">
-              <a:rPr lang="en-US" smtClean="0"/>
-              <a:pPr/>
-              <a:t>8</a:t>
-            </a:fld>
-            <a:endParaRPr lang="en-US"/>
-          </a:p>
-        </p:txBody>
-      </p:sp>
-      <p:sp>
-        <p:nvSpPr>
-          <p:cNvPr id="5" name="页脚占位符 4"/>
-          <p:cNvSpPr>
-            <a:spLocks noGrp="1"/>
-          </p:cNvSpPr>
-          <p:nvPr>
-            <p:ph type="ftr" sz="quarter" idx="11"/>
-          </p:nvPr>
-        </p:nvSpPr>
-        <p:spPr/>
-        <p:txBody>
-          <a:bodyPr/>
-          <a:lstStyle/>
-          <a:p>
-            <a:r>
-              <a:rPr lang="en-US" altLang="zh-CN" smtClean="0"/>
-              <a:t>OPC UA on Secure Device Yuankui Wang</a:t>
-            </a:r>
-            <a:endParaRPr lang="en-US" altLang="zh-CN" dirty="0"/>
-          </a:p>
-        </p:txBody>
-      </p:sp>
-      <p:sp>
-        <p:nvSpPr>
-          <p:cNvPr id="6" name="日期占位符 5"/>
-          <p:cNvSpPr>
-            <a:spLocks noGrp="1"/>
-          </p:cNvSpPr>
-          <p:nvPr>
-            <p:ph type="dt" sz="half" idx="12"/>
-          </p:nvPr>
-        </p:nvSpPr>
-        <p:spPr/>
-        <p:txBody>
-          <a:bodyPr/>
-          <a:lstStyle/>
-          <a:p>
-            <a:fld id="{D9CB193C-FC74-4279-8388-9DD1BFD58DB8}" type="datetime4">
-              <a:rPr lang="en-US" smtClean="0"/>
-              <a:pPr/>
-              <a:t>March 18, 2014</a:t>
-            </a:fld>
-            <a:endParaRPr lang="en-US"/>
-          </a:p>
-        </p:txBody>
-      </p:sp>
-      <p:pic>
-        <p:nvPicPr>
-          <p:cNvPr id="9221" name="Picture 5"/>
-          <p:cNvPicPr>
-            <a:picLocks noChangeAspect="1" noChangeArrowheads="1"/>
-          </p:cNvPicPr>
-          <p:nvPr/>
-        </p:nvPicPr>
-        <p:blipFill>
-          <a:blip r:embed="rId2" cstate="print"/>
-          <a:srcRect/>
-          <a:stretch>
-            <a:fillRect/>
-          </a:stretch>
-        </p:blipFill>
-        <p:spPr bwMode="auto">
-          <a:xfrm>
-            <a:off x="5442365" y="3602737"/>
-            <a:ext cx="3701635" cy="3040952"/>
-          </a:xfrm>
-          <a:prstGeom prst="rect">
-            <a:avLst/>
-          </a:prstGeom>
-          <a:noFill/>
-          <a:ln w="9525">
-            <a:noFill/>
-            <a:miter lim="800000"/>
-            <a:headEnd/>
-            <a:tailEnd/>
-          </a:ln>
-        </p:spPr>
-      </p:pic>
-      <p:sp>
-        <p:nvSpPr>
-          <p:cNvPr id="12" name="内容占位符 2"/>
-          <p:cNvSpPr txBox="1">
-            <a:spLocks/>
-          </p:cNvSpPr>
-          <p:nvPr/>
-        </p:nvSpPr>
-        <p:spPr bwMode="auto">
-          <a:xfrm>
-            <a:off x="609600" y="1493838"/>
-            <a:ext cx="8447314" cy="5056187"/>
-          </a:xfrm>
-          <a:prstGeom prst="rect">
-            <a:avLst/>
-          </a:prstGeom>
-          <a:noFill/>
-          <a:ln w="9525">
-            <a:noFill/>
-            <a:miter lim="800000"/>
-            <a:headEnd/>
-            <a:tailEnd/>
-          </a:ln>
-        </p:spPr>
-        <p:txBody>
-          <a:bodyPr vert="horz" wrap="square" lIns="91440" tIns="45720" rIns="91440" bIns="45720" numCol="1" anchor="t" anchorCtr="0" compatLnSpc="1">
-            <a:prstTxWarp prst="textNoShape">
-              <a:avLst/>
-            </a:prstTxWarp>
-          </a:bodyPr>
-          <a:lstStyle/>
-          <a:p>
-            <a:pPr marL="342900" marR="0" lvl="0" indent="-342900" algn="l" defTabSz="914400" rtl="0" eaLnBrk="1" fontAlgn="base" latinLnBrk="0" hangingPunct="1">
-              <a:lnSpc>
-                <a:spcPct val="100000"/>
-              </a:lnSpc>
-              <a:spcBef>
-                <a:spcPct val="20000"/>
-              </a:spcBef>
-              <a:spcAft>
-                <a:spcPct val="0"/>
-              </a:spcAft>
-              <a:buClr>
-                <a:srgbClr val="073482"/>
-              </a:buClr>
-              <a:buSzTx/>
-              <a:buFont typeface="Wingdings" pitchFamily="2" charset="2"/>
-              <a:buNone/>
-              <a:tabLst/>
-              <a:defRPr/>
-            </a:pPr>
-            <a:endParaRPr kumimoji="0" lang="en-US" altLang="zh-CN" sz="2400" b="0" i="0" u="none" strike="noStrike" kern="0" cap="none" spc="0" normalizeH="0" baseline="0" noProof="0" dirty="0" smtClean="0">
-              <a:ln>
-                <a:noFill/>
-              </a:ln>
-              <a:solidFill>
-                <a:schemeClr val="tx1"/>
-              </a:solidFill>
-              <a:effectLst/>
-              <a:uLnTx/>
-              <a:uFillTx/>
-              <a:latin typeface="+mn-lt"/>
-              <a:ea typeface="+mn-ea"/>
-              <a:cs typeface="+mn-cs"/>
-            </a:endParaRPr>
-          </a:p>
-          <a:p>
-            <a:pPr marL="342900" marR="0" lvl="0" indent="-342900" algn="l" defTabSz="914400" rtl="0" eaLnBrk="1" fontAlgn="base" latinLnBrk="0" hangingPunct="1">
-              <a:lnSpc>
-                <a:spcPct val="100000"/>
-              </a:lnSpc>
-              <a:spcBef>
-                <a:spcPct val="20000"/>
-              </a:spcBef>
-              <a:spcAft>
-                <a:spcPct val="0"/>
-              </a:spcAft>
-              <a:buClr>
-                <a:srgbClr val="073482"/>
-              </a:buClr>
-              <a:buSzTx/>
-              <a:buFont typeface="Wingdings" pitchFamily="2" charset="2"/>
-              <a:buChar char="§"/>
-              <a:tabLst/>
-              <a:defRPr/>
-            </a:pPr>
-            <a:r>
-              <a:rPr kumimoji="0" lang="en-US" altLang="zh-CN" sz="2400" b="0" i="0" u="none" strike="noStrike" kern="0" cap="none" spc="0" normalizeH="0" baseline="0" noProof="0" dirty="0" smtClean="0">
-                <a:ln>
-                  <a:noFill/>
-                </a:ln>
-                <a:solidFill>
-                  <a:schemeClr val="tx1"/>
-                </a:solidFill>
-                <a:effectLst/>
-                <a:uLnTx/>
-                <a:uFillTx/>
-                <a:latin typeface="+mn-lt"/>
-                <a:ea typeface="+mn-ea"/>
-                <a:cs typeface="+mn-cs"/>
-              </a:rPr>
-              <a:t>HTTPS with SOAP</a:t>
-            </a:r>
-            <a:r>
-              <a:rPr kumimoji="0" lang="en-US" altLang="zh-CN" sz="2400" b="0" i="0" u="none" strike="noStrike" kern="0" cap="none" spc="0" normalizeH="0" noProof="0" dirty="0" smtClean="0">
-                <a:ln>
-                  <a:noFill/>
-                </a:ln>
-                <a:solidFill>
-                  <a:schemeClr val="tx1"/>
-                </a:solidFill>
-                <a:effectLst/>
-                <a:uLnTx/>
-                <a:uFillTx/>
-                <a:latin typeface="+mn-lt"/>
-                <a:ea typeface="+mn-ea"/>
-                <a:cs typeface="+mn-cs"/>
-              </a:rPr>
-              <a:t> and XML Encoding</a:t>
-            </a:r>
-          </a:p>
-          <a:p>
-            <a:pPr marL="800100" lvl="1" indent="-342900">
-              <a:spcBef>
-                <a:spcPct val="20000"/>
-              </a:spcBef>
-              <a:buClr>
-                <a:srgbClr val="073482"/>
-              </a:buClr>
-              <a:buFont typeface="Wingdings" pitchFamily="2" charset="2"/>
-              <a:buChar char="§"/>
-            </a:pPr>
-            <a:r>
-              <a:rPr lang="en-US" altLang="zh-CN" sz="2400" b="0" i="0" kern="0" baseline="0" dirty="0" smtClean="0">
-                <a:solidFill>
-                  <a:schemeClr val="tx1"/>
-                </a:solidFill>
-                <a:latin typeface="+mn-lt"/>
-              </a:rPr>
-              <a:t>Hybrid</a:t>
-            </a:r>
-            <a:r>
-              <a:rPr lang="en-US" altLang="zh-CN" sz="2400" b="0" i="0" kern="0" dirty="0" smtClean="0">
-                <a:solidFill>
-                  <a:schemeClr val="tx1"/>
-                </a:solidFill>
-                <a:latin typeface="+mn-lt"/>
-              </a:rPr>
-              <a:t> for web client application</a:t>
-            </a:r>
-          </a:p>
-          <a:p>
-            <a:pPr marL="800100" lvl="1" indent="-342900">
-              <a:spcBef>
-                <a:spcPct val="20000"/>
-              </a:spcBef>
-              <a:buClr>
-                <a:srgbClr val="073482"/>
-              </a:buClr>
-              <a:buFont typeface="Wingdings" pitchFamily="2" charset="2"/>
-              <a:buChar char="§"/>
-            </a:pPr>
-            <a:r>
-              <a:rPr kumimoji="0" lang="en-US" altLang="zh-CN" sz="2400" b="0" i="0" u="none" strike="noStrike" kern="0" cap="none" spc="0" normalizeH="0" baseline="0" noProof="0" dirty="0" smtClean="0">
-                <a:ln>
-                  <a:noFill/>
-                </a:ln>
-                <a:solidFill>
-                  <a:schemeClr val="tx1"/>
-                </a:solidFill>
-                <a:effectLst/>
-                <a:uLnTx/>
-                <a:uFillTx/>
-                <a:latin typeface="+mn-lt"/>
-                <a:ea typeface="+mn-ea"/>
-                <a:cs typeface="+mn-cs"/>
-              </a:rPr>
-              <a:t>Or in</a:t>
-            </a:r>
-            <a:r>
-              <a:rPr kumimoji="0" lang="en-US" altLang="zh-CN" sz="2400" b="0" i="0" u="none" strike="noStrike" kern="0" cap="none" spc="0" normalizeH="0" noProof="0" dirty="0" smtClean="0">
-                <a:ln>
-                  <a:noFill/>
-                </a:ln>
-                <a:solidFill>
-                  <a:schemeClr val="tx1"/>
-                </a:solidFill>
-                <a:effectLst/>
-                <a:uLnTx/>
-                <a:uFillTx/>
-                <a:latin typeface="+mn-lt"/>
-                <a:ea typeface="+mn-ea"/>
-                <a:cs typeface="+mn-cs"/>
-              </a:rPr>
-              <a:t> cases only port 443 can be used</a:t>
-            </a:r>
-            <a:endParaRPr kumimoji="0" lang="en-US" altLang="zh-CN" sz="2400" b="0" i="0" u="none" strike="noStrike" kern="0" cap="none" spc="0" normalizeH="0" baseline="0" noProof="0" dirty="0" smtClean="0">
-              <a:ln>
-                <a:noFill/>
-              </a:ln>
-              <a:solidFill>
-                <a:schemeClr val="tx1"/>
-              </a:solidFill>
-              <a:effectLst/>
-              <a:uLnTx/>
-              <a:uFillTx/>
-              <a:latin typeface="+mn-lt"/>
-              <a:ea typeface="+mn-ea"/>
-              <a:cs typeface="+mn-cs"/>
-            </a:endParaRPr>
-          </a:p>
-          <a:p>
-            <a:pPr marL="342900" marR="0" lvl="0" indent="-342900" algn="l" defTabSz="914400" rtl="0" eaLnBrk="1" fontAlgn="base" latinLnBrk="0" hangingPunct="1">
-              <a:lnSpc>
-                <a:spcPct val="100000"/>
-              </a:lnSpc>
-              <a:spcBef>
-                <a:spcPct val="20000"/>
-              </a:spcBef>
-              <a:spcAft>
-                <a:spcPct val="0"/>
-              </a:spcAft>
-              <a:buClr>
-                <a:srgbClr val="073482"/>
-              </a:buClr>
-              <a:buSzTx/>
-              <a:buFont typeface="Wingdings" pitchFamily="2" charset="2"/>
-              <a:buChar char="§"/>
-              <a:tabLst/>
-              <a:defRPr/>
-            </a:pPr>
-            <a:r>
-              <a:rPr lang="en-US" altLang="zh-CN" sz="2400" b="0" i="0" kern="0" dirty="0" smtClean="0">
-                <a:solidFill>
-                  <a:schemeClr val="tx1"/>
-                </a:solidFill>
-                <a:latin typeface="+mn-lt"/>
-              </a:rPr>
-              <a:t>HTTP with SOAP and WS secure Conversation and</a:t>
-            </a:r>
-          </a:p>
-          <a:p>
-            <a:pPr marL="342900" marR="0" lvl="0" indent="-342900" algn="l" defTabSz="914400" rtl="0" eaLnBrk="1" fontAlgn="base" latinLnBrk="0" hangingPunct="1">
-              <a:lnSpc>
-                <a:spcPct val="100000"/>
-              </a:lnSpc>
-              <a:spcBef>
-                <a:spcPct val="20000"/>
-              </a:spcBef>
-              <a:spcAft>
-                <a:spcPct val="0"/>
-              </a:spcAft>
-              <a:buClr>
-                <a:srgbClr val="073482"/>
-              </a:buClr>
-              <a:buSzTx/>
-              <a:tabLst/>
-              <a:defRPr/>
-            </a:pPr>
-            <a:r>
-              <a:rPr lang="en-US" altLang="zh-CN" sz="2400" b="0" i="0" kern="0" dirty="0" smtClean="0">
-                <a:solidFill>
-                  <a:schemeClr val="tx1"/>
-                </a:solidFill>
-                <a:latin typeface="+mn-lt"/>
-              </a:rPr>
-              <a:t>	XML Encoding</a:t>
-            </a:r>
-          </a:p>
-          <a:p>
-            <a:pPr marL="800100" lvl="1" indent="-342900">
-              <a:spcBef>
-                <a:spcPct val="20000"/>
-              </a:spcBef>
-              <a:buClr>
-                <a:srgbClr val="073482"/>
-              </a:buClr>
-              <a:buFont typeface="Wingdings" pitchFamily="2" charset="2"/>
-              <a:buChar char="§"/>
-            </a:pPr>
-            <a:r>
-              <a:rPr lang="en-US" altLang="zh-CN" sz="2400" b="0" i="0" kern="0" dirty="0" smtClean="0">
-                <a:solidFill>
-                  <a:schemeClr val="tx1"/>
-                </a:solidFill>
-                <a:latin typeface="+mn-lt"/>
-              </a:rPr>
-              <a:t>High level system</a:t>
-            </a:r>
-          </a:p>
-          <a:p>
-            <a:pPr marL="800100" lvl="1" indent="-342900">
-              <a:spcBef>
-                <a:spcPct val="20000"/>
-              </a:spcBef>
-              <a:buClr>
-                <a:srgbClr val="073482"/>
-              </a:buClr>
-              <a:buFont typeface="Wingdings" pitchFamily="2" charset="2"/>
-              <a:buChar char="§"/>
-            </a:pPr>
-            <a:r>
-              <a:rPr lang="en-US" altLang="zh-CN" sz="2400" b="0" i="0" kern="0" dirty="0" smtClean="0">
-                <a:solidFill>
-                  <a:schemeClr val="tx1"/>
-                </a:solidFill>
-                <a:latin typeface="+mn-lt"/>
-              </a:rPr>
-              <a:t>Only permitted to communicate</a:t>
-            </a:r>
-          </a:p>
-          <a:p>
-            <a:pPr marL="800100" lvl="1" indent="-342900">
-              <a:spcBef>
-                <a:spcPct val="20000"/>
-              </a:spcBef>
-              <a:buClr>
-                <a:srgbClr val="073482"/>
-              </a:buClr>
-            </a:pPr>
-            <a:r>
-              <a:rPr lang="en-US" altLang="zh-CN" sz="2400" b="0" i="0" kern="0" dirty="0" smtClean="0">
-                <a:solidFill>
-                  <a:schemeClr val="tx1"/>
-                </a:solidFill>
-                <a:latin typeface="+mn-lt"/>
-              </a:rPr>
-              <a:t>	on port 80</a:t>
-            </a:r>
-          </a:p>
-          <a:p>
-            <a:pPr marL="800100" lvl="1" indent="-342900">
-              <a:spcBef>
-                <a:spcPct val="20000"/>
-              </a:spcBef>
-              <a:buClr>
-                <a:srgbClr val="073482"/>
-              </a:buClr>
-            </a:pPr>
-            <a:endParaRPr lang="en-US" altLang="zh-CN" sz="2400" b="0" i="0" kern="0" dirty="0" smtClean="0">
-              <a:solidFill>
-                <a:schemeClr val="tx1"/>
-              </a:solidFill>
-              <a:latin typeface="+mn-lt"/>
-            </a:endParaRPr>
-          </a:p>
-        </p:txBody>
-      </p:sp>
-    </p:spTree>
-  </p:cSld>
-  <p:clrMapOvr>
-    <a:masterClrMapping/>
-  </p:clrMapOvr>
-  <p:timing>
-    <p:tnLst>
-      <p:par>
-        <p:cTn id="1" dur="indefinite" restart="never" nodeType="tmRoot"/>
-      </p:par>
-    </p:tnLst>
-  </p:timing>
-</p:sld>
-</file>
-
-<file path=ppt/slides/slide9.xml><?xml version="1.0" encoding="utf-8"?>
-<p:sld xmlns:a="http://schemas.openxmlformats.org/drawingml/2006/main" xmlns:r="http://schemas.openxmlformats.org/officeDocument/2006/relationships" xmlns:p="http://schemas.openxmlformats.org/presentationml/2006/main">
-  <p:cSld>
-    <p:spTree>
-      <p:nvGrpSpPr>
-        <p:cNvPr id="1" name=""/>
-        <p:cNvGrpSpPr/>
-        <p:nvPr/>
-      </p:nvGrpSpPr>
-      <p:grpSpPr>
-        <a:xfrm>
-          <a:off x="0" y="0"/>
-          <a:ext cx="0" cy="0"/>
-          <a:chOff x="0" y="0"/>
-          <a:chExt cx="0" cy="0"/>
-        </a:xfrm>
-      </p:grpSpPr>
-      <p:sp>
-        <p:nvSpPr>
-          <p:cNvPr id="2" name="标题 1"/>
-          <p:cNvSpPr>
-            <a:spLocks noGrp="1"/>
-          </p:cNvSpPr>
-          <p:nvPr>
-            <p:ph type="title"/>
-          </p:nvPr>
-        </p:nvSpPr>
-        <p:spPr/>
-        <p:txBody>
-          <a:bodyPr/>
-          <a:lstStyle/>
-          <a:p>
-            <a:r>
-              <a:rPr lang="en-US" altLang="zh-CN" dirty="0" smtClean="0"/>
-              <a:t>Data Model</a:t>
-            </a:r>
-            <a:endParaRPr lang="zh-CN" altLang="en-US" dirty="0"/>
-          </a:p>
-        </p:txBody>
-      </p:sp>
-      <p:sp>
-        <p:nvSpPr>
-          <p:cNvPr id="4" name="灯片编号占位符 3"/>
-          <p:cNvSpPr>
-            <a:spLocks noGrp="1"/>
-          </p:cNvSpPr>
-          <p:nvPr>
-            <p:ph type="sldNum" sz="quarter" idx="10"/>
-          </p:nvPr>
-        </p:nvSpPr>
-        <p:spPr/>
-        <p:txBody>
-          <a:bodyPr/>
-          <a:lstStyle/>
-          <a:p>
-            <a:fld id="{FAF38CBB-378C-4311-BC9A-BAB83E9729AD}" type="slidenum">
-              <a:rPr lang="en-US" smtClean="0"/>
-              <a:pPr/>
-              <a:t>9</a:t>
-            </a:fld>
-            <a:endParaRPr lang="en-US"/>
-          </a:p>
-        </p:txBody>
-      </p:sp>
-      <p:sp>
-        <p:nvSpPr>
-          <p:cNvPr id="5" name="页脚占位符 4"/>
-          <p:cNvSpPr>
-            <a:spLocks noGrp="1"/>
-          </p:cNvSpPr>
-          <p:nvPr>
-            <p:ph type="ftr" sz="quarter" idx="11"/>
-          </p:nvPr>
-        </p:nvSpPr>
-        <p:spPr/>
-        <p:txBody>
-          <a:bodyPr/>
-          <a:lstStyle/>
-          <a:p>
-            <a:r>
-              <a:rPr lang="en-US" altLang="zh-CN" smtClean="0"/>
-              <a:t>OPC UA on Secure Device Yuankui Wang</a:t>
-            </a:r>
-            <a:endParaRPr lang="en-US" altLang="zh-CN" dirty="0"/>
-          </a:p>
-        </p:txBody>
-      </p:sp>
-      <p:sp>
-        <p:nvSpPr>
-          <p:cNvPr id="6" name="日期占位符 5"/>
-          <p:cNvSpPr>
-            <a:spLocks noGrp="1"/>
-          </p:cNvSpPr>
-          <p:nvPr>
-            <p:ph type="dt" sz="half" idx="12"/>
-          </p:nvPr>
-        </p:nvSpPr>
-        <p:spPr/>
-        <p:txBody>
-          <a:bodyPr/>
-          <a:lstStyle/>
-          <a:p>
-            <a:fld id="{D9CB193C-FC74-4279-8388-9DD1BFD58DB8}" type="datetime4">
-              <a:rPr lang="en-US" smtClean="0"/>
-              <a:pPr/>
-              <a:t>March 18, 2014</a:t>
-            </a:fld>
-            <a:endParaRPr lang="en-US"/>
-          </a:p>
-        </p:txBody>
-      </p:sp>
-      <p:sp>
-        <p:nvSpPr>
-          <p:cNvPr id="11" name="内容占位符 10"/>
-          <p:cNvSpPr>
-            <a:spLocks noGrp="1"/>
-          </p:cNvSpPr>
-          <p:nvPr>
-            <p:ph idx="1"/>
-          </p:nvPr>
-        </p:nvSpPr>
-        <p:spPr/>
-        <p:txBody>
-          <a:bodyPr/>
-          <a:lstStyle/>
-          <a:p>
-            <a:r>
-              <a:rPr lang="en-US" altLang="zh-CN" dirty="0" smtClean="0"/>
-              <a:t>OPC UA defines a generic object model including the corresponding type system</a:t>
-            </a:r>
-          </a:p>
-          <a:p>
-            <a:r>
-              <a:rPr lang="en-US" altLang="zh-CN" dirty="0" smtClean="0"/>
-              <a:t>Generic date model</a:t>
-            </a:r>
-          </a:p>
-          <a:p>
-            <a:r>
-              <a:rPr lang="en-US" altLang="zh-CN" dirty="0" smtClean="0"/>
-              <a:t>Modeling rules how physical sys can be transformed in an UA conformant model </a:t>
-            </a:r>
-          </a:p>
-          <a:p>
-            <a:r>
-              <a:rPr lang="en-US" altLang="zh-CN" dirty="0" smtClean="0"/>
-              <a:t>Based on Data Model, information model is developed</a:t>
-            </a:r>
-          </a:p>
-          <a:p>
-            <a:pPr lvl="1"/>
-            <a:r>
-              <a:rPr lang="en-US" altLang="zh-CN" dirty="0" smtClean="0"/>
-              <a:t>Enhance the basic set of model</a:t>
-            </a:r>
-          </a:p>
-          <a:p>
-            <a:pPr lvl="1"/>
-            <a:r>
-              <a:rPr lang="en-US" altLang="zh-CN" dirty="0" smtClean="0"/>
-              <a:t>Data access</a:t>
-            </a:r>
-          </a:p>
-          <a:p>
-            <a:pPr lvl="1"/>
-            <a:r>
-              <a:rPr lang="en-US" altLang="zh-CN" dirty="0" smtClean="0"/>
-              <a:t>Alarms</a:t>
-            </a:r>
-          </a:p>
-          <a:p>
-            <a:pPr lvl="1"/>
-            <a:r>
-              <a:rPr lang="en-US" altLang="zh-CN" dirty="0" smtClean="0"/>
-              <a:t>Conditions</a:t>
-            </a:r>
-          </a:p>
-          <a:p>
-            <a:pPr lvl="1"/>
-            <a:r>
-              <a:rPr lang="en-US" altLang="zh-CN" dirty="0" smtClean="0"/>
-              <a:t>Historical Access</a:t>
-            </a:r>
-          </a:p>
-          <a:p>
-            <a:pPr lvl="1"/>
-            <a:r>
-              <a:rPr lang="en-US" altLang="zh-CN" dirty="0" smtClean="0"/>
-              <a:t>Programs</a:t>
-            </a:r>
-          </a:p>
-          <a:p>
-            <a:pPr lvl="1"/>
-            <a:endParaRPr lang="zh-CN" altLang="en-US" dirty="0"/>
-          </a:p>
-        </p:txBody>
-      </p:sp>
-      <p:pic>
-        <p:nvPicPr>
-          <p:cNvPr id="12" name="Picture 6"/>
-          <p:cNvPicPr>
-            <a:picLocks noChangeAspect="1" noChangeArrowheads="1"/>
-          </p:cNvPicPr>
-          <p:nvPr/>
-        </p:nvPicPr>
-        <p:blipFill>
-          <a:blip r:embed="rId2" cstate="print"/>
-          <a:srcRect/>
-          <a:stretch>
-            <a:fillRect/>
-          </a:stretch>
-        </p:blipFill>
-        <p:spPr bwMode="auto">
-          <a:xfrm>
-            <a:off x="5642101" y="4654296"/>
-            <a:ext cx="3173287" cy="1989392"/>
+            <a:off x="457200" y="1385095"/>
+            <a:ext cx="5137934" cy="3022314"/>
           </a:xfrm>
           <a:prstGeom prst="rect">
             <a:avLst/>
